--- a/presentations/example11.pptx
+++ b/presentations/example11.pptx
@@ -105,6 +105,11 @@
       </a:defRPr>
     </a:lvl9pPr>
   </p:defaultTextStyle>
+  <p:extLst>
+    <p:ext uri="{EFAFB233-063F-42B5-8137-9DF3F51BA10A}">
+      <p15:sldGuideLst xmlns:p15="http://schemas.microsoft.com/office/powerpoint/2012/main"/>
+    </p:ext>
+  </p:extLst>
 </p:presentation>
 </file>
 
@@ -150,10 +155,9 @@
           </a:lstStyle>
           <a:p>
             <a:r>
-              <a:rPr lang="en-US" smtClean="0"/>
+              <a:rPr lang="en-US"/>
               <a:t>Click to edit Master title style</a:t>
             </a:r>
-            <a:endParaRPr lang="en-US"/>
           </a:p>
         </p:txBody>
       </p:sp>
@@ -215,10 +219,9 @@
           </a:lstStyle>
           <a:p>
             <a:r>
-              <a:rPr lang="en-US" smtClean="0"/>
+              <a:rPr lang="en-US"/>
               <a:t>Click to edit Master subtitle style</a:t>
             </a:r>
-            <a:endParaRPr lang="en-US"/>
           </a:p>
         </p:txBody>
       </p:sp>
@@ -239,7 +242,7 @@
           <a:p>
             <a:fld id="{68AC9A45-13AD-4A6D-9261-39876C7E6157}" type="datetimeFigureOut">
               <a:rPr lang="en-US" smtClean="0"/>
-              <a:t>5/6/2021</a:t>
+              <a:t>5/8/2021</a:t>
             </a:fld>
             <a:endParaRPr lang="en-US"/>
           </a:p>
@@ -333,10 +336,9 @@
           <a:lstStyle/>
           <a:p>
             <a:r>
-              <a:rPr lang="en-US" smtClean="0"/>
+              <a:rPr lang="en-US"/>
               <a:t>Click to edit Master title style</a:t>
             </a:r>
-            <a:endParaRPr lang="en-US"/>
           </a:p>
         </p:txBody>
       </p:sp>
@@ -357,38 +359,37 @@
           <a:p>
             <a:pPr lvl="0"/>
             <a:r>
-              <a:rPr lang="en-US" smtClean="0"/>
+              <a:rPr lang="en-US"/>
               <a:t>Edit Master text styles</a:t>
             </a:r>
           </a:p>
           <a:p>
             <a:pPr lvl="1"/>
             <a:r>
-              <a:rPr lang="en-US" smtClean="0"/>
+              <a:rPr lang="en-US"/>
               <a:t>Second level</a:t>
             </a:r>
           </a:p>
           <a:p>
             <a:pPr lvl="2"/>
             <a:r>
-              <a:rPr lang="en-US" smtClean="0"/>
+              <a:rPr lang="en-US"/>
               <a:t>Third level</a:t>
             </a:r>
           </a:p>
           <a:p>
             <a:pPr lvl="3"/>
             <a:r>
-              <a:rPr lang="en-US" smtClean="0"/>
+              <a:rPr lang="en-US"/>
               <a:t>Fourth level</a:t>
             </a:r>
           </a:p>
           <a:p>
             <a:pPr lvl="4"/>
             <a:r>
-              <a:rPr lang="en-US" smtClean="0"/>
+              <a:rPr lang="en-US"/>
               <a:t>Fifth level</a:t>
             </a:r>
-            <a:endParaRPr lang="en-US"/>
           </a:p>
         </p:txBody>
       </p:sp>
@@ -409,7 +410,7 @@
           <a:p>
             <a:fld id="{68AC9A45-13AD-4A6D-9261-39876C7E6157}" type="datetimeFigureOut">
               <a:rPr lang="en-US" smtClean="0"/>
-              <a:t>5/6/2021</a:t>
+              <a:t>5/8/2021</a:t>
             </a:fld>
             <a:endParaRPr lang="en-US"/>
           </a:p>
@@ -508,10 +509,9 @@
           <a:lstStyle/>
           <a:p>
             <a:r>
-              <a:rPr lang="en-US" smtClean="0"/>
+              <a:rPr lang="en-US"/>
               <a:t>Click to edit Master title style</a:t>
             </a:r>
-            <a:endParaRPr lang="en-US"/>
           </a:p>
         </p:txBody>
       </p:sp>
@@ -537,38 +537,37 @@
           <a:p>
             <a:pPr lvl="0"/>
             <a:r>
-              <a:rPr lang="en-US" smtClean="0"/>
+              <a:rPr lang="en-US"/>
               <a:t>Edit Master text styles</a:t>
             </a:r>
           </a:p>
           <a:p>
             <a:pPr lvl="1"/>
             <a:r>
-              <a:rPr lang="en-US" smtClean="0"/>
+              <a:rPr lang="en-US"/>
               <a:t>Second level</a:t>
             </a:r>
           </a:p>
           <a:p>
             <a:pPr lvl="2"/>
             <a:r>
-              <a:rPr lang="en-US" smtClean="0"/>
+              <a:rPr lang="en-US"/>
               <a:t>Third level</a:t>
             </a:r>
           </a:p>
           <a:p>
             <a:pPr lvl="3"/>
             <a:r>
-              <a:rPr lang="en-US" smtClean="0"/>
+              <a:rPr lang="en-US"/>
               <a:t>Fourth level</a:t>
             </a:r>
           </a:p>
           <a:p>
             <a:pPr lvl="4"/>
             <a:r>
-              <a:rPr lang="en-US" smtClean="0"/>
+              <a:rPr lang="en-US"/>
               <a:t>Fifth level</a:t>
             </a:r>
-            <a:endParaRPr lang="en-US"/>
           </a:p>
         </p:txBody>
       </p:sp>
@@ -589,7 +588,7 @@
           <a:p>
             <a:fld id="{68AC9A45-13AD-4A6D-9261-39876C7E6157}" type="datetimeFigureOut">
               <a:rPr lang="en-US" smtClean="0"/>
-              <a:t>5/6/2021</a:t>
+              <a:t>5/8/2021</a:t>
             </a:fld>
             <a:endParaRPr lang="en-US"/>
           </a:p>
@@ -683,10 +682,9 @@
           <a:lstStyle/>
           <a:p>
             <a:r>
-              <a:rPr lang="en-US" smtClean="0"/>
+              <a:rPr lang="en-US"/>
               <a:t>Click to edit Master title style</a:t>
             </a:r>
-            <a:endParaRPr lang="en-US"/>
           </a:p>
         </p:txBody>
       </p:sp>
@@ -707,38 +705,37 @@
           <a:p>
             <a:pPr lvl="0"/>
             <a:r>
-              <a:rPr lang="en-US" smtClean="0"/>
+              <a:rPr lang="en-US"/>
               <a:t>Edit Master text styles</a:t>
             </a:r>
           </a:p>
           <a:p>
             <a:pPr lvl="1"/>
             <a:r>
-              <a:rPr lang="en-US" smtClean="0"/>
+              <a:rPr lang="en-US"/>
               <a:t>Second level</a:t>
             </a:r>
           </a:p>
           <a:p>
             <a:pPr lvl="2"/>
             <a:r>
-              <a:rPr lang="en-US" smtClean="0"/>
+              <a:rPr lang="en-US"/>
               <a:t>Third level</a:t>
             </a:r>
           </a:p>
           <a:p>
             <a:pPr lvl="3"/>
             <a:r>
-              <a:rPr lang="en-US" smtClean="0"/>
+              <a:rPr lang="en-US"/>
               <a:t>Fourth level</a:t>
             </a:r>
           </a:p>
           <a:p>
             <a:pPr lvl="4"/>
             <a:r>
-              <a:rPr lang="en-US" smtClean="0"/>
+              <a:rPr lang="en-US"/>
               <a:t>Fifth level</a:t>
             </a:r>
-            <a:endParaRPr lang="en-US"/>
           </a:p>
         </p:txBody>
       </p:sp>
@@ -759,7 +756,7 @@
           <a:p>
             <a:fld id="{68AC9A45-13AD-4A6D-9261-39876C7E6157}" type="datetimeFigureOut">
               <a:rPr lang="en-US" smtClean="0"/>
-              <a:t>5/6/2021</a:t>
+              <a:t>5/8/2021</a:t>
             </a:fld>
             <a:endParaRPr lang="en-US"/>
           </a:p>
@@ -862,10 +859,9 @@
           </a:lstStyle>
           <a:p>
             <a:r>
-              <a:rPr lang="en-US" smtClean="0"/>
+              <a:rPr lang="en-US"/>
               <a:t>Click to edit Master title style</a:t>
             </a:r>
-            <a:endParaRPr lang="en-US"/>
           </a:p>
         </p:txBody>
       </p:sp>
@@ -982,7 +978,7 @@
           <a:p>
             <a:pPr lvl="0"/>
             <a:r>
-              <a:rPr lang="en-US" smtClean="0"/>
+              <a:rPr lang="en-US"/>
               <a:t>Edit Master text styles</a:t>
             </a:r>
           </a:p>
@@ -1005,7 +1001,7 @@
           <a:p>
             <a:fld id="{68AC9A45-13AD-4A6D-9261-39876C7E6157}" type="datetimeFigureOut">
               <a:rPr lang="en-US" smtClean="0"/>
-              <a:t>5/6/2021</a:t>
+              <a:t>5/8/2021</a:t>
             </a:fld>
             <a:endParaRPr lang="en-US"/>
           </a:p>
@@ -1099,10 +1095,9 @@
           <a:lstStyle/>
           <a:p>
             <a:r>
-              <a:rPr lang="en-US" smtClean="0"/>
+              <a:rPr lang="en-US"/>
               <a:t>Click to edit Master title style</a:t>
             </a:r>
-            <a:endParaRPr lang="en-US"/>
           </a:p>
         </p:txBody>
       </p:sp>
@@ -1128,38 +1123,37 @@
           <a:p>
             <a:pPr lvl="0"/>
             <a:r>
-              <a:rPr lang="en-US" smtClean="0"/>
+              <a:rPr lang="en-US"/>
               <a:t>Edit Master text styles</a:t>
             </a:r>
           </a:p>
           <a:p>
             <a:pPr lvl="1"/>
             <a:r>
-              <a:rPr lang="en-US" smtClean="0"/>
+              <a:rPr lang="en-US"/>
               <a:t>Second level</a:t>
             </a:r>
           </a:p>
           <a:p>
             <a:pPr lvl="2"/>
             <a:r>
-              <a:rPr lang="en-US" smtClean="0"/>
+              <a:rPr lang="en-US"/>
               <a:t>Third level</a:t>
             </a:r>
           </a:p>
           <a:p>
             <a:pPr lvl="3"/>
             <a:r>
-              <a:rPr lang="en-US" smtClean="0"/>
+              <a:rPr lang="en-US"/>
               <a:t>Fourth level</a:t>
             </a:r>
           </a:p>
           <a:p>
             <a:pPr lvl="4"/>
             <a:r>
-              <a:rPr lang="en-US" smtClean="0"/>
+              <a:rPr lang="en-US"/>
               <a:t>Fifth level</a:t>
             </a:r>
-            <a:endParaRPr lang="en-US"/>
           </a:p>
         </p:txBody>
       </p:sp>
@@ -1185,38 +1179,37 @@
           <a:p>
             <a:pPr lvl="0"/>
             <a:r>
-              <a:rPr lang="en-US" smtClean="0"/>
+              <a:rPr lang="en-US"/>
               <a:t>Edit Master text styles</a:t>
             </a:r>
           </a:p>
           <a:p>
             <a:pPr lvl="1"/>
             <a:r>
-              <a:rPr lang="en-US" smtClean="0"/>
+              <a:rPr lang="en-US"/>
               <a:t>Second level</a:t>
             </a:r>
           </a:p>
           <a:p>
             <a:pPr lvl="2"/>
             <a:r>
-              <a:rPr lang="en-US" smtClean="0"/>
+              <a:rPr lang="en-US"/>
               <a:t>Third level</a:t>
             </a:r>
           </a:p>
           <a:p>
             <a:pPr lvl="3"/>
             <a:r>
-              <a:rPr lang="en-US" smtClean="0"/>
+              <a:rPr lang="en-US"/>
               <a:t>Fourth level</a:t>
             </a:r>
           </a:p>
           <a:p>
             <a:pPr lvl="4"/>
             <a:r>
-              <a:rPr lang="en-US" smtClean="0"/>
+              <a:rPr lang="en-US"/>
               <a:t>Fifth level</a:t>
             </a:r>
-            <a:endParaRPr lang="en-US"/>
           </a:p>
         </p:txBody>
       </p:sp>
@@ -1237,7 +1230,7 @@
           <a:p>
             <a:fld id="{68AC9A45-13AD-4A6D-9261-39876C7E6157}" type="datetimeFigureOut">
               <a:rPr lang="en-US" smtClean="0"/>
-              <a:t>5/6/2021</a:t>
+              <a:t>5/8/2021</a:t>
             </a:fld>
             <a:endParaRPr lang="en-US"/>
           </a:p>
@@ -1336,10 +1329,9 @@
           <a:lstStyle/>
           <a:p>
             <a:r>
-              <a:rPr lang="en-US" smtClean="0"/>
+              <a:rPr lang="en-US"/>
               <a:t>Click to edit Master title style</a:t>
             </a:r>
-            <a:endParaRPr lang="en-US"/>
           </a:p>
         </p:txBody>
       </p:sp>
@@ -1402,7 +1394,7 @@
           <a:p>
             <a:pPr lvl="0"/>
             <a:r>
-              <a:rPr lang="en-US" smtClean="0"/>
+              <a:rPr lang="en-US"/>
               <a:t>Edit Master text styles</a:t>
             </a:r>
           </a:p>
@@ -1430,38 +1422,37 @@
           <a:p>
             <a:pPr lvl="0"/>
             <a:r>
-              <a:rPr lang="en-US" smtClean="0"/>
+              <a:rPr lang="en-US"/>
               <a:t>Edit Master text styles</a:t>
             </a:r>
           </a:p>
           <a:p>
             <a:pPr lvl="1"/>
             <a:r>
-              <a:rPr lang="en-US" smtClean="0"/>
+              <a:rPr lang="en-US"/>
               <a:t>Second level</a:t>
             </a:r>
           </a:p>
           <a:p>
             <a:pPr lvl="2"/>
             <a:r>
-              <a:rPr lang="en-US" smtClean="0"/>
+              <a:rPr lang="en-US"/>
               <a:t>Third level</a:t>
             </a:r>
           </a:p>
           <a:p>
             <a:pPr lvl="3"/>
             <a:r>
-              <a:rPr lang="en-US" smtClean="0"/>
+              <a:rPr lang="en-US"/>
               <a:t>Fourth level</a:t>
             </a:r>
           </a:p>
           <a:p>
             <a:pPr lvl="4"/>
             <a:r>
-              <a:rPr lang="en-US" smtClean="0"/>
+              <a:rPr lang="en-US"/>
               <a:t>Fifth level</a:t>
             </a:r>
-            <a:endParaRPr lang="en-US"/>
           </a:p>
         </p:txBody>
       </p:sp>
@@ -1524,7 +1515,7 @@
           <a:p>
             <a:pPr lvl="0"/>
             <a:r>
-              <a:rPr lang="en-US" smtClean="0"/>
+              <a:rPr lang="en-US"/>
               <a:t>Edit Master text styles</a:t>
             </a:r>
           </a:p>
@@ -1552,38 +1543,37 @@
           <a:p>
             <a:pPr lvl="0"/>
             <a:r>
-              <a:rPr lang="en-US" smtClean="0"/>
+              <a:rPr lang="en-US"/>
               <a:t>Edit Master text styles</a:t>
             </a:r>
           </a:p>
           <a:p>
             <a:pPr lvl="1"/>
             <a:r>
-              <a:rPr lang="en-US" smtClean="0"/>
+              <a:rPr lang="en-US"/>
               <a:t>Second level</a:t>
             </a:r>
           </a:p>
           <a:p>
             <a:pPr lvl="2"/>
             <a:r>
-              <a:rPr lang="en-US" smtClean="0"/>
+              <a:rPr lang="en-US"/>
               <a:t>Third level</a:t>
             </a:r>
           </a:p>
           <a:p>
             <a:pPr lvl="3"/>
             <a:r>
-              <a:rPr lang="en-US" smtClean="0"/>
+              <a:rPr lang="en-US"/>
               <a:t>Fourth level</a:t>
             </a:r>
           </a:p>
           <a:p>
             <a:pPr lvl="4"/>
             <a:r>
-              <a:rPr lang="en-US" smtClean="0"/>
+              <a:rPr lang="en-US"/>
               <a:t>Fifth level</a:t>
             </a:r>
-            <a:endParaRPr lang="en-US"/>
           </a:p>
         </p:txBody>
       </p:sp>
@@ -1604,7 +1594,7 @@
           <a:p>
             <a:fld id="{68AC9A45-13AD-4A6D-9261-39876C7E6157}" type="datetimeFigureOut">
               <a:rPr lang="en-US" smtClean="0"/>
-              <a:t>5/6/2021</a:t>
+              <a:t>5/8/2021</a:t>
             </a:fld>
             <a:endParaRPr lang="en-US"/>
           </a:p>
@@ -1698,10 +1688,9 @@
           <a:lstStyle/>
           <a:p>
             <a:r>
-              <a:rPr lang="en-US" smtClean="0"/>
+              <a:rPr lang="en-US"/>
               <a:t>Click to edit Master title style</a:t>
             </a:r>
-            <a:endParaRPr lang="en-US"/>
           </a:p>
         </p:txBody>
       </p:sp>
@@ -1722,7 +1711,7 @@
           <a:p>
             <a:fld id="{68AC9A45-13AD-4A6D-9261-39876C7E6157}" type="datetimeFigureOut">
               <a:rPr lang="en-US" smtClean="0"/>
-              <a:t>5/6/2021</a:t>
+              <a:t>5/8/2021</a:t>
             </a:fld>
             <a:endParaRPr lang="en-US"/>
           </a:p>
@@ -1817,7 +1806,7 @@
           <a:p>
             <a:fld id="{68AC9A45-13AD-4A6D-9261-39876C7E6157}" type="datetimeFigureOut">
               <a:rPr lang="en-US" smtClean="0"/>
-              <a:t>5/6/2021</a:t>
+              <a:t>5/8/2021</a:t>
             </a:fld>
             <a:endParaRPr lang="en-US"/>
           </a:p>
@@ -1920,10 +1909,9 @@
           </a:lstStyle>
           <a:p>
             <a:r>
-              <a:rPr lang="en-US" smtClean="0"/>
+              <a:rPr lang="en-US"/>
               <a:t>Click to edit Master title style</a:t>
             </a:r>
-            <a:endParaRPr lang="en-US"/>
           </a:p>
         </p:txBody>
       </p:sp>
@@ -1977,38 +1965,37 @@
           <a:p>
             <a:pPr lvl="0"/>
             <a:r>
-              <a:rPr lang="en-US" smtClean="0"/>
+              <a:rPr lang="en-US"/>
               <a:t>Edit Master text styles</a:t>
             </a:r>
           </a:p>
           <a:p>
             <a:pPr lvl="1"/>
             <a:r>
-              <a:rPr lang="en-US" smtClean="0"/>
+              <a:rPr lang="en-US"/>
               <a:t>Second level</a:t>
             </a:r>
           </a:p>
           <a:p>
             <a:pPr lvl="2"/>
             <a:r>
-              <a:rPr lang="en-US" smtClean="0"/>
+              <a:rPr lang="en-US"/>
               <a:t>Third level</a:t>
             </a:r>
           </a:p>
           <a:p>
             <a:pPr lvl="3"/>
             <a:r>
-              <a:rPr lang="en-US" smtClean="0"/>
+              <a:rPr lang="en-US"/>
               <a:t>Fourth level</a:t>
             </a:r>
           </a:p>
           <a:p>
             <a:pPr lvl="4"/>
             <a:r>
-              <a:rPr lang="en-US" smtClean="0"/>
+              <a:rPr lang="en-US"/>
               <a:t>Fifth level</a:t>
             </a:r>
-            <a:endParaRPr lang="en-US"/>
           </a:p>
         </p:txBody>
       </p:sp>
@@ -2071,7 +2058,7 @@
           <a:p>
             <a:pPr lvl="0"/>
             <a:r>
-              <a:rPr lang="en-US" smtClean="0"/>
+              <a:rPr lang="en-US"/>
               <a:t>Edit Master text styles</a:t>
             </a:r>
           </a:p>
@@ -2094,7 +2081,7 @@
           <a:p>
             <a:fld id="{68AC9A45-13AD-4A6D-9261-39876C7E6157}" type="datetimeFigureOut">
               <a:rPr lang="en-US" smtClean="0"/>
-              <a:t>5/6/2021</a:t>
+              <a:t>5/8/2021</a:t>
             </a:fld>
             <a:endParaRPr lang="en-US"/>
           </a:p>
@@ -2197,10 +2184,9 @@
           </a:lstStyle>
           <a:p>
             <a:r>
-              <a:rPr lang="en-US" smtClean="0"/>
+              <a:rPr lang="en-US"/>
               <a:t>Click to edit Master title style</a:t>
             </a:r>
-            <a:endParaRPr lang="en-US"/>
           </a:p>
         </p:txBody>
       </p:sp>
@@ -2324,7 +2310,7 @@
           <a:p>
             <a:pPr lvl="0"/>
             <a:r>
-              <a:rPr lang="en-US" smtClean="0"/>
+              <a:rPr lang="en-US"/>
               <a:t>Edit Master text styles</a:t>
             </a:r>
           </a:p>
@@ -2347,7 +2333,7 @@
           <a:p>
             <a:fld id="{68AC9A45-13AD-4A6D-9261-39876C7E6157}" type="datetimeFigureOut">
               <a:rPr lang="en-US" smtClean="0"/>
-              <a:t>5/6/2021</a:t>
+              <a:t>5/8/2021</a:t>
             </a:fld>
             <a:endParaRPr lang="en-US"/>
           </a:p>
@@ -2456,10 +2442,9 @@
           <a:lstStyle/>
           <a:p>
             <a:r>
-              <a:rPr lang="en-US" smtClean="0"/>
+              <a:rPr lang="en-US"/>
               <a:t>Click to edit Master title style</a:t>
             </a:r>
-            <a:endParaRPr lang="en-US"/>
           </a:p>
         </p:txBody>
       </p:sp>
@@ -2490,38 +2475,37 @@
           <a:p>
             <a:pPr lvl="0"/>
             <a:r>
-              <a:rPr lang="en-US" smtClean="0"/>
+              <a:rPr lang="en-US"/>
               <a:t>Edit Master text styles</a:t>
             </a:r>
           </a:p>
           <a:p>
             <a:pPr lvl="1"/>
             <a:r>
-              <a:rPr lang="en-US" smtClean="0"/>
+              <a:rPr lang="en-US"/>
               <a:t>Second level</a:t>
             </a:r>
           </a:p>
           <a:p>
             <a:pPr lvl="2"/>
             <a:r>
-              <a:rPr lang="en-US" smtClean="0"/>
+              <a:rPr lang="en-US"/>
               <a:t>Third level</a:t>
             </a:r>
           </a:p>
           <a:p>
             <a:pPr lvl="3"/>
             <a:r>
-              <a:rPr lang="en-US" smtClean="0"/>
+              <a:rPr lang="en-US"/>
               <a:t>Fourth level</a:t>
             </a:r>
           </a:p>
           <a:p>
             <a:pPr lvl="4"/>
             <a:r>
-              <a:rPr lang="en-US" smtClean="0"/>
+              <a:rPr lang="en-US"/>
               <a:t>Fifth level</a:t>
             </a:r>
-            <a:endParaRPr lang="en-US"/>
           </a:p>
         </p:txBody>
       </p:sp>
@@ -2560,7 +2544,7 @@
           <a:p>
             <a:fld id="{68AC9A45-13AD-4A6D-9261-39876C7E6157}" type="datetimeFigureOut">
               <a:rPr lang="en-US" smtClean="0"/>
-              <a:t>5/6/2021</a:t>
+              <a:t>5/8/2021</a:t>
             </a:fld>
             <a:endParaRPr lang="en-US"/>
           </a:p>
@@ -2983,23 +2967,23 @@
           <a:lstStyle/>
           <a:p>
             <a:r>
-              <a:rPr lang="ru-RU" dirty="0" smtClean="0"/>
+              <a:rPr lang="ru-RU" dirty="0"/>
               <a:t>Внедрение зависимостей(</a:t>
             </a:r>
             <a:r>
-              <a:rPr lang="ru-RU" dirty="0" err="1" smtClean="0"/>
+              <a:rPr lang="ru-RU" dirty="0" err="1"/>
               <a:t>Dependency</a:t>
             </a:r>
             <a:r>
-              <a:rPr lang="ru-RU" dirty="0" smtClean="0"/>
+              <a:rPr lang="ru-RU" dirty="0"/>
               <a:t> </a:t>
             </a:r>
             <a:r>
-              <a:rPr lang="ru-RU" dirty="0" err="1" smtClean="0"/>
+              <a:rPr lang="ru-RU" dirty="0" err="1"/>
               <a:t>injection</a:t>
             </a:r>
             <a:r>
-              <a:rPr lang="ru-RU" dirty="0" smtClean="0"/>
+              <a:rPr lang="ru-RU" dirty="0"/>
               <a:t>) через конструктор</a:t>
             </a:r>
             <a:r>
@@ -3007,7 +2991,7 @@
               <a:t> </a:t>
             </a:r>
             <a:r>
-              <a:rPr lang="ru-RU" dirty="0" smtClean="0"/>
+              <a:rPr lang="ru-RU" dirty="0"/>
               <a:t>и через сеттер.</a:t>
             </a:r>
             <a:endParaRPr lang="en-US" dirty="0"/>
@@ -3030,21 +3014,21 @@
           <a:lstStyle/>
           <a:p>
             <a:r>
-              <a:rPr lang="ru-RU" dirty="0" smtClean="0"/>
+              <a:rPr lang="ru-RU" dirty="0"/>
               <a:t>При Внедрение зависимостей через конструктор возможно возникновение циклической зависимости:</a:t>
             </a:r>
           </a:p>
           <a:p>
             <a:r>
-              <a:rPr lang="ru-RU" dirty="0" smtClean="0"/>
+              <a:rPr lang="ru-RU" dirty="0"/>
               <a:t>Состояние при котором для создания объекта А в его конструктор необходимо передать объект В, а для создания </a:t>
             </a:r>
             <a:r>
-              <a:rPr lang="ru-RU" dirty="0" err="1" smtClean="0"/>
+              <a:rPr lang="ru-RU" dirty="0" err="1"/>
               <a:t>объетка</a:t>
             </a:r>
             <a:r>
-              <a:rPr lang="ru-RU" dirty="0" smtClean="0"/>
+              <a:rPr lang="ru-RU" dirty="0"/>
               <a:t> В  - передать объект А в его конструктор.</a:t>
             </a:r>
           </a:p>
@@ -3063,7 +3047,7 @@
         </p:nvSpPr>
         <p:spPr bwMode="auto">
           <a:xfrm>
-            <a:off x="838200" y="4405064"/>
+            <a:off x="838200" y="4269597"/>
             <a:ext cx="2959465" cy="1015663"/>
           </a:xfrm>
           <a:prstGeom prst="rect">
@@ -3124,7 +3108,7 @@
               <a:tabLst/>
             </a:pPr>
             <a:r>
-              <a:rPr kumimoji="0" lang="en-US" altLang="en-US" sz="2000" b="0" i="0" u="none" strike="noStrike" cap="none" normalizeH="0" baseline="0" dirty="0" smtClean="0">
+              <a:rPr kumimoji="0" lang="en-US" altLang="en-US" sz="2000" b="0" i="0" u="none" strike="noStrike" cap="none" normalizeH="0" baseline="0" dirty="0">
                 <a:ln>
                   <a:noFill/>
                 </a:ln>
@@ -3137,7 +3121,7 @@
               <a:t>public class </a:t>
             </a:r>
             <a:r>
-              <a:rPr kumimoji="0" lang="en-US" altLang="en-US" sz="2000" b="0" i="0" u="none" strike="noStrike" cap="none" normalizeH="0" baseline="0" dirty="0" smtClean="0">
+              <a:rPr kumimoji="0" lang="en-US" altLang="en-US" sz="2000" b="0" i="0" u="none" strike="noStrike" cap="none" normalizeH="0" baseline="0" dirty="0">
                 <a:ln>
                   <a:noFill/>
                 </a:ln>
@@ -3150,7 +3134,7 @@
               <a:t>Cat {</a:t>
             </a:r>
             <a:br>
-              <a:rPr kumimoji="0" lang="en-US" altLang="en-US" sz="2000" b="0" i="0" u="none" strike="noStrike" cap="none" normalizeH="0" baseline="0" dirty="0" smtClean="0">
+              <a:rPr kumimoji="0" lang="en-US" altLang="en-US" sz="2000" b="0" i="0" u="none" strike="noStrike" cap="none" normalizeH="0" baseline="0" dirty="0">
                 <a:ln>
                   <a:noFill/>
                 </a:ln>
@@ -3162,7 +3146,7 @@
               </a:rPr>
             </a:br>
             <a:r>
-              <a:rPr kumimoji="0" lang="en-US" altLang="en-US" sz="2000" b="0" i="0" u="none" strike="noStrike" cap="none" normalizeH="0" baseline="0" dirty="0" smtClean="0">
+              <a:rPr kumimoji="0" lang="en-US" altLang="en-US" sz="2000" b="0" i="0" u="none" strike="noStrike" cap="none" normalizeH="0" baseline="0" dirty="0">
                 <a:ln>
                   <a:noFill/>
                 </a:ln>
@@ -3175,7 +3159,7 @@
               <a:t>    </a:t>
             </a:r>
             <a:r>
-              <a:rPr kumimoji="0" lang="en-US" altLang="en-US" sz="2000" b="0" i="0" u="none" strike="noStrike" cap="none" normalizeH="0" baseline="0" dirty="0" smtClean="0">
+              <a:rPr kumimoji="0" lang="en-US" altLang="en-US" sz="2000" b="0" i="0" u="none" strike="noStrike" cap="none" normalizeH="0" baseline="0" dirty="0">
                 <a:ln>
                   <a:noFill/>
                 </a:ln>
@@ -3188,7 +3172,7 @@
               <a:t>private </a:t>
             </a:r>
             <a:r>
-              <a:rPr kumimoji="0" lang="en-US" altLang="en-US" sz="2000" b="0" i="0" u="none" strike="noStrike" cap="none" normalizeH="0" baseline="0" dirty="0" smtClean="0">
+              <a:rPr kumimoji="0" lang="en-US" altLang="en-US" sz="2000" b="0" i="0" u="none" strike="noStrike" cap="none" normalizeH="0" baseline="0" dirty="0">
                 <a:ln>
                   <a:noFill/>
                 </a:ln>
@@ -3201,7 +3185,7 @@
               <a:t>String </a:t>
             </a:r>
             <a:r>
-              <a:rPr kumimoji="0" lang="en-US" altLang="en-US" sz="2000" b="0" i="0" u="none" strike="noStrike" cap="none" normalizeH="0" baseline="0" dirty="0" smtClean="0">
+              <a:rPr kumimoji="0" lang="en-US" altLang="en-US" sz="2000" b="0" i="0" u="none" strike="noStrike" cap="none" normalizeH="0" baseline="0" dirty="0">
                 <a:ln>
                   <a:noFill/>
                 </a:ln>
@@ -3214,7 +3198,7 @@
               <a:t>name</a:t>
             </a:r>
             <a:r>
-              <a:rPr kumimoji="0" lang="en-US" altLang="en-US" sz="2000" b="0" i="0" u="none" strike="noStrike" cap="none" normalizeH="0" baseline="0" dirty="0" smtClean="0">
+              <a:rPr kumimoji="0" lang="en-US" altLang="en-US" sz="2000" b="0" i="0" u="none" strike="noStrike" cap="none" normalizeH="0" baseline="0" dirty="0">
                 <a:ln>
                   <a:noFill/>
                 </a:ln>
@@ -3227,7 +3211,7 @@
               <a:t>;</a:t>
             </a:r>
             <a:br>
-              <a:rPr kumimoji="0" lang="en-US" altLang="en-US" sz="2000" b="0" i="0" u="none" strike="noStrike" cap="none" normalizeH="0" baseline="0" dirty="0" smtClean="0">
+              <a:rPr kumimoji="0" lang="en-US" altLang="en-US" sz="2000" b="0" i="0" u="none" strike="noStrike" cap="none" normalizeH="0" baseline="0" dirty="0">
                 <a:ln>
                   <a:noFill/>
                 </a:ln>
@@ -3239,7 +3223,7 @@
               </a:rPr>
             </a:br>
             <a:r>
-              <a:rPr kumimoji="0" lang="en-US" altLang="en-US" sz="2000" b="0" i="0" u="none" strike="noStrike" cap="none" normalizeH="0" baseline="0" dirty="0" smtClean="0">
+              <a:rPr kumimoji="0" lang="en-US" altLang="en-US" sz="2000" b="0" i="0" u="none" strike="noStrike" cap="none" normalizeH="0" baseline="0" dirty="0">
                 <a:ln>
                   <a:noFill/>
                 </a:ln>
@@ -3252,7 +3236,7 @@
               <a:t>    private </a:t>
             </a:r>
             <a:r>
-              <a:rPr kumimoji="0" lang="en-US" altLang="en-US" sz="2000" b="0" i="0" u="none" strike="noStrike" cap="none" normalizeH="0" baseline="0" dirty="0" smtClean="0">
+              <a:rPr kumimoji="0" lang="en-US" altLang="en-US" sz="2000" b="0" i="0" u="none" strike="noStrike" cap="none" normalizeH="0" baseline="0" dirty="0">
                 <a:ln>
                   <a:noFill/>
                 </a:ln>
@@ -3265,7 +3249,7 @@
               <a:t>Person </a:t>
             </a:r>
             <a:r>
-              <a:rPr kumimoji="0" lang="en-US" altLang="en-US" sz="2000" b="0" i="0" u="none" strike="noStrike" cap="none" normalizeH="0" baseline="0" dirty="0" smtClean="0">
+              <a:rPr kumimoji="0" lang="en-US" altLang="en-US" sz="2000" b="0" i="0" u="none" strike="noStrike" cap="none" normalizeH="0" baseline="0" dirty="0">
                 <a:ln>
                   <a:noFill/>
                 </a:ln>
@@ -3278,7 +3262,7 @@
               <a:t>owner</a:t>
             </a:r>
             <a:r>
-              <a:rPr kumimoji="0" lang="en-US" altLang="en-US" sz="2000" b="0" i="0" u="none" strike="noStrike" cap="none" normalizeH="0" baseline="0" dirty="0" smtClean="0">
+              <a:rPr kumimoji="0" lang="en-US" altLang="en-US" sz="2000" b="0" i="0" u="none" strike="noStrike" cap="none" normalizeH="0" baseline="0" dirty="0">
                 <a:ln>
                   <a:noFill/>
                 </a:ln>
@@ -3290,7 +3274,7 @@
               </a:rPr>
               <a:t>;</a:t>
             </a:r>
-            <a:endParaRPr kumimoji="0" lang="en-US" altLang="en-US" sz="2000" b="0" i="0" u="none" strike="noStrike" cap="none" normalizeH="0" baseline="0" dirty="0" smtClean="0">
+            <a:endParaRPr kumimoji="0" lang="en-US" altLang="en-US" sz="2000" b="0" i="0" u="none" strike="noStrike" cap="none" normalizeH="0" baseline="0" dirty="0">
               <a:ln>
                 <a:noFill/>
               </a:ln>
@@ -3313,7 +3297,7 @@
         </p:nvSpPr>
         <p:spPr bwMode="auto">
           <a:xfrm>
-            <a:off x="4908884" y="4405064"/>
+            <a:off x="4891951" y="4269597"/>
             <a:ext cx="3214341" cy="1631216"/>
           </a:xfrm>
           <a:prstGeom prst="rect">
@@ -3374,7 +3358,7 @@
               <a:tabLst/>
             </a:pPr>
             <a:r>
-              <a:rPr kumimoji="0" lang="en-US" altLang="en-US" sz="2000" b="0" i="0" u="none" strike="noStrike" cap="none" normalizeH="0" baseline="0" dirty="0" smtClean="0">
+              <a:rPr kumimoji="0" lang="en-US" altLang="en-US" sz="2000" b="0" i="0" u="none" strike="noStrike" cap="none" normalizeH="0" baseline="0" dirty="0">
                 <a:ln>
                   <a:noFill/>
                 </a:ln>
@@ -3387,7 +3371,7 @@
               <a:t>public class </a:t>
             </a:r>
             <a:r>
-              <a:rPr kumimoji="0" lang="en-US" altLang="en-US" sz="2000" b="0" i="0" u="none" strike="noStrike" cap="none" normalizeH="0" baseline="0" dirty="0" smtClean="0">
+              <a:rPr kumimoji="0" lang="en-US" altLang="en-US" sz="2000" b="0" i="0" u="none" strike="noStrike" cap="none" normalizeH="0" baseline="0" dirty="0">
                 <a:ln>
                   <a:noFill/>
                 </a:ln>
@@ -3400,7 +3384,7 @@
               <a:t>Person {</a:t>
             </a:r>
             <a:br>
-              <a:rPr kumimoji="0" lang="en-US" altLang="en-US" sz="2000" b="0" i="0" u="none" strike="noStrike" cap="none" normalizeH="0" baseline="0" dirty="0" smtClean="0">
+              <a:rPr kumimoji="0" lang="en-US" altLang="en-US" sz="2000" b="0" i="0" u="none" strike="noStrike" cap="none" normalizeH="0" baseline="0" dirty="0">
                 <a:ln>
                   <a:noFill/>
                 </a:ln>
@@ -3412,7 +3396,7 @@
               </a:rPr>
             </a:br>
             <a:r>
-              <a:rPr kumimoji="0" lang="en-US" altLang="en-US" sz="2000" b="0" i="0" u="none" strike="noStrike" cap="none" normalizeH="0" baseline="0" dirty="0" smtClean="0">
+              <a:rPr kumimoji="0" lang="en-US" altLang="en-US" sz="2000" b="0" i="0" u="none" strike="noStrike" cap="none" normalizeH="0" baseline="0" dirty="0">
                 <a:ln>
                   <a:noFill/>
                 </a:ln>
@@ -3425,7 +3409,7 @@
               <a:t>    </a:t>
             </a:r>
             <a:r>
-              <a:rPr kumimoji="0" lang="en-US" altLang="en-US" sz="2000" b="0" i="0" u="none" strike="noStrike" cap="none" normalizeH="0" baseline="0" dirty="0" smtClean="0">
+              <a:rPr kumimoji="0" lang="en-US" altLang="en-US" sz="2000" b="0" i="0" u="none" strike="noStrike" cap="none" normalizeH="0" baseline="0" dirty="0">
                 <a:ln>
                   <a:noFill/>
                 </a:ln>
@@ -3438,7 +3422,7 @@
               <a:t>private </a:t>
             </a:r>
             <a:r>
-              <a:rPr kumimoji="0" lang="en-US" altLang="en-US" sz="2000" b="0" i="0" u="none" strike="noStrike" cap="none" normalizeH="0" baseline="0" dirty="0" smtClean="0">
+              <a:rPr kumimoji="0" lang="en-US" altLang="en-US" sz="2000" b="0" i="0" u="none" strike="noStrike" cap="none" normalizeH="0" baseline="0" dirty="0">
                 <a:ln>
                   <a:noFill/>
                 </a:ln>
@@ -3451,7 +3435,7 @@
               <a:t>String </a:t>
             </a:r>
             <a:r>
-              <a:rPr kumimoji="0" lang="en-US" altLang="en-US" sz="2000" b="0" i="0" u="none" strike="noStrike" cap="none" normalizeH="0" baseline="0" dirty="0" err="1" smtClean="0">
+              <a:rPr kumimoji="0" lang="en-US" altLang="en-US" sz="2000" b="0" i="0" u="none" strike="noStrike" cap="none" normalizeH="0" baseline="0" dirty="0" err="1">
                 <a:ln>
                   <a:noFill/>
                 </a:ln>
@@ -3464,7 +3448,7 @@
               <a:t>firstName</a:t>
             </a:r>
             <a:r>
-              <a:rPr kumimoji="0" lang="en-US" altLang="en-US" sz="2000" b="0" i="0" u="none" strike="noStrike" cap="none" normalizeH="0" baseline="0" dirty="0" smtClean="0">
+              <a:rPr kumimoji="0" lang="en-US" altLang="en-US" sz="2000" b="0" i="0" u="none" strike="noStrike" cap="none" normalizeH="0" baseline="0" dirty="0">
                 <a:ln>
                   <a:noFill/>
                 </a:ln>
@@ -3477,7 +3461,7 @@
               <a:t>;</a:t>
             </a:r>
             <a:br>
-              <a:rPr kumimoji="0" lang="en-US" altLang="en-US" sz="2000" b="0" i="0" u="none" strike="noStrike" cap="none" normalizeH="0" baseline="0" dirty="0" smtClean="0">
+              <a:rPr kumimoji="0" lang="en-US" altLang="en-US" sz="2000" b="0" i="0" u="none" strike="noStrike" cap="none" normalizeH="0" baseline="0" dirty="0">
                 <a:ln>
                   <a:noFill/>
                 </a:ln>
@@ -3489,7 +3473,7 @@
               </a:rPr>
             </a:br>
             <a:r>
-              <a:rPr kumimoji="0" lang="en-US" altLang="en-US" sz="2000" b="0" i="0" u="none" strike="noStrike" cap="none" normalizeH="0" baseline="0" dirty="0" smtClean="0">
+              <a:rPr kumimoji="0" lang="en-US" altLang="en-US" sz="2000" b="0" i="0" u="none" strike="noStrike" cap="none" normalizeH="0" baseline="0" dirty="0">
                 <a:ln>
                   <a:noFill/>
                 </a:ln>
@@ -3502,7 +3486,7 @@
               <a:t>    private </a:t>
             </a:r>
             <a:r>
-              <a:rPr kumimoji="0" lang="en-US" altLang="en-US" sz="2000" b="0" i="0" u="none" strike="noStrike" cap="none" normalizeH="0" baseline="0" dirty="0" smtClean="0">
+              <a:rPr kumimoji="0" lang="en-US" altLang="en-US" sz="2000" b="0" i="0" u="none" strike="noStrike" cap="none" normalizeH="0" baseline="0" dirty="0">
                 <a:ln>
                   <a:noFill/>
                 </a:ln>
@@ -3515,7 +3499,7 @@
               <a:t>String </a:t>
             </a:r>
             <a:r>
-              <a:rPr kumimoji="0" lang="en-US" altLang="en-US" sz="2000" b="0" i="0" u="none" strike="noStrike" cap="none" normalizeH="0" baseline="0" dirty="0" smtClean="0">
+              <a:rPr kumimoji="0" lang="en-US" altLang="en-US" sz="2000" b="0" i="0" u="none" strike="noStrike" cap="none" normalizeH="0" baseline="0" dirty="0">
                 <a:ln>
                   <a:noFill/>
                 </a:ln>
@@ -3528,7 +3512,7 @@
               <a:t>surname</a:t>
             </a:r>
             <a:r>
-              <a:rPr kumimoji="0" lang="en-US" altLang="en-US" sz="2000" b="0" i="0" u="none" strike="noStrike" cap="none" normalizeH="0" baseline="0" dirty="0" smtClean="0">
+              <a:rPr kumimoji="0" lang="en-US" altLang="en-US" sz="2000" b="0" i="0" u="none" strike="noStrike" cap="none" normalizeH="0" baseline="0" dirty="0">
                 <a:ln>
                   <a:noFill/>
                 </a:ln>
@@ -3541,7 +3525,7 @@
               <a:t>;</a:t>
             </a:r>
             <a:br>
-              <a:rPr kumimoji="0" lang="en-US" altLang="en-US" sz="2000" b="0" i="0" u="none" strike="noStrike" cap="none" normalizeH="0" baseline="0" dirty="0" smtClean="0">
+              <a:rPr kumimoji="0" lang="en-US" altLang="en-US" sz="2000" b="0" i="0" u="none" strike="noStrike" cap="none" normalizeH="0" baseline="0" dirty="0">
                 <a:ln>
                   <a:noFill/>
                 </a:ln>
@@ -3553,7 +3537,7 @@
               </a:rPr>
             </a:br>
             <a:r>
-              <a:rPr kumimoji="0" lang="en-US" altLang="en-US" sz="2000" b="0" i="0" u="none" strike="noStrike" cap="none" normalizeH="0" baseline="0" dirty="0" smtClean="0">
+              <a:rPr kumimoji="0" lang="en-US" altLang="en-US" sz="2000" b="0" i="0" u="none" strike="noStrike" cap="none" normalizeH="0" baseline="0" dirty="0">
                 <a:ln>
                   <a:noFill/>
                 </a:ln>
@@ -3566,7 +3550,7 @@
               <a:t>    private </a:t>
             </a:r>
             <a:r>
-              <a:rPr kumimoji="0" lang="en-US" altLang="en-US" sz="2000" b="0" i="0" u="none" strike="noStrike" cap="none" normalizeH="0" baseline="0" dirty="0" err="1" smtClean="0">
+              <a:rPr kumimoji="0" lang="en-US" altLang="en-US" sz="2000" b="0" i="0" u="none" strike="noStrike" cap="none" normalizeH="0" baseline="0" dirty="0" err="1">
                 <a:ln>
                   <a:noFill/>
                 </a:ln>
@@ -3579,7 +3563,7 @@
               <a:t>int</a:t>
             </a:r>
             <a:r>
-              <a:rPr kumimoji="0" lang="en-US" altLang="en-US" sz="2000" b="0" i="0" u="none" strike="noStrike" cap="none" normalizeH="0" baseline="0" dirty="0" smtClean="0">
+              <a:rPr kumimoji="0" lang="en-US" altLang="en-US" sz="2000" b="0" i="0" u="none" strike="noStrike" cap="none" normalizeH="0" baseline="0" dirty="0">
                 <a:ln>
                   <a:noFill/>
                 </a:ln>
@@ -3592,7 +3576,7 @@
               <a:t> </a:t>
             </a:r>
             <a:r>
-              <a:rPr kumimoji="0" lang="en-US" altLang="en-US" sz="2000" b="0" i="0" u="none" strike="noStrike" cap="none" normalizeH="0" baseline="0" dirty="0" smtClean="0">
+              <a:rPr kumimoji="0" lang="en-US" altLang="en-US" sz="2000" b="0" i="0" u="none" strike="noStrike" cap="none" normalizeH="0" baseline="0" dirty="0">
                 <a:ln>
                   <a:noFill/>
                 </a:ln>
@@ -3605,7 +3589,7 @@
               <a:t>age</a:t>
             </a:r>
             <a:r>
-              <a:rPr kumimoji="0" lang="en-US" altLang="en-US" sz="2000" b="0" i="0" u="none" strike="noStrike" cap="none" normalizeH="0" baseline="0" dirty="0" smtClean="0">
+              <a:rPr kumimoji="0" lang="en-US" altLang="en-US" sz="2000" b="0" i="0" u="none" strike="noStrike" cap="none" normalizeH="0" baseline="0" dirty="0">
                 <a:ln>
                   <a:noFill/>
                 </a:ln>
@@ -3618,7 +3602,7 @@
               <a:t>;</a:t>
             </a:r>
             <a:br>
-              <a:rPr kumimoji="0" lang="en-US" altLang="en-US" sz="2000" b="0" i="0" u="none" strike="noStrike" cap="none" normalizeH="0" baseline="0" dirty="0" smtClean="0">
+              <a:rPr kumimoji="0" lang="en-US" altLang="en-US" sz="2000" b="0" i="0" u="none" strike="noStrike" cap="none" normalizeH="0" baseline="0" dirty="0">
                 <a:ln>
                   <a:noFill/>
                 </a:ln>
@@ -3630,7 +3614,7 @@
               </a:rPr>
             </a:br>
             <a:r>
-              <a:rPr kumimoji="0" lang="en-US" altLang="en-US" sz="2000" b="0" i="0" u="none" strike="noStrike" cap="none" normalizeH="0" baseline="0" dirty="0" smtClean="0">
+              <a:rPr kumimoji="0" lang="en-US" altLang="en-US" sz="2000" b="0" i="0" u="none" strike="noStrike" cap="none" normalizeH="0" baseline="0" dirty="0">
                 <a:ln>
                   <a:noFill/>
                 </a:ln>
@@ -3643,7 +3627,7 @@
               <a:t>    private </a:t>
             </a:r>
             <a:r>
-              <a:rPr kumimoji="0" lang="en-US" altLang="en-US" sz="2000" b="0" i="0" u="none" strike="noStrike" cap="none" normalizeH="0" baseline="0" dirty="0" smtClean="0">
+              <a:rPr kumimoji="0" lang="en-US" altLang="en-US" sz="2000" b="0" i="0" u="none" strike="noStrike" cap="none" normalizeH="0" baseline="0" dirty="0">
                 <a:ln>
                   <a:noFill/>
                 </a:ln>
@@ -3656,7 +3640,7 @@
               <a:t>Cat </a:t>
             </a:r>
             <a:r>
-              <a:rPr kumimoji="0" lang="en-US" altLang="en-US" sz="2000" b="0" i="0" u="none" strike="noStrike" cap="none" normalizeH="0" baseline="0" dirty="0" err="1" smtClean="0">
+              <a:rPr kumimoji="0" lang="en-US" altLang="en-US" sz="2000" b="0" i="0" u="none" strike="noStrike" cap="none" normalizeH="0" baseline="0" dirty="0" err="1">
                 <a:ln>
                   <a:noFill/>
                 </a:ln>
@@ -3669,7 +3653,7 @@
               <a:t>cat</a:t>
             </a:r>
             <a:r>
-              <a:rPr kumimoji="0" lang="en-US" altLang="en-US" sz="2000" b="0" i="0" u="none" strike="noStrike" cap="none" normalizeH="0" baseline="0" dirty="0" smtClean="0">
+              <a:rPr kumimoji="0" lang="en-US" altLang="en-US" sz="2000" b="0" i="0" u="none" strike="noStrike" cap="none" normalizeH="0" baseline="0" dirty="0">
                 <a:ln>
                   <a:noFill/>
                 </a:ln>
@@ -3681,7 +3665,7 @@
               </a:rPr>
               <a:t>;</a:t>
             </a:r>
-            <a:endParaRPr kumimoji="0" lang="en-US" altLang="en-US" sz="2000" b="0" i="0" u="none" strike="noStrike" cap="none" normalizeH="0" baseline="0" dirty="0" smtClean="0">
+            <a:endParaRPr kumimoji="0" lang="en-US" altLang="en-US" sz="2000" b="0" i="0" u="none" strike="noStrike" cap="none" normalizeH="0" baseline="0" dirty="0">
               <a:ln>
                 <a:noFill/>
               </a:ln>
@@ -3745,53 +3729,53 @@
           <a:lstStyle/>
           <a:p>
             <a:r>
-              <a:rPr lang="ru-RU" dirty="0" smtClean="0"/>
+              <a:rPr lang="ru-RU" dirty="0"/>
               <a:t>В таком случае выбросится </a:t>
             </a:r>
             <a:r>
-              <a:rPr lang="ru-RU" dirty="0" err="1" smtClean="0"/>
+              <a:rPr lang="ru-RU" dirty="0" err="1"/>
               <a:t>BeanCurrentlyInCreationException</a:t>
             </a:r>
             <a:r>
-              <a:rPr lang="ru-RU" dirty="0" smtClean="0"/>
+              <a:rPr lang="ru-RU" dirty="0"/>
               <a:t>.</a:t>
             </a:r>
           </a:p>
           <a:p>
             <a:r>
-              <a:rPr lang="ru-RU" dirty="0" smtClean="0"/>
+              <a:rPr lang="ru-RU" dirty="0"/>
               <a:t>Данная проблема решается </a:t>
             </a:r>
             <a:r>
-              <a:rPr lang="ru-RU" dirty="0" err="1" smtClean="0"/>
+              <a:rPr lang="ru-RU" dirty="0" err="1"/>
               <a:t>испольнованием</a:t>
             </a:r>
             <a:r>
-              <a:rPr lang="ru-RU" dirty="0" smtClean="0"/>
+              <a:rPr lang="ru-RU" dirty="0"/>
               <a:t> внедрения зависимостей через сеттеры(</a:t>
             </a:r>
             <a:r>
-              <a:rPr lang="ru-RU" dirty="0" err="1" smtClean="0"/>
+              <a:rPr lang="ru-RU" dirty="0" err="1"/>
               <a:t>Setter</a:t>
             </a:r>
             <a:r>
-              <a:rPr lang="ru-RU" dirty="0" smtClean="0"/>
+              <a:rPr lang="ru-RU" dirty="0"/>
               <a:t> </a:t>
             </a:r>
             <a:r>
-              <a:rPr lang="ru-RU" dirty="0" err="1" smtClean="0"/>
+              <a:rPr lang="ru-RU" dirty="0" err="1"/>
               <a:t>Dependency</a:t>
             </a:r>
             <a:r>
-              <a:rPr lang="ru-RU" dirty="0" smtClean="0"/>
+              <a:rPr lang="ru-RU" dirty="0"/>
               <a:t> </a:t>
             </a:r>
             <a:r>
-              <a:rPr lang="ru-RU" dirty="0" err="1" smtClean="0"/>
+              <a:rPr lang="ru-RU" dirty="0" err="1"/>
               <a:t>injection</a:t>
             </a:r>
             <a:r>
-              <a:rPr lang="ru-RU" dirty="0" smtClean="0"/>
+              <a:rPr lang="ru-RU" dirty="0"/>
               <a:t> ) в одном или обоих классах.</a:t>
             </a:r>
           </a:p>
@@ -3874,7 +3858,7 @@
               <a:tabLst/>
             </a:pPr>
             <a:r>
-              <a:rPr kumimoji="0" lang="en-US" altLang="en-US" sz="2000" b="0" i="0" u="none" strike="noStrike" cap="none" normalizeH="0" baseline="0" dirty="0" smtClean="0">
+              <a:rPr kumimoji="0" lang="en-US" altLang="en-US" sz="2000" b="0" i="0" u="none" strike="noStrike" cap="none" normalizeH="0" baseline="0" dirty="0">
                 <a:ln>
                   <a:noFill/>
                 </a:ln>
@@ -3887,7 +3871,7 @@
               <a:t>&lt;bean </a:t>
             </a:r>
             <a:r>
-              <a:rPr kumimoji="0" lang="en-US" altLang="en-US" sz="2000" b="0" i="0" u="none" strike="noStrike" cap="none" normalizeH="0" baseline="0" dirty="0" smtClean="0">
+              <a:rPr kumimoji="0" lang="en-US" altLang="en-US" sz="2000" b="0" i="0" u="none" strike="noStrike" cap="none" normalizeH="0" baseline="0" dirty="0">
                 <a:ln>
                   <a:noFill/>
                 </a:ln>
@@ -3900,7 +3884,7 @@
               <a:t>name</a:t>
             </a:r>
             <a:r>
-              <a:rPr kumimoji="0" lang="en-US" altLang="en-US" sz="2000" b="0" i="0" u="none" strike="noStrike" cap="none" normalizeH="0" baseline="0" dirty="0" smtClean="0">
+              <a:rPr kumimoji="0" lang="en-US" altLang="en-US" sz="2000" b="0" i="0" u="none" strike="noStrike" cap="none" normalizeH="0" baseline="0" dirty="0">
                 <a:ln>
                   <a:noFill/>
                 </a:ln>
@@ -3913,7 +3897,7 @@
               <a:t>="person" </a:t>
             </a:r>
             <a:r>
-              <a:rPr kumimoji="0" lang="en-US" altLang="en-US" sz="2000" b="0" i="0" u="none" strike="noStrike" cap="none" normalizeH="0" baseline="0" dirty="0" smtClean="0">
+              <a:rPr kumimoji="0" lang="en-US" altLang="en-US" sz="2000" b="0" i="0" u="none" strike="noStrike" cap="none" normalizeH="0" baseline="0" dirty="0">
                 <a:ln>
                   <a:noFill/>
                 </a:ln>
@@ -3926,7 +3910,7 @@
               <a:t>class</a:t>
             </a:r>
             <a:r>
-              <a:rPr kumimoji="0" lang="en-US" altLang="en-US" sz="2000" b="0" i="0" u="none" strike="noStrike" cap="none" normalizeH="0" baseline="0" dirty="0" smtClean="0">
+              <a:rPr kumimoji="0" lang="en-US" altLang="en-US" sz="2000" b="0" i="0" u="none" strike="noStrike" cap="none" normalizeH="0" baseline="0" dirty="0">
                 <a:ln>
                   <a:noFill/>
                 </a:ln>
@@ -3939,7 +3923,7 @@
               <a:t>="com.volkov.IoC.example11.Person"</a:t>
             </a:r>
             <a:r>
-              <a:rPr kumimoji="0" lang="en-US" altLang="en-US" sz="2000" b="0" i="0" u="none" strike="noStrike" cap="none" normalizeH="0" baseline="0" dirty="0" smtClean="0">
+              <a:rPr kumimoji="0" lang="en-US" altLang="en-US" sz="2000" b="0" i="0" u="none" strike="noStrike" cap="none" normalizeH="0" baseline="0" dirty="0">
                 <a:ln>
                   <a:noFill/>
                 </a:ln>
@@ -3952,7 +3936,7 @@
               <a:t>&gt;</a:t>
             </a:r>
             <a:br>
-              <a:rPr kumimoji="0" lang="en-US" altLang="en-US" sz="2000" b="0" i="0" u="none" strike="noStrike" cap="none" normalizeH="0" baseline="0" dirty="0" smtClean="0">
+              <a:rPr kumimoji="0" lang="en-US" altLang="en-US" sz="2000" b="0" i="0" u="none" strike="noStrike" cap="none" normalizeH="0" baseline="0" dirty="0">
                 <a:ln>
                   <a:noFill/>
                 </a:ln>
@@ -3964,7 +3948,7 @@
               </a:rPr>
             </a:br>
             <a:r>
-              <a:rPr kumimoji="0" lang="en-US" altLang="en-US" sz="2000" b="0" i="0" u="none" strike="noStrike" cap="none" normalizeH="0" baseline="0" dirty="0" smtClean="0">
+              <a:rPr kumimoji="0" lang="en-US" altLang="en-US" sz="2000" b="0" i="0" u="none" strike="noStrike" cap="none" normalizeH="0" baseline="0" dirty="0">
                 <a:ln>
                   <a:noFill/>
                 </a:ln>
@@ -3977,7 +3961,7 @@
               <a:t>    &lt;property </a:t>
             </a:r>
             <a:r>
-              <a:rPr kumimoji="0" lang="en-US" altLang="en-US" sz="2000" b="0" i="0" u="none" strike="noStrike" cap="none" normalizeH="0" baseline="0" dirty="0" smtClean="0">
+              <a:rPr kumimoji="0" lang="en-US" altLang="en-US" sz="2000" b="0" i="0" u="none" strike="noStrike" cap="none" normalizeH="0" baseline="0" dirty="0">
                 <a:ln>
                   <a:noFill/>
                 </a:ln>
@@ -3990,7 +3974,7 @@
               <a:t>name</a:t>
             </a:r>
             <a:r>
-              <a:rPr kumimoji="0" lang="en-US" altLang="en-US" sz="2000" b="0" i="0" u="none" strike="noStrike" cap="none" normalizeH="0" baseline="0" dirty="0" smtClean="0">
+              <a:rPr kumimoji="0" lang="en-US" altLang="en-US" sz="2000" b="0" i="0" u="none" strike="noStrike" cap="none" normalizeH="0" baseline="0" dirty="0">
                 <a:ln>
                   <a:noFill/>
                 </a:ln>
@@ -4003,7 +3987,7 @@
               <a:t>="</a:t>
             </a:r>
             <a:r>
-              <a:rPr kumimoji="0" lang="en-US" altLang="en-US" sz="2000" b="0" i="0" u="none" strike="noStrike" cap="none" normalizeH="0" baseline="0" dirty="0" err="1" smtClean="0">
+              <a:rPr kumimoji="0" lang="en-US" altLang="en-US" sz="2000" b="0" i="0" u="none" strike="noStrike" cap="none" normalizeH="0" baseline="0" dirty="0" err="1">
                 <a:ln>
                   <a:noFill/>
                 </a:ln>
@@ -4016,7 +4000,7 @@
               <a:t>firstName</a:t>
             </a:r>
             <a:r>
-              <a:rPr kumimoji="0" lang="en-US" altLang="en-US" sz="2000" b="0" i="0" u="none" strike="noStrike" cap="none" normalizeH="0" baseline="0" dirty="0" smtClean="0">
+              <a:rPr kumimoji="0" lang="en-US" altLang="en-US" sz="2000" b="0" i="0" u="none" strike="noStrike" cap="none" normalizeH="0" baseline="0" dirty="0">
                 <a:ln>
                   <a:noFill/>
                 </a:ln>
@@ -4029,7 +4013,7 @@
               <a:t>" </a:t>
             </a:r>
             <a:r>
-              <a:rPr kumimoji="0" lang="en-US" altLang="en-US" sz="2000" b="0" i="0" u="none" strike="noStrike" cap="none" normalizeH="0" baseline="0" dirty="0" smtClean="0">
+              <a:rPr kumimoji="0" lang="en-US" altLang="en-US" sz="2000" b="0" i="0" u="none" strike="noStrike" cap="none" normalizeH="0" baseline="0" dirty="0">
                 <a:ln>
                   <a:noFill/>
                 </a:ln>
@@ -4042,7 +4026,7 @@
               <a:t>value</a:t>
             </a:r>
             <a:r>
-              <a:rPr kumimoji="0" lang="en-US" altLang="en-US" sz="2000" b="0" i="0" u="none" strike="noStrike" cap="none" normalizeH="0" baseline="0" dirty="0" smtClean="0">
+              <a:rPr kumimoji="0" lang="en-US" altLang="en-US" sz="2000" b="0" i="0" u="none" strike="noStrike" cap="none" normalizeH="0" baseline="0" dirty="0">
                 <a:ln>
                   <a:noFill/>
                 </a:ln>
@@ -4055,7 +4039,7 @@
               <a:t>="Ivan"</a:t>
             </a:r>
             <a:r>
-              <a:rPr kumimoji="0" lang="en-US" altLang="en-US" sz="2000" b="0" i="0" u="none" strike="noStrike" cap="none" normalizeH="0" baseline="0" dirty="0" smtClean="0">
+              <a:rPr kumimoji="0" lang="en-US" altLang="en-US" sz="2000" b="0" i="0" u="none" strike="noStrike" cap="none" normalizeH="0" baseline="0" dirty="0">
                 <a:ln>
                   <a:noFill/>
                 </a:ln>
@@ -4068,7 +4052,7 @@
               <a:t>/&gt;</a:t>
             </a:r>
             <a:br>
-              <a:rPr kumimoji="0" lang="en-US" altLang="en-US" sz="2000" b="0" i="0" u="none" strike="noStrike" cap="none" normalizeH="0" baseline="0" dirty="0" smtClean="0">
+              <a:rPr kumimoji="0" lang="en-US" altLang="en-US" sz="2000" b="0" i="0" u="none" strike="noStrike" cap="none" normalizeH="0" baseline="0" dirty="0">
                 <a:ln>
                   <a:noFill/>
                 </a:ln>
@@ -4080,7 +4064,7 @@
               </a:rPr>
             </a:br>
             <a:r>
-              <a:rPr kumimoji="0" lang="en-US" altLang="en-US" sz="2000" b="0" i="0" u="none" strike="noStrike" cap="none" normalizeH="0" baseline="0" dirty="0" smtClean="0">
+              <a:rPr kumimoji="0" lang="en-US" altLang="en-US" sz="2000" b="0" i="0" u="none" strike="noStrike" cap="none" normalizeH="0" baseline="0" dirty="0">
                 <a:ln>
                   <a:noFill/>
                 </a:ln>
@@ -4093,7 +4077,7 @@
               <a:t>    &lt;property </a:t>
             </a:r>
             <a:r>
-              <a:rPr kumimoji="0" lang="en-US" altLang="en-US" sz="2000" b="0" i="0" u="none" strike="noStrike" cap="none" normalizeH="0" baseline="0" dirty="0" smtClean="0">
+              <a:rPr kumimoji="0" lang="en-US" altLang="en-US" sz="2000" b="0" i="0" u="none" strike="noStrike" cap="none" normalizeH="0" baseline="0" dirty="0">
                 <a:ln>
                   <a:noFill/>
                 </a:ln>
@@ -4106,7 +4090,7 @@
               <a:t>name</a:t>
             </a:r>
             <a:r>
-              <a:rPr kumimoji="0" lang="en-US" altLang="en-US" sz="2000" b="0" i="0" u="none" strike="noStrike" cap="none" normalizeH="0" baseline="0" dirty="0" smtClean="0">
+              <a:rPr kumimoji="0" lang="en-US" altLang="en-US" sz="2000" b="0" i="0" u="none" strike="noStrike" cap="none" normalizeH="0" baseline="0" dirty="0">
                 <a:ln>
                   <a:noFill/>
                 </a:ln>
@@ -4119,7 +4103,7 @@
               <a:t>="surname" </a:t>
             </a:r>
             <a:r>
-              <a:rPr kumimoji="0" lang="en-US" altLang="en-US" sz="2000" b="0" i="0" u="none" strike="noStrike" cap="none" normalizeH="0" baseline="0" dirty="0" smtClean="0">
+              <a:rPr kumimoji="0" lang="en-US" altLang="en-US" sz="2000" b="0" i="0" u="none" strike="noStrike" cap="none" normalizeH="0" baseline="0" dirty="0">
                 <a:ln>
                   <a:noFill/>
                 </a:ln>
@@ -4132,7 +4116,7 @@
               <a:t>value</a:t>
             </a:r>
             <a:r>
-              <a:rPr kumimoji="0" lang="en-US" altLang="en-US" sz="2000" b="0" i="0" u="none" strike="noStrike" cap="none" normalizeH="0" baseline="0" dirty="0" smtClean="0">
+              <a:rPr kumimoji="0" lang="en-US" altLang="en-US" sz="2000" b="0" i="0" u="none" strike="noStrike" cap="none" normalizeH="0" baseline="0" dirty="0">
                 <a:ln>
                   <a:noFill/>
                 </a:ln>
@@ -4145,7 +4129,7 @@
               <a:t>="Ivanov"</a:t>
             </a:r>
             <a:r>
-              <a:rPr kumimoji="0" lang="en-US" altLang="en-US" sz="2000" b="0" i="0" u="none" strike="noStrike" cap="none" normalizeH="0" baseline="0" dirty="0" smtClean="0">
+              <a:rPr kumimoji="0" lang="en-US" altLang="en-US" sz="2000" b="0" i="0" u="none" strike="noStrike" cap="none" normalizeH="0" baseline="0" dirty="0">
                 <a:ln>
                   <a:noFill/>
                 </a:ln>
@@ -4158,7 +4142,7 @@
               <a:t>/&gt;</a:t>
             </a:r>
             <a:br>
-              <a:rPr kumimoji="0" lang="en-US" altLang="en-US" sz="2000" b="0" i="0" u="none" strike="noStrike" cap="none" normalizeH="0" baseline="0" dirty="0" smtClean="0">
+              <a:rPr kumimoji="0" lang="en-US" altLang="en-US" sz="2000" b="0" i="0" u="none" strike="noStrike" cap="none" normalizeH="0" baseline="0" dirty="0">
                 <a:ln>
                   <a:noFill/>
                 </a:ln>
@@ -4170,7 +4154,7 @@
               </a:rPr>
             </a:br>
             <a:r>
-              <a:rPr kumimoji="0" lang="en-US" altLang="en-US" sz="2000" b="0" i="0" u="none" strike="noStrike" cap="none" normalizeH="0" baseline="0" dirty="0" smtClean="0">
+              <a:rPr kumimoji="0" lang="en-US" altLang="en-US" sz="2000" b="0" i="0" u="none" strike="noStrike" cap="none" normalizeH="0" baseline="0" dirty="0">
                 <a:ln>
                   <a:noFill/>
                 </a:ln>
@@ -4183,7 +4167,7 @@
               <a:t>    &lt;property </a:t>
             </a:r>
             <a:r>
-              <a:rPr kumimoji="0" lang="en-US" altLang="en-US" sz="2000" b="0" i="0" u="none" strike="noStrike" cap="none" normalizeH="0" baseline="0" dirty="0" smtClean="0">
+              <a:rPr kumimoji="0" lang="en-US" altLang="en-US" sz="2000" b="0" i="0" u="none" strike="noStrike" cap="none" normalizeH="0" baseline="0" dirty="0">
                 <a:ln>
                   <a:noFill/>
                 </a:ln>
@@ -4196,7 +4180,7 @@
               <a:t>name</a:t>
             </a:r>
             <a:r>
-              <a:rPr kumimoji="0" lang="en-US" altLang="en-US" sz="2000" b="0" i="0" u="none" strike="noStrike" cap="none" normalizeH="0" baseline="0" dirty="0" smtClean="0">
+              <a:rPr kumimoji="0" lang="en-US" altLang="en-US" sz="2000" b="0" i="0" u="none" strike="noStrike" cap="none" normalizeH="0" baseline="0" dirty="0">
                 <a:ln>
                   <a:noFill/>
                 </a:ln>
@@ -4209,7 +4193,7 @@
               <a:t>="age" </a:t>
             </a:r>
             <a:r>
-              <a:rPr kumimoji="0" lang="en-US" altLang="en-US" sz="2000" b="0" i="0" u="none" strike="noStrike" cap="none" normalizeH="0" baseline="0" dirty="0" smtClean="0">
+              <a:rPr kumimoji="0" lang="en-US" altLang="en-US" sz="2000" b="0" i="0" u="none" strike="noStrike" cap="none" normalizeH="0" baseline="0" dirty="0">
                 <a:ln>
                   <a:noFill/>
                 </a:ln>
@@ -4222,7 +4206,7 @@
               <a:t>value</a:t>
             </a:r>
             <a:r>
-              <a:rPr kumimoji="0" lang="en-US" altLang="en-US" sz="2000" b="0" i="0" u="none" strike="noStrike" cap="none" normalizeH="0" baseline="0" dirty="0" smtClean="0">
+              <a:rPr kumimoji="0" lang="en-US" altLang="en-US" sz="2000" b="0" i="0" u="none" strike="noStrike" cap="none" normalizeH="0" baseline="0" dirty="0">
                 <a:ln>
                   <a:noFill/>
                 </a:ln>
@@ -4235,7 +4219,7 @@
               <a:t>="29"</a:t>
             </a:r>
             <a:r>
-              <a:rPr kumimoji="0" lang="en-US" altLang="en-US" sz="2000" b="0" i="0" u="none" strike="noStrike" cap="none" normalizeH="0" baseline="0" dirty="0" smtClean="0">
+              <a:rPr kumimoji="0" lang="en-US" altLang="en-US" sz="2000" b="0" i="0" u="none" strike="noStrike" cap="none" normalizeH="0" baseline="0" dirty="0">
                 <a:ln>
                   <a:noFill/>
                 </a:ln>
@@ -4248,7 +4232,7 @@
               <a:t>/&gt;</a:t>
             </a:r>
             <a:br>
-              <a:rPr kumimoji="0" lang="en-US" altLang="en-US" sz="2000" b="0" i="0" u="none" strike="noStrike" cap="none" normalizeH="0" baseline="0" dirty="0" smtClean="0">
+              <a:rPr kumimoji="0" lang="en-US" altLang="en-US" sz="2000" b="0" i="0" u="none" strike="noStrike" cap="none" normalizeH="0" baseline="0" dirty="0">
                 <a:ln>
                   <a:noFill/>
                 </a:ln>
@@ -4260,7 +4244,7 @@
               </a:rPr>
             </a:br>
             <a:r>
-              <a:rPr kumimoji="0" lang="en-US" altLang="en-US" sz="2000" b="0" i="0" u="none" strike="noStrike" cap="none" normalizeH="0" baseline="0" dirty="0" smtClean="0">
+              <a:rPr kumimoji="0" lang="en-US" altLang="en-US" sz="2000" b="0" i="0" u="none" strike="noStrike" cap="none" normalizeH="0" baseline="0" dirty="0">
                 <a:ln>
                   <a:noFill/>
                 </a:ln>
@@ -4273,7 +4257,7 @@
               <a:t>    &lt;property </a:t>
             </a:r>
             <a:r>
-              <a:rPr kumimoji="0" lang="en-US" altLang="en-US" sz="2000" b="0" i="0" u="none" strike="noStrike" cap="none" normalizeH="0" baseline="0" dirty="0" smtClean="0">
+              <a:rPr kumimoji="0" lang="en-US" altLang="en-US" sz="2000" b="0" i="0" u="none" strike="noStrike" cap="none" normalizeH="0" baseline="0" dirty="0">
                 <a:ln>
                   <a:noFill/>
                 </a:ln>
@@ -4286,7 +4270,7 @@
               <a:t>name</a:t>
             </a:r>
             <a:r>
-              <a:rPr kumimoji="0" lang="en-US" altLang="en-US" sz="2000" b="0" i="0" u="none" strike="noStrike" cap="none" normalizeH="0" baseline="0" dirty="0" smtClean="0">
+              <a:rPr kumimoji="0" lang="en-US" altLang="en-US" sz="2000" b="0" i="0" u="none" strike="noStrike" cap="none" normalizeH="0" baseline="0" dirty="0">
                 <a:ln>
                   <a:noFill/>
                 </a:ln>
@@ -4299,7 +4283,7 @@
               <a:t>="cat" </a:t>
             </a:r>
             <a:r>
-              <a:rPr kumimoji="0" lang="en-US" altLang="en-US" sz="2000" b="0" i="0" u="none" strike="noStrike" cap="none" normalizeH="0" baseline="0" dirty="0" smtClean="0">
+              <a:rPr kumimoji="0" lang="en-US" altLang="en-US" sz="2000" b="0" i="0" u="none" strike="noStrike" cap="none" normalizeH="0" baseline="0" dirty="0">
                 <a:ln>
                   <a:noFill/>
                 </a:ln>
@@ -4312,7 +4296,7 @@
               <a:t>ref</a:t>
             </a:r>
             <a:r>
-              <a:rPr kumimoji="0" lang="en-US" altLang="en-US" sz="2000" b="0" i="0" u="none" strike="noStrike" cap="none" normalizeH="0" baseline="0" dirty="0" smtClean="0">
+              <a:rPr kumimoji="0" lang="en-US" altLang="en-US" sz="2000" b="0" i="0" u="none" strike="noStrike" cap="none" normalizeH="0" baseline="0" dirty="0">
                 <a:ln>
                   <a:noFill/>
                 </a:ln>
@@ -4325,7 +4309,7 @@
               <a:t>="cat"</a:t>
             </a:r>
             <a:r>
-              <a:rPr kumimoji="0" lang="en-US" altLang="en-US" sz="2000" b="0" i="0" u="none" strike="noStrike" cap="none" normalizeH="0" baseline="0" dirty="0" smtClean="0">
+              <a:rPr kumimoji="0" lang="en-US" altLang="en-US" sz="2000" b="0" i="0" u="none" strike="noStrike" cap="none" normalizeH="0" baseline="0" dirty="0">
                 <a:ln>
                   <a:noFill/>
                 </a:ln>
@@ -4338,7 +4322,7 @@
               <a:t>/&gt;</a:t>
             </a:r>
             <a:br>
-              <a:rPr kumimoji="0" lang="en-US" altLang="en-US" sz="2000" b="0" i="0" u="none" strike="noStrike" cap="none" normalizeH="0" baseline="0" dirty="0" smtClean="0">
+              <a:rPr kumimoji="0" lang="en-US" altLang="en-US" sz="2000" b="0" i="0" u="none" strike="noStrike" cap="none" normalizeH="0" baseline="0" dirty="0">
                 <a:ln>
                   <a:noFill/>
                 </a:ln>
@@ -4350,7 +4334,7 @@
               </a:rPr>
             </a:br>
             <a:r>
-              <a:rPr kumimoji="0" lang="en-US" altLang="en-US" sz="2000" b="0" i="0" u="none" strike="noStrike" cap="none" normalizeH="0" baseline="0" dirty="0" smtClean="0">
+              <a:rPr kumimoji="0" lang="en-US" altLang="en-US" sz="2000" b="0" i="0" u="none" strike="noStrike" cap="none" normalizeH="0" baseline="0" dirty="0">
                 <a:ln>
                   <a:noFill/>
                 </a:ln>
@@ -4363,7 +4347,7 @@
               <a:t>&lt;/bean&gt;</a:t>
             </a:r>
             <a:br>
-              <a:rPr kumimoji="0" lang="en-US" altLang="en-US" sz="2000" b="0" i="0" u="none" strike="noStrike" cap="none" normalizeH="0" baseline="0" dirty="0" smtClean="0">
+              <a:rPr kumimoji="0" lang="en-US" altLang="en-US" sz="2000" b="0" i="0" u="none" strike="noStrike" cap="none" normalizeH="0" baseline="0" dirty="0">
                 <a:ln>
                   <a:noFill/>
                 </a:ln>
@@ -4374,8 +4358,8 @@
                 <a:latin typeface="JetBrains Mono"/>
               </a:rPr>
             </a:br>
-            <a:r>
-              <a:rPr kumimoji="0" lang="en-US" altLang="en-US" sz="2000" b="0" i="0" u="none" strike="noStrike" cap="none" normalizeH="0" baseline="0" dirty="0" smtClean="0">
+            <a:br>
+              <a:rPr kumimoji="0" lang="en-US" altLang="en-US" sz="2000" b="0" i="0" u="none" strike="noStrike" cap="none" normalizeH="0" baseline="0" dirty="0">
                 <a:ln>
                   <a:noFill/>
                 </a:ln>
@@ -4385,10 +4369,87 @@
                 <a:effectLst/>
                 <a:latin typeface="JetBrains Mono"/>
               </a:rPr>
-              <a:t/>
+            </a:br>
+            <a:r>
+              <a:rPr kumimoji="0" lang="en-US" altLang="en-US" sz="2000" b="0" i="0" u="none" strike="noStrike" cap="none" normalizeH="0" baseline="0" dirty="0">
+                <a:ln>
+                  <a:noFill/>
+                </a:ln>
+                <a:solidFill>
+                  <a:srgbClr val="E8BF6A"/>
+                </a:solidFill>
+                <a:effectLst/>
+                <a:latin typeface="JetBrains Mono"/>
+              </a:rPr>
+              <a:t>&lt;bean </a:t>
+            </a:r>
+            <a:r>
+              <a:rPr kumimoji="0" lang="en-US" altLang="en-US" sz="2000" b="0" i="0" u="none" strike="noStrike" cap="none" normalizeH="0" baseline="0" dirty="0">
+                <a:ln>
+                  <a:noFill/>
+                </a:ln>
+                <a:solidFill>
+                  <a:srgbClr val="BABABA"/>
+                </a:solidFill>
+                <a:effectLst/>
+                <a:latin typeface="JetBrains Mono"/>
+              </a:rPr>
+              <a:t>name</a:t>
+            </a:r>
+            <a:r>
+              <a:rPr kumimoji="0" lang="en-US" altLang="en-US" sz="2000" b="0" i="0" u="none" strike="noStrike" cap="none" normalizeH="0" baseline="0" dirty="0">
+                <a:ln>
+                  <a:noFill/>
+                </a:ln>
+                <a:solidFill>
+                  <a:srgbClr val="6A8759"/>
+                </a:solidFill>
+                <a:effectLst/>
+                <a:latin typeface="JetBrains Mono"/>
+              </a:rPr>
+              <a:t>="cat" </a:t>
+            </a:r>
+            <a:r>
+              <a:rPr kumimoji="0" lang="en-US" altLang="en-US" sz="2000" b="0" i="0" u="none" strike="noStrike" cap="none" normalizeH="0" baseline="0" dirty="0">
+                <a:ln>
+                  <a:noFill/>
+                </a:ln>
+                <a:solidFill>
+                  <a:srgbClr val="BABABA"/>
+                </a:solidFill>
+                <a:effectLst/>
+                <a:latin typeface="JetBrains Mono"/>
+              </a:rPr>
+              <a:t>class</a:t>
+            </a:r>
+            <a:r>
+              <a:rPr kumimoji="0" lang="en-US" altLang="en-US" sz="2000" b="0" i="0" u="none" strike="noStrike" cap="none" normalizeH="0" baseline="0" dirty="0">
+                <a:ln>
+                  <a:noFill/>
+                </a:ln>
+                <a:solidFill>
+                  <a:srgbClr val="6A8759"/>
+                </a:solidFill>
+                <a:effectLst/>
+                <a:latin typeface="JetBrains Mono"/>
+              </a:rPr>
+              <a:t>="com.volkov.IoC.example11.Cat"</a:t>
+            </a:r>
+            <a:r>
+              <a:rPr kumimoji="0" lang="en-US" altLang="en-US" sz="2000" b="0" i="0" u="none" strike="noStrike" cap="none" normalizeH="0" baseline="0" dirty="0">
+                <a:ln>
+                  <a:noFill/>
+                </a:ln>
+                <a:solidFill>
+                  <a:srgbClr val="E8BF6A"/>
+                </a:solidFill>
+                <a:effectLst/>
+                <a:latin typeface="JetBrains Mono"/>
+              </a:rPr>
+              <a:t>&gt;</a:t>
             </a:r>
             <a:br>
-              <a:rPr kumimoji="0" lang="en-US" altLang="en-US" sz="2000" b="0" i="0" u="none" strike="noStrike" cap="none" normalizeH="0" baseline="0" dirty="0" smtClean="0">
+              <a:rPr kumimoji="0" lang="en-US" altLang="en-US" sz="2000" b="0" i="0" u="none" strike="noStrike" cap="none" normalizeH="0" baseline="0" dirty="0">
                 <a:ln>
                   <a:noFill/>
                 </a:ln>
@@ -4400,7 +4461,7 @@
               </a:rPr>
             </a:br>
             <a:r>
-              <a:rPr kumimoji="0" lang="en-US" altLang="en-US" sz="2000" b="0" i="0" u="none" strike="noStrike" cap="none" normalizeH="0" baseline="0" dirty="0" smtClean="0">
+              <a:rPr kumimoji="0" lang="en-US" altLang="en-US" sz="2000" b="0" i="0" u="none" strike="noStrike" cap="none" normalizeH="0" baseline="0" dirty="0">
                 <a:ln>
                   <a:noFill/>
                 </a:ln>
@@ -4410,10 +4471,10 @@
                 <a:effectLst/>
                 <a:latin typeface="JetBrains Mono"/>
               </a:rPr>
-              <a:t>&lt;bean </a:t>
-            </a:r>
-            <a:r>
-              <a:rPr kumimoji="0" lang="en-US" altLang="en-US" sz="2000" b="0" i="0" u="none" strike="noStrike" cap="none" normalizeH="0" baseline="0" dirty="0" smtClean="0">
+              <a:t>    &lt;property </a:t>
+            </a:r>
+            <a:r>
+              <a:rPr kumimoji="0" lang="en-US" altLang="en-US" sz="2000" b="0" i="0" u="none" strike="noStrike" cap="none" normalizeH="0" baseline="0" dirty="0">
                 <a:ln>
                   <a:noFill/>
                 </a:ln>
@@ -4426,7 +4487,7 @@
               <a:t>name</a:t>
             </a:r>
             <a:r>
-              <a:rPr kumimoji="0" lang="en-US" altLang="en-US" sz="2000" b="0" i="0" u="none" strike="noStrike" cap="none" normalizeH="0" baseline="0" dirty="0" smtClean="0">
+              <a:rPr kumimoji="0" lang="en-US" altLang="en-US" sz="2000" b="0" i="0" u="none" strike="noStrike" cap="none" normalizeH="0" baseline="0" dirty="0">
                 <a:ln>
                   <a:noFill/>
                 </a:ln>
@@ -4436,10 +4497,10 @@
                 <a:effectLst/>
                 <a:latin typeface="JetBrains Mono"/>
               </a:rPr>
-              <a:t>="cat" </a:t>
-            </a:r>
-            <a:r>
-              <a:rPr kumimoji="0" lang="en-US" altLang="en-US" sz="2000" b="0" i="0" u="none" strike="noStrike" cap="none" normalizeH="0" baseline="0" dirty="0" smtClean="0">
+              <a:t>="name" </a:t>
+            </a:r>
+            <a:r>
+              <a:rPr kumimoji="0" lang="en-US" altLang="en-US" sz="2000" b="0" i="0" u="none" strike="noStrike" cap="none" normalizeH="0" baseline="0" dirty="0">
                 <a:ln>
                   <a:noFill/>
                 </a:ln>
@@ -4449,10 +4510,10 @@
                 <a:effectLst/>
                 <a:latin typeface="JetBrains Mono"/>
               </a:rPr>
-              <a:t>class</a:t>
-            </a:r>
-            <a:r>
-              <a:rPr kumimoji="0" lang="en-US" altLang="en-US" sz="2000" b="0" i="0" u="none" strike="noStrike" cap="none" normalizeH="0" baseline="0" dirty="0" smtClean="0">
+              <a:t>value</a:t>
+            </a:r>
+            <a:r>
+              <a:rPr kumimoji="0" lang="en-US" altLang="en-US" sz="2000" b="0" i="0" u="none" strike="noStrike" cap="none" normalizeH="0" baseline="0" dirty="0">
                 <a:ln>
                   <a:noFill/>
                 </a:ln>
@@ -4462,10 +4523,36 @@
                 <a:effectLst/>
                 <a:latin typeface="JetBrains Mono"/>
               </a:rPr>
-              <a:t>="com.volkov.IoC.example11.Cat"</a:t>
-            </a:r>
-            <a:r>
-              <a:rPr kumimoji="0" lang="en-US" altLang="en-US" sz="2000" b="0" i="0" u="none" strike="noStrike" cap="none" normalizeH="0" baseline="0" dirty="0" smtClean="0">
+              <a:t>="</a:t>
+            </a:r>
+            <a:r>
+              <a:rPr kumimoji="0" lang="en-US" altLang="en-US" sz="2000" b="0" i="0" u="none" strike="noStrike" cap="none" normalizeH="0" baseline="0" dirty="0" err="1">
+                <a:ln>
+                  <a:noFill/>
+                </a:ln>
+                <a:solidFill>
+                  <a:srgbClr val="6A8759"/>
+                </a:solidFill>
+                <a:effectLst/>
+                <a:latin typeface="JetBrains Mono"/>
+              </a:rPr>
+              <a:t>Barsik</a:t>
+            </a:r>
+            <a:r>
+              <a:rPr kumimoji="0" lang="en-US" altLang="en-US" sz="2000" b="0" i="0" u="none" strike="noStrike" cap="none" normalizeH="0" baseline="0" dirty="0">
+                <a:ln>
+                  <a:noFill/>
+                </a:ln>
+                <a:solidFill>
+                  <a:srgbClr val="6A8759"/>
+                </a:solidFill>
+                <a:effectLst/>
+                <a:latin typeface="JetBrains Mono"/>
+              </a:rPr>
+              <a:t>"</a:t>
+            </a:r>
+            <a:r>
+              <a:rPr kumimoji="0" lang="en-US" altLang="en-US" sz="2000" b="0" i="0" u="none" strike="noStrike" cap="none" normalizeH="0" baseline="0" dirty="0">
                 <a:ln>
                   <a:noFill/>
                 </a:ln>
@@ -4475,10 +4562,10 @@
                 <a:effectLst/>
                 <a:latin typeface="JetBrains Mono"/>
               </a:rPr>
-              <a:t>&gt;</a:t>
+              <a:t>/&gt;</a:t>
             </a:r>
             <a:br>
-              <a:rPr kumimoji="0" lang="en-US" altLang="en-US" sz="2000" b="0" i="0" u="none" strike="noStrike" cap="none" normalizeH="0" baseline="0" dirty="0" smtClean="0">
+              <a:rPr kumimoji="0" lang="en-US" altLang="en-US" sz="2000" b="0" i="0" u="none" strike="noStrike" cap="none" normalizeH="0" baseline="0" dirty="0">
                 <a:ln>
                   <a:noFill/>
                 </a:ln>
@@ -4490,7 +4577,7 @@
               </a:rPr>
             </a:br>
             <a:r>
-              <a:rPr kumimoji="0" lang="en-US" altLang="en-US" sz="2000" b="0" i="0" u="none" strike="noStrike" cap="none" normalizeH="0" baseline="0" dirty="0" smtClean="0">
+              <a:rPr kumimoji="0" lang="en-US" altLang="en-US" sz="2000" b="0" i="0" u="none" strike="noStrike" cap="none" normalizeH="0" baseline="0" dirty="0">
                 <a:ln>
                   <a:noFill/>
                 </a:ln>
@@ -4503,7 +4590,7 @@
               <a:t>    &lt;property </a:t>
             </a:r>
             <a:r>
-              <a:rPr kumimoji="0" lang="en-US" altLang="en-US" sz="2000" b="0" i="0" u="none" strike="noStrike" cap="none" normalizeH="0" baseline="0" dirty="0" smtClean="0">
+              <a:rPr kumimoji="0" lang="en-US" altLang="en-US" sz="2000" b="0" i="0" u="none" strike="noStrike" cap="none" normalizeH="0" baseline="0" dirty="0">
                 <a:ln>
                   <a:noFill/>
                 </a:ln>
@@ -4516,7 +4603,7 @@
               <a:t>name</a:t>
             </a:r>
             <a:r>
-              <a:rPr kumimoji="0" lang="en-US" altLang="en-US" sz="2000" b="0" i="0" u="none" strike="noStrike" cap="none" normalizeH="0" baseline="0" dirty="0" smtClean="0">
+              <a:rPr kumimoji="0" lang="en-US" altLang="en-US" sz="2000" b="0" i="0" u="none" strike="noStrike" cap="none" normalizeH="0" baseline="0" dirty="0">
                 <a:ln>
                   <a:noFill/>
                 </a:ln>
@@ -4526,10 +4613,10 @@
                 <a:effectLst/>
                 <a:latin typeface="JetBrains Mono"/>
               </a:rPr>
-              <a:t>="name" </a:t>
-            </a:r>
-            <a:r>
-              <a:rPr kumimoji="0" lang="en-US" altLang="en-US" sz="2000" b="0" i="0" u="none" strike="noStrike" cap="none" normalizeH="0" baseline="0" dirty="0" smtClean="0">
+              <a:t>="owner" </a:t>
+            </a:r>
+            <a:r>
+              <a:rPr kumimoji="0" lang="en-US" altLang="en-US" sz="2000" b="0" i="0" u="none" strike="noStrike" cap="none" normalizeH="0" baseline="0" dirty="0">
                 <a:ln>
                   <a:noFill/>
                 </a:ln>
@@ -4539,10 +4626,10 @@
                 <a:effectLst/>
                 <a:latin typeface="JetBrains Mono"/>
               </a:rPr>
-              <a:t>value</a:t>
-            </a:r>
-            <a:r>
-              <a:rPr kumimoji="0" lang="en-US" altLang="en-US" sz="2000" b="0" i="0" u="none" strike="noStrike" cap="none" normalizeH="0" baseline="0" dirty="0" smtClean="0">
+              <a:t>ref</a:t>
+            </a:r>
+            <a:r>
+              <a:rPr kumimoji="0" lang="en-US" altLang="en-US" sz="2000" b="0" i="0" u="none" strike="noStrike" cap="none" normalizeH="0" baseline="0" dirty="0">
                 <a:ln>
                   <a:noFill/>
                 </a:ln>
@@ -4552,36 +4639,10 @@
                 <a:effectLst/>
                 <a:latin typeface="JetBrains Mono"/>
               </a:rPr>
-              <a:t>="</a:t>
-            </a:r>
-            <a:r>
-              <a:rPr kumimoji="0" lang="en-US" altLang="en-US" sz="2000" b="0" i="0" u="none" strike="noStrike" cap="none" normalizeH="0" baseline="0" dirty="0" err="1" smtClean="0">
-                <a:ln>
-                  <a:noFill/>
-                </a:ln>
-                <a:solidFill>
-                  <a:srgbClr val="6A8759"/>
-                </a:solidFill>
-                <a:effectLst/>
-                <a:latin typeface="JetBrains Mono"/>
-              </a:rPr>
-              <a:t>Barsik</a:t>
-            </a:r>
-            <a:r>
-              <a:rPr kumimoji="0" lang="en-US" altLang="en-US" sz="2000" b="0" i="0" u="none" strike="noStrike" cap="none" normalizeH="0" baseline="0" dirty="0" smtClean="0">
-                <a:ln>
-                  <a:noFill/>
-                </a:ln>
-                <a:solidFill>
-                  <a:srgbClr val="6A8759"/>
-                </a:solidFill>
-                <a:effectLst/>
-                <a:latin typeface="JetBrains Mono"/>
-              </a:rPr>
-              <a:t>"</a:t>
-            </a:r>
-            <a:r>
-              <a:rPr kumimoji="0" lang="en-US" altLang="en-US" sz="2000" b="0" i="0" u="none" strike="noStrike" cap="none" normalizeH="0" baseline="0" dirty="0" smtClean="0">
+              <a:t>="person"</a:t>
+            </a:r>
+            <a:r>
+              <a:rPr kumimoji="0" lang="en-US" altLang="en-US" sz="2000" b="0" i="0" u="none" strike="noStrike" cap="none" normalizeH="0" baseline="0" dirty="0">
                 <a:ln>
                   <a:noFill/>
                 </a:ln>
@@ -4594,7 +4655,7 @@
               <a:t>/&gt;</a:t>
             </a:r>
             <a:br>
-              <a:rPr kumimoji="0" lang="en-US" altLang="en-US" sz="2000" b="0" i="0" u="none" strike="noStrike" cap="none" normalizeH="0" baseline="0" dirty="0" smtClean="0">
+              <a:rPr kumimoji="0" lang="en-US" altLang="en-US" sz="2000" b="0" i="0" u="none" strike="noStrike" cap="none" normalizeH="0" baseline="0" dirty="0">
                 <a:ln>
                   <a:noFill/>
                 </a:ln>
@@ -4606,7 +4667,7 @@
               </a:rPr>
             </a:br>
             <a:r>
-              <a:rPr kumimoji="0" lang="en-US" altLang="en-US" sz="2000" b="0" i="0" u="none" strike="noStrike" cap="none" normalizeH="0" baseline="0" dirty="0" smtClean="0">
+              <a:rPr kumimoji="0" lang="en-US" altLang="en-US" sz="2000" b="0" i="0" u="none" strike="noStrike" cap="none" normalizeH="0" baseline="0" dirty="0">
                 <a:ln>
                   <a:noFill/>
                 </a:ln>
@@ -4616,99 +4677,9 @@
                 <a:effectLst/>
                 <a:latin typeface="JetBrains Mono"/>
               </a:rPr>
-              <a:t>    &lt;property </a:t>
-            </a:r>
-            <a:r>
-              <a:rPr kumimoji="0" lang="en-US" altLang="en-US" sz="2000" b="0" i="0" u="none" strike="noStrike" cap="none" normalizeH="0" baseline="0" dirty="0" smtClean="0">
-                <a:ln>
-                  <a:noFill/>
-                </a:ln>
-                <a:solidFill>
-                  <a:srgbClr val="BABABA"/>
-                </a:solidFill>
-                <a:effectLst/>
-                <a:latin typeface="JetBrains Mono"/>
-              </a:rPr>
-              <a:t>name</a:t>
-            </a:r>
-            <a:r>
-              <a:rPr kumimoji="0" lang="en-US" altLang="en-US" sz="2000" b="0" i="0" u="none" strike="noStrike" cap="none" normalizeH="0" baseline="0" dirty="0" smtClean="0">
-                <a:ln>
-                  <a:noFill/>
-                </a:ln>
-                <a:solidFill>
-                  <a:srgbClr val="6A8759"/>
-                </a:solidFill>
-                <a:effectLst/>
-                <a:latin typeface="JetBrains Mono"/>
-              </a:rPr>
-              <a:t>="owner" </a:t>
-            </a:r>
-            <a:r>
-              <a:rPr kumimoji="0" lang="en-US" altLang="en-US" sz="2000" b="0" i="0" u="none" strike="noStrike" cap="none" normalizeH="0" baseline="0" dirty="0" smtClean="0">
-                <a:ln>
-                  <a:noFill/>
-                </a:ln>
-                <a:solidFill>
-                  <a:srgbClr val="BABABA"/>
-                </a:solidFill>
-                <a:effectLst/>
-                <a:latin typeface="JetBrains Mono"/>
-              </a:rPr>
-              <a:t>ref</a:t>
-            </a:r>
-            <a:r>
-              <a:rPr kumimoji="0" lang="en-US" altLang="en-US" sz="2000" b="0" i="0" u="none" strike="noStrike" cap="none" normalizeH="0" baseline="0" dirty="0" smtClean="0">
-                <a:ln>
-                  <a:noFill/>
-                </a:ln>
-                <a:solidFill>
-                  <a:srgbClr val="6A8759"/>
-                </a:solidFill>
-                <a:effectLst/>
-                <a:latin typeface="JetBrains Mono"/>
-              </a:rPr>
-              <a:t>="person"</a:t>
-            </a:r>
-            <a:r>
-              <a:rPr kumimoji="0" lang="en-US" altLang="en-US" sz="2000" b="0" i="0" u="none" strike="noStrike" cap="none" normalizeH="0" baseline="0" dirty="0" smtClean="0">
-                <a:ln>
-                  <a:noFill/>
-                </a:ln>
-                <a:solidFill>
-                  <a:srgbClr val="E8BF6A"/>
-                </a:solidFill>
-                <a:effectLst/>
-                <a:latin typeface="JetBrains Mono"/>
-              </a:rPr>
-              <a:t>/&gt;</a:t>
-            </a:r>
-            <a:br>
-              <a:rPr kumimoji="0" lang="en-US" altLang="en-US" sz="2000" b="0" i="0" u="none" strike="noStrike" cap="none" normalizeH="0" baseline="0" dirty="0" smtClean="0">
-                <a:ln>
-                  <a:noFill/>
-                </a:ln>
-                <a:solidFill>
-                  <a:srgbClr val="E8BF6A"/>
-                </a:solidFill>
-                <a:effectLst/>
-                <a:latin typeface="JetBrains Mono"/>
-              </a:rPr>
-            </a:br>
-            <a:r>
-              <a:rPr kumimoji="0" lang="en-US" altLang="en-US" sz="2000" b="0" i="0" u="none" strike="noStrike" cap="none" normalizeH="0" baseline="0" dirty="0" smtClean="0">
-                <a:ln>
-                  <a:noFill/>
-                </a:ln>
-                <a:solidFill>
-                  <a:srgbClr val="E8BF6A"/>
-                </a:solidFill>
-                <a:effectLst/>
-                <a:latin typeface="JetBrains Mono"/>
-              </a:rPr>
               <a:t>&lt;/bean&gt;</a:t>
             </a:r>
-            <a:endParaRPr kumimoji="0" lang="en-US" altLang="en-US" sz="2000" b="0" i="0" u="none" strike="noStrike" cap="none" normalizeH="0" baseline="0" dirty="0" smtClean="0">
+            <a:endParaRPr kumimoji="0" lang="en-US" altLang="en-US" sz="2000" b="0" i="0" u="none" strike="noStrike" cap="none" normalizeH="0" baseline="0" dirty="0">
               <a:ln>
                 <a:noFill/>
               </a:ln>

--- a/presentations/example11.pptx
+++ b/presentations/example11.pptx
@@ -7,6 +7,8 @@
   <p:sldIdLst>
     <p:sldId id="257" r:id="rId2"/>
     <p:sldId id="258" r:id="rId3"/>
+    <p:sldId id="259" r:id="rId4"/>
+    <p:sldId id="260" r:id="rId5"/>
   </p:sldIdLst>
   <p:sldSz cx="12192000" cy="6858000"/>
   <p:notesSz cx="6858000" cy="9144000"/>
@@ -240,9 +242,9 @@
           <a:bodyPr/>
           <a:lstStyle/>
           <a:p>
-            <a:fld id="{68AC9A45-13AD-4A6D-9261-39876C7E6157}" type="datetimeFigureOut">
+            <a:fld id="{AFC1B656-2EB8-4D0D-8B5B-7744D4E2552E}" type="datetimeFigureOut">
               <a:rPr lang="en-US" smtClean="0"/>
-              <a:t>5/8/2021</a:t>
+              <a:t>5/10/2021</a:t>
             </a:fld>
             <a:endParaRPr lang="en-US"/>
           </a:p>
@@ -282,7 +284,7 @@
           <a:bodyPr/>
           <a:lstStyle/>
           <a:p>
-            <a:fld id="{C20503AD-FB6F-42C1-9234-29BDD4FE7710}" type="slidenum">
+            <a:fld id="{64663F31-8098-4A79-8EA1-8D27ADC0A586}" type="slidenum">
               <a:rPr lang="en-US" smtClean="0"/>
               <a:t>‹#›</a:t>
             </a:fld>
@@ -293,7 +295,7 @@
     </p:spTree>
     <p:extLst>
       <p:ext uri="{BB962C8B-B14F-4D97-AF65-F5344CB8AC3E}">
-        <p14:creationId xmlns:p14="http://schemas.microsoft.com/office/powerpoint/2010/main" val="3715299267"/>
+        <p14:creationId xmlns:p14="http://schemas.microsoft.com/office/powerpoint/2010/main" val="3110348864"/>
       </p:ext>
     </p:extLst>
   </p:cSld>
@@ -408,9 +410,9 @@
           <a:bodyPr/>
           <a:lstStyle/>
           <a:p>
-            <a:fld id="{68AC9A45-13AD-4A6D-9261-39876C7E6157}" type="datetimeFigureOut">
+            <a:fld id="{AFC1B656-2EB8-4D0D-8B5B-7744D4E2552E}" type="datetimeFigureOut">
               <a:rPr lang="en-US" smtClean="0"/>
-              <a:t>5/8/2021</a:t>
+              <a:t>5/10/2021</a:t>
             </a:fld>
             <a:endParaRPr lang="en-US"/>
           </a:p>
@@ -450,7 +452,7 @@
           <a:bodyPr/>
           <a:lstStyle/>
           <a:p>
-            <a:fld id="{C20503AD-FB6F-42C1-9234-29BDD4FE7710}" type="slidenum">
+            <a:fld id="{64663F31-8098-4A79-8EA1-8D27ADC0A586}" type="slidenum">
               <a:rPr lang="en-US" smtClean="0"/>
               <a:t>‹#›</a:t>
             </a:fld>
@@ -461,7 +463,7 @@
     </p:spTree>
     <p:extLst>
       <p:ext uri="{BB962C8B-B14F-4D97-AF65-F5344CB8AC3E}">
-        <p14:creationId xmlns:p14="http://schemas.microsoft.com/office/powerpoint/2010/main" val="673907825"/>
+        <p14:creationId xmlns:p14="http://schemas.microsoft.com/office/powerpoint/2010/main" val="3177809486"/>
       </p:ext>
     </p:extLst>
   </p:cSld>
@@ -586,9 +588,9 @@
           <a:bodyPr/>
           <a:lstStyle/>
           <a:p>
-            <a:fld id="{68AC9A45-13AD-4A6D-9261-39876C7E6157}" type="datetimeFigureOut">
+            <a:fld id="{AFC1B656-2EB8-4D0D-8B5B-7744D4E2552E}" type="datetimeFigureOut">
               <a:rPr lang="en-US" smtClean="0"/>
-              <a:t>5/8/2021</a:t>
+              <a:t>5/10/2021</a:t>
             </a:fld>
             <a:endParaRPr lang="en-US"/>
           </a:p>
@@ -628,7 +630,7 @@
           <a:bodyPr/>
           <a:lstStyle/>
           <a:p>
-            <a:fld id="{C20503AD-FB6F-42C1-9234-29BDD4FE7710}" type="slidenum">
+            <a:fld id="{64663F31-8098-4A79-8EA1-8D27ADC0A586}" type="slidenum">
               <a:rPr lang="en-US" smtClean="0"/>
               <a:t>‹#›</a:t>
             </a:fld>
@@ -639,7 +641,7 @@
     </p:spTree>
     <p:extLst>
       <p:ext uri="{BB962C8B-B14F-4D97-AF65-F5344CB8AC3E}">
-        <p14:creationId xmlns:p14="http://schemas.microsoft.com/office/powerpoint/2010/main" val="1191325766"/>
+        <p14:creationId xmlns:p14="http://schemas.microsoft.com/office/powerpoint/2010/main" val="2853804534"/>
       </p:ext>
     </p:extLst>
   </p:cSld>
@@ -754,9 +756,9 @@
           <a:bodyPr/>
           <a:lstStyle/>
           <a:p>
-            <a:fld id="{68AC9A45-13AD-4A6D-9261-39876C7E6157}" type="datetimeFigureOut">
+            <a:fld id="{AFC1B656-2EB8-4D0D-8B5B-7744D4E2552E}" type="datetimeFigureOut">
               <a:rPr lang="en-US" smtClean="0"/>
-              <a:t>5/8/2021</a:t>
+              <a:t>5/10/2021</a:t>
             </a:fld>
             <a:endParaRPr lang="en-US"/>
           </a:p>
@@ -796,7 +798,7 @@
           <a:bodyPr/>
           <a:lstStyle/>
           <a:p>
-            <a:fld id="{C20503AD-FB6F-42C1-9234-29BDD4FE7710}" type="slidenum">
+            <a:fld id="{64663F31-8098-4A79-8EA1-8D27ADC0A586}" type="slidenum">
               <a:rPr lang="en-US" smtClean="0"/>
               <a:t>‹#›</a:t>
             </a:fld>
@@ -807,7 +809,7 @@
     </p:spTree>
     <p:extLst>
       <p:ext uri="{BB962C8B-B14F-4D97-AF65-F5344CB8AC3E}">
-        <p14:creationId xmlns:p14="http://schemas.microsoft.com/office/powerpoint/2010/main" val="2886515530"/>
+        <p14:creationId xmlns:p14="http://schemas.microsoft.com/office/powerpoint/2010/main" val="2202653044"/>
       </p:ext>
     </p:extLst>
   </p:cSld>
@@ -999,9 +1001,9 @@
           <a:bodyPr/>
           <a:lstStyle/>
           <a:p>
-            <a:fld id="{68AC9A45-13AD-4A6D-9261-39876C7E6157}" type="datetimeFigureOut">
+            <a:fld id="{AFC1B656-2EB8-4D0D-8B5B-7744D4E2552E}" type="datetimeFigureOut">
               <a:rPr lang="en-US" smtClean="0"/>
-              <a:t>5/8/2021</a:t>
+              <a:t>5/10/2021</a:t>
             </a:fld>
             <a:endParaRPr lang="en-US"/>
           </a:p>
@@ -1041,7 +1043,7 @@
           <a:bodyPr/>
           <a:lstStyle/>
           <a:p>
-            <a:fld id="{C20503AD-FB6F-42C1-9234-29BDD4FE7710}" type="slidenum">
+            <a:fld id="{64663F31-8098-4A79-8EA1-8D27ADC0A586}" type="slidenum">
               <a:rPr lang="en-US" smtClean="0"/>
               <a:t>‹#›</a:t>
             </a:fld>
@@ -1052,7 +1054,7 @@
     </p:spTree>
     <p:extLst>
       <p:ext uri="{BB962C8B-B14F-4D97-AF65-F5344CB8AC3E}">
-        <p14:creationId xmlns:p14="http://schemas.microsoft.com/office/powerpoint/2010/main" val="1814175963"/>
+        <p14:creationId xmlns:p14="http://schemas.microsoft.com/office/powerpoint/2010/main" val="396519672"/>
       </p:ext>
     </p:extLst>
   </p:cSld>
@@ -1228,9 +1230,9 @@
           <a:bodyPr/>
           <a:lstStyle/>
           <a:p>
-            <a:fld id="{68AC9A45-13AD-4A6D-9261-39876C7E6157}" type="datetimeFigureOut">
+            <a:fld id="{AFC1B656-2EB8-4D0D-8B5B-7744D4E2552E}" type="datetimeFigureOut">
               <a:rPr lang="en-US" smtClean="0"/>
-              <a:t>5/8/2021</a:t>
+              <a:t>5/10/2021</a:t>
             </a:fld>
             <a:endParaRPr lang="en-US"/>
           </a:p>
@@ -1270,7 +1272,7 @@
           <a:bodyPr/>
           <a:lstStyle/>
           <a:p>
-            <a:fld id="{C20503AD-FB6F-42C1-9234-29BDD4FE7710}" type="slidenum">
+            <a:fld id="{64663F31-8098-4A79-8EA1-8D27ADC0A586}" type="slidenum">
               <a:rPr lang="en-US" smtClean="0"/>
               <a:t>‹#›</a:t>
             </a:fld>
@@ -1281,7 +1283,7 @@
     </p:spTree>
     <p:extLst>
       <p:ext uri="{BB962C8B-B14F-4D97-AF65-F5344CB8AC3E}">
-        <p14:creationId xmlns:p14="http://schemas.microsoft.com/office/powerpoint/2010/main" val="295162802"/>
+        <p14:creationId xmlns:p14="http://schemas.microsoft.com/office/powerpoint/2010/main" val="2212756683"/>
       </p:ext>
     </p:extLst>
   </p:cSld>
@@ -1592,9 +1594,9 @@
           <a:bodyPr/>
           <a:lstStyle/>
           <a:p>
-            <a:fld id="{68AC9A45-13AD-4A6D-9261-39876C7E6157}" type="datetimeFigureOut">
+            <a:fld id="{AFC1B656-2EB8-4D0D-8B5B-7744D4E2552E}" type="datetimeFigureOut">
               <a:rPr lang="en-US" smtClean="0"/>
-              <a:t>5/8/2021</a:t>
+              <a:t>5/10/2021</a:t>
             </a:fld>
             <a:endParaRPr lang="en-US"/>
           </a:p>
@@ -1634,7 +1636,7 @@
           <a:bodyPr/>
           <a:lstStyle/>
           <a:p>
-            <a:fld id="{C20503AD-FB6F-42C1-9234-29BDD4FE7710}" type="slidenum">
+            <a:fld id="{64663F31-8098-4A79-8EA1-8D27ADC0A586}" type="slidenum">
               <a:rPr lang="en-US" smtClean="0"/>
               <a:t>‹#›</a:t>
             </a:fld>
@@ -1645,7 +1647,7 @@
     </p:spTree>
     <p:extLst>
       <p:ext uri="{BB962C8B-B14F-4D97-AF65-F5344CB8AC3E}">
-        <p14:creationId xmlns:p14="http://schemas.microsoft.com/office/powerpoint/2010/main" val="3707676344"/>
+        <p14:creationId xmlns:p14="http://schemas.microsoft.com/office/powerpoint/2010/main" val="355951890"/>
       </p:ext>
     </p:extLst>
   </p:cSld>
@@ -1709,9 +1711,9 @@
           <a:bodyPr/>
           <a:lstStyle/>
           <a:p>
-            <a:fld id="{68AC9A45-13AD-4A6D-9261-39876C7E6157}" type="datetimeFigureOut">
+            <a:fld id="{AFC1B656-2EB8-4D0D-8B5B-7744D4E2552E}" type="datetimeFigureOut">
               <a:rPr lang="en-US" smtClean="0"/>
-              <a:t>5/8/2021</a:t>
+              <a:t>5/10/2021</a:t>
             </a:fld>
             <a:endParaRPr lang="en-US"/>
           </a:p>
@@ -1751,7 +1753,7 @@
           <a:bodyPr/>
           <a:lstStyle/>
           <a:p>
-            <a:fld id="{C20503AD-FB6F-42C1-9234-29BDD4FE7710}" type="slidenum">
+            <a:fld id="{64663F31-8098-4A79-8EA1-8D27ADC0A586}" type="slidenum">
               <a:rPr lang="en-US" smtClean="0"/>
               <a:t>‹#›</a:t>
             </a:fld>
@@ -1762,7 +1764,7 @@
     </p:spTree>
     <p:extLst>
       <p:ext uri="{BB962C8B-B14F-4D97-AF65-F5344CB8AC3E}">
-        <p14:creationId xmlns:p14="http://schemas.microsoft.com/office/powerpoint/2010/main" val="3441560557"/>
+        <p14:creationId xmlns:p14="http://schemas.microsoft.com/office/powerpoint/2010/main" val="3939285646"/>
       </p:ext>
     </p:extLst>
   </p:cSld>
@@ -1804,9 +1806,9 @@
           <a:bodyPr/>
           <a:lstStyle/>
           <a:p>
-            <a:fld id="{68AC9A45-13AD-4A6D-9261-39876C7E6157}" type="datetimeFigureOut">
+            <a:fld id="{AFC1B656-2EB8-4D0D-8B5B-7744D4E2552E}" type="datetimeFigureOut">
               <a:rPr lang="en-US" smtClean="0"/>
-              <a:t>5/8/2021</a:t>
+              <a:t>5/10/2021</a:t>
             </a:fld>
             <a:endParaRPr lang="en-US"/>
           </a:p>
@@ -1846,7 +1848,7 @@
           <a:bodyPr/>
           <a:lstStyle/>
           <a:p>
-            <a:fld id="{C20503AD-FB6F-42C1-9234-29BDD4FE7710}" type="slidenum">
+            <a:fld id="{64663F31-8098-4A79-8EA1-8D27ADC0A586}" type="slidenum">
               <a:rPr lang="en-US" smtClean="0"/>
               <a:t>‹#›</a:t>
             </a:fld>
@@ -1857,7 +1859,7 @@
     </p:spTree>
     <p:extLst>
       <p:ext uri="{BB962C8B-B14F-4D97-AF65-F5344CB8AC3E}">
-        <p14:creationId xmlns:p14="http://schemas.microsoft.com/office/powerpoint/2010/main" val="554932574"/>
+        <p14:creationId xmlns:p14="http://schemas.microsoft.com/office/powerpoint/2010/main" val="3501102078"/>
       </p:ext>
     </p:extLst>
   </p:cSld>
@@ -2079,9 +2081,9 @@
           <a:bodyPr/>
           <a:lstStyle/>
           <a:p>
-            <a:fld id="{68AC9A45-13AD-4A6D-9261-39876C7E6157}" type="datetimeFigureOut">
+            <a:fld id="{AFC1B656-2EB8-4D0D-8B5B-7744D4E2552E}" type="datetimeFigureOut">
               <a:rPr lang="en-US" smtClean="0"/>
-              <a:t>5/8/2021</a:t>
+              <a:t>5/10/2021</a:t>
             </a:fld>
             <a:endParaRPr lang="en-US"/>
           </a:p>
@@ -2121,7 +2123,7 @@
           <a:bodyPr/>
           <a:lstStyle/>
           <a:p>
-            <a:fld id="{C20503AD-FB6F-42C1-9234-29BDD4FE7710}" type="slidenum">
+            <a:fld id="{64663F31-8098-4A79-8EA1-8D27ADC0A586}" type="slidenum">
               <a:rPr lang="en-US" smtClean="0"/>
               <a:t>‹#›</a:t>
             </a:fld>
@@ -2132,7 +2134,7 @@
     </p:spTree>
     <p:extLst>
       <p:ext uri="{BB962C8B-B14F-4D97-AF65-F5344CB8AC3E}">
-        <p14:creationId xmlns:p14="http://schemas.microsoft.com/office/powerpoint/2010/main" val="1999443371"/>
+        <p14:creationId xmlns:p14="http://schemas.microsoft.com/office/powerpoint/2010/main" val="2369703778"/>
       </p:ext>
     </p:extLst>
   </p:cSld>
@@ -2331,9 +2333,9 @@
           <a:bodyPr/>
           <a:lstStyle/>
           <a:p>
-            <a:fld id="{68AC9A45-13AD-4A6D-9261-39876C7E6157}" type="datetimeFigureOut">
+            <a:fld id="{AFC1B656-2EB8-4D0D-8B5B-7744D4E2552E}" type="datetimeFigureOut">
               <a:rPr lang="en-US" smtClean="0"/>
-              <a:t>5/8/2021</a:t>
+              <a:t>5/10/2021</a:t>
             </a:fld>
             <a:endParaRPr lang="en-US"/>
           </a:p>
@@ -2373,7 +2375,7 @@
           <a:bodyPr/>
           <a:lstStyle/>
           <a:p>
-            <a:fld id="{C20503AD-FB6F-42C1-9234-29BDD4FE7710}" type="slidenum">
+            <a:fld id="{64663F31-8098-4A79-8EA1-8D27ADC0A586}" type="slidenum">
               <a:rPr lang="en-US" smtClean="0"/>
               <a:t>‹#›</a:t>
             </a:fld>
@@ -2384,7 +2386,7 @@
     </p:spTree>
     <p:extLst>
       <p:ext uri="{BB962C8B-B14F-4D97-AF65-F5344CB8AC3E}">
-        <p14:creationId xmlns:p14="http://schemas.microsoft.com/office/powerpoint/2010/main" val="4188495296"/>
+        <p14:creationId xmlns:p14="http://schemas.microsoft.com/office/powerpoint/2010/main" val="4219814047"/>
       </p:ext>
     </p:extLst>
   </p:cSld>
@@ -2542,9 +2544,9 @@
             </a:lvl1pPr>
           </a:lstStyle>
           <a:p>
-            <a:fld id="{68AC9A45-13AD-4A6D-9261-39876C7E6157}" type="datetimeFigureOut">
+            <a:fld id="{AFC1B656-2EB8-4D0D-8B5B-7744D4E2552E}" type="datetimeFigureOut">
               <a:rPr lang="en-US" smtClean="0"/>
-              <a:t>5/8/2021</a:t>
+              <a:t>5/10/2021</a:t>
             </a:fld>
             <a:endParaRPr lang="en-US"/>
           </a:p>
@@ -2620,7 +2622,7 @@
             </a:lvl1pPr>
           </a:lstStyle>
           <a:p>
-            <a:fld id="{C20503AD-FB6F-42C1-9234-29BDD4FE7710}" type="slidenum">
+            <a:fld id="{64663F31-8098-4A79-8EA1-8D27ADC0A586}" type="slidenum">
               <a:rPr lang="en-US" smtClean="0"/>
               <a:t>‹#›</a:t>
             </a:fld>
@@ -2631,7 +2633,7 @@
     </p:spTree>
     <p:extLst>
       <p:ext uri="{BB962C8B-B14F-4D97-AF65-F5344CB8AC3E}">
-        <p14:creationId xmlns:p14="http://schemas.microsoft.com/office/powerpoint/2010/main" val="3942418023"/>
+        <p14:creationId xmlns:p14="http://schemas.microsoft.com/office/powerpoint/2010/main" val="3392212591"/>
       </p:ext>
     </p:extLst>
   </p:cSld>
@@ -2961,76 +2963,54 @@
         </p:nvSpPr>
         <p:spPr/>
         <p:txBody>
-          <a:bodyPr>
-            <a:normAutofit/>
-          </a:bodyPr>
+          <a:bodyPr/>
           <a:lstStyle/>
           <a:p>
             <a:r>
               <a:rPr lang="ru-RU" dirty="0"/>
-              <a:t>Внедрение зависимостей(</a:t>
-            </a:r>
-            <a:r>
-              <a:rPr lang="ru-RU" dirty="0" err="1"/>
-              <a:t>Dependency</a:t>
-            </a:r>
+              <a:t>Инициализация коллекций.</a:t>
+            </a:r>
+            <a:endParaRPr lang="en-US" dirty="0"/>
+          </a:p>
+        </p:txBody>
+      </p:sp>
+      <p:sp>
+        <p:nvSpPr>
+          <p:cNvPr id="3" name="Content Placeholder 2"/>
+          <p:cNvSpPr>
+            <a:spLocks noGrp="1"/>
+          </p:cNvSpPr>
+          <p:nvPr>
+            <p:ph idx="1"/>
+          </p:nvPr>
+        </p:nvSpPr>
+        <p:spPr/>
+        <p:txBody>
+          <a:bodyPr/>
+          <a:lstStyle/>
+          <a:p>
             <a:r>
               <a:rPr lang="ru-RU" dirty="0"/>
-              <a:t> </a:t>
-            </a:r>
-            <a:r>
-              <a:rPr lang="ru-RU" dirty="0" err="1"/>
-              <a:t>injection</a:t>
-            </a:r>
-            <a:r>
-              <a:rPr lang="ru-RU" dirty="0"/>
-              <a:t>) через конструктор</a:t>
-            </a:r>
-            <a:r>
-              <a:rPr lang="en-US" dirty="0"/>
-              <a:t> </a:t>
-            </a:r>
-            <a:r>
-              <a:rPr lang="ru-RU" dirty="0"/>
-              <a:t>и через сеттер.</a:t>
-            </a:r>
-            <a:endParaRPr lang="en-US" dirty="0"/>
-          </a:p>
-        </p:txBody>
-      </p:sp>
-      <p:sp>
-        <p:nvSpPr>
-          <p:cNvPr id="3" name="Content Placeholder 2"/>
-          <p:cNvSpPr>
-            <a:spLocks noGrp="1"/>
-          </p:cNvSpPr>
-          <p:nvPr>
-            <p:ph idx="1"/>
-          </p:nvPr>
-        </p:nvSpPr>
-        <p:spPr/>
-        <p:txBody>
-          <a:bodyPr/>
-          <a:lstStyle/>
-          <a:p>
-            <a:r>
-              <a:rPr lang="ru-RU" dirty="0"/>
-              <a:t>При Внедрение зависимостей через конструктор возможно возникновение циклической зависимости:</a:t>
-            </a:r>
-          </a:p>
-          <a:p>
-            <a:r>
-              <a:rPr lang="ru-RU" dirty="0"/>
-              <a:t>Состояние при котором для создания объекта А в его конструктор необходимо передать объект В, а для создания </a:t>
-            </a:r>
-            <a:r>
-              <a:rPr lang="ru-RU" dirty="0" err="1"/>
-              <a:t>объетка</a:t>
-            </a:r>
-            <a:r>
-              <a:rPr lang="ru-RU" dirty="0"/>
-              <a:t> В  - передать объект А в его конструктор.</a:t>
-            </a:r>
+              <a:t>Для инициализации листа используется:</a:t>
+            </a:r>
+          </a:p>
+          <a:p>
+            <a:endParaRPr lang="ru-RU" dirty="0"/>
+          </a:p>
+          <a:p>
+            <a:endParaRPr lang="ru-RU" dirty="0"/>
+          </a:p>
+          <a:p>
+            <a:endParaRPr lang="ru-RU" dirty="0"/>
+          </a:p>
+          <a:p>
+            <a:endParaRPr lang="ru-RU" dirty="0"/>
+          </a:p>
+          <a:p>
+            <a:endParaRPr lang="ru-RU" dirty="0"/>
+          </a:p>
+          <a:p>
+            <a:endParaRPr lang="ru-RU" dirty="0"/>
           </a:p>
           <a:p>
             <a:endParaRPr lang="en-US" dirty="0"/>
@@ -3047,8 +3027,8 @@
         </p:nvSpPr>
         <p:spPr bwMode="auto">
           <a:xfrm>
-            <a:off x="838200" y="4269597"/>
-            <a:ext cx="2959465" cy="1015663"/>
+            <a:off x="838200" y="2570133"/>
+            <a:ext cx="10515600" cy="2862322"/>
           </a:xfrm>
           <a:prstGeom prst="rect">
             <a:avLst/>
@@ -3083,7 +3063,7 @@
           </a:extLst>
         </p:spPr>
         <p:txBody>
-          <a:bodyPr vert="horz" wrap="none" lIns="91440" tIns="45720" rIns="91440" bIns="45720" numCol="1" anchor="ctr" anchorCtr="0" compatLnSpc="1">
+          <a:bodyPr vert="horz" wrap="square" lIns="91440" tIns="45720" rIns="91440" bIns="45720" numCol="1" anchor="ctr" anchorCtr="0" compatLnSpc="1">
             <a:prstTxWarp prst="textNoShape">
               <a:avLst/>
             </a:prstTxWarp>
@@ -3113,12 +3093,37 @@
                   <a:noFill/>
                 </a:ln>
                 <a:solidFill>
-                  <a:srgbClr val="CC7832"/>
-                </a:solidFill>
-                <a:effectLst/>
-                <a:latin typeface="JetBrains Mono"/>
-              </a:rPr>
-              <a:t>public class </a:t>
+                  <a:srgbClr val="E8BF6A"/>
+                </a:solidFill>
+                <a:effectLst/>
+                <a:latin typeface="JetBrains Mono"/>
+              </a:rPr>
+              <a:t>&lt;list&gt;</a:t>
+            </a:r>
+            <a:br>
+              <a:rPr kumimoji="0" lang="en-US" altLang="en-US" sz="2000" b="0" i="0" u="none" strike="noStrike" cap="none" normalizeH="0" baseline="0" dirty="0">
+                <a:ln>
+                  <a:noFill/>
+                </a:ln>
+                <a:solidFill>
+                  <a:srgbClr val="E8BF6A"/>
+                </a:solidFill>
+                <a:effectLst/>
+                <a:latin typeface="JetBrains Mono"/>
+              </a:rPr>
+            </a:br>
+            <a:r>
+              <a:rPr kumimoji="0" lang="en-US" altLang="en-US" sz="2000" b="0" i="0" u="none" strike="noStrike" cap="none" normalizeH="0" baseline="0" dirty="0">
+                <a:ln>
+                  <a:noFill/>
+                </a:ln>
+                <a:solidFill>
+                  <a:srgbClr val="E8BF6A"/>
+                </a:solidFill>
+                <a:effectLst/>
+                <a:latin typeface="JetBrains Mono"/>
+              </a:rPr>
+              <a:t>    &lt;value&gt;</a:t>
             </a:r>
             <a:r>
               <a:rPr kumimoji="0" lang="en-US" altLang="en-US" sz="2000" b="0" i="0" u="none" strike="noStrike" cap="none" normalizeH="0" baseline="0" dirty="0">
@@ -3131,7 +3136,20 @@
                 <a:effectLst/>
                 <a:latin typeface="JetBrains Mono"/>
               </a:rPr>
-              <a:t>Cat {</a:t>
+              <a:t>1</a:t>
+            </a:r>
+            <a:r>
+              <a:rPr kumimoji="0" lang="en-US" altLang="en-US" sz="2000" b="0" i="0" u="none" strike="noStrike" cap="none" normalizeH="0" baseline="0" dirty="0">
+                <a:ln>
+                  <a:noFill/>
+                </a:ln>
+                <a:solidFill>
+                  <a:srgbClr val="E8BF6A"/>
+                </a:solidFill>
+                <a:effectLst/>
+                <a:latin typeface="JetBrains Mono"/>
+              </a:rPr>
+              <a:t>&lt;/value&gt;</a:t>
             </a:r>
             <a:br>
               <a:rPr kumimoji="0" lang="en-US" altLang="en-US" sz="2000" b="0" i="0" u="none" strike="noStrike" cap="none" normalizeH="0" baseline="0" dirty="0">
@@ -3139,7 +3157,7 @@
                   <a:noFill/>
                 </a:ln>
                 <a:solidFill>
-                  <a:srgbClr val="A9B7C6"/>
+                  <a:srgbClr val="E8BF6A"/>
                 </a:solidFill>
                 <a:effectLst/>
                 <a:latin typeface="JetBrains Mono"/>
@@ -3151,46 +3169,148 @@
                   <a:noFill/>
                 </a:ln>
                 <a:solidFill>
-                  <a:srgbClr val="A9B7C6"/>
-                </a:solidFill>
-                <a:effectLst/>
-                <a:latin typeface="JetBrains Mono"/>
-              </a:rPr>
-              <a:t>    </a:t>
-            </a:r>
-            <a:r>
-              <a:rPr kumimoji="0" lang="en-US" altLang="en-US" sz="2000" b="0" i="0" u="none" strike="noStrike" cap="none" normalizeH="0" baseline="0" dirty="0">
-                <a:ln>
-                  <a:noFill/>
-                </a:ln>
-                <a:solidFill>
-                  <a:srgbClr val="CC7832"/>
-                </a:solidFill>
-                <a:effectLst/>
-                <a:latin typeface="JetBrains Mono"/>
-              </a:rPr>
-              <a:t>private </a:t>
-            </a:r>
-            <a:r>
-              <a:rPr kumimoji="0" lang="en-US" altLang="en-US" sz="2000" b="0" i="0" u="none" strike="noStrike" cap="none" normalizeH="0" baseline="0" dirty="0">
-                <a:ln>
-                  <a:noFill/>
-                </a:ln>
-                <a:solidFill>
-                  <a:srgbClr val="A9B7C6"/>
-                </a:solidFill>
-                <a:effectLst/>
-                <a:latin typeface="JetBrains Mono"/>
-              </a:rPr>
-              <a:t>String </a:t>
-            </a:r>
-            <a:r>
-              <a:rPr kumimoji="0" lang="en-US" altLang="en-US" sz="2000" b="0" i="0" u="none" strike="noStrike" cap="none" normalizeH="0" baseline="0" dirty="0">
-                <a:ln>
-                  <a:noFill/>
-                </a:ln>
-                <a:solidFill>
-                  <a:srgbClr val="9876AA"/>
+                  <a:srgbClr val="E8BF6A"/>
+                </a:solidFill>
+                <a:effectLst/>
+                <a:latin typeface="JetBrains Mono"/>
+              </a:rPr>
+              <a:t>    &lt;ref </a:t>
+            </a:r>
+            <a:r>
+              <a:rPr kumimoji="0" lang="en-US" altLang="en-US" sz="2000" b="0" i="0" u="none" strike="noStrike" cap="none" normalizeH="0" baseline="0" dirty="0">
+                <a:ln>
+                  <a:noFill/>
+                </a:ln>
+                <a:solidFill>
+                  <a:srgbClr val="BABABA"/>
+                </a:solidFill>
+                <a:effectLst/>
+                <a:latin typeface="JetBrains Mono"/>
+              </a:rPr>
+              <a:t>bean</a:t>
+            </a:r>
+            <a:r>
+              <a:rPr kumimoji="0" lang="en-US" altLang="en-US" sz="2000" b="0" i="0" u="none" strike="noStrike" cap="none" normalizeH="0" baseline="0" dirty="0">
+                <a:ln>
+                  <a:noFill/>
+                </a:ln>
+                <a:solidFill>
+                  <a:srgbClr val="6A8759"/>
+                </a:solidFill>
+                <a:effectLst/>
+                <a:latin typeface="JetBrains Mono"/>
+              </a:rPr>
+              <a:t>="person" </a:t>
+            </a:r>
+            <a:r>
+              <a:rPr kumimoji="0" lang="en-US" altLang="en-US" sz="2000" b="0" i="0" u="none" strike="noStrike" cap="none" normalizeH="0" baseline="0" dirty="0">
+                <a:ln>
+                  <a:noFill/>
+                </a:ln>
+                <a:solidFill>
+                  <a:srgbClr val="E8BF6A"/>
+                </a:solidFill>
+                <a:effectLst/>
+                <a:latin typeface="JetBrains Mono"/>
+              </a:rPr>
+              <a:t>/&gt;</a:t>
+            </a:r>
+            <a:br>
+              <a:rPr kumimoji="0" lang="en-US" altLang="en-US" sz="2000" b="0" i="0" u="none" strike="noStrike" cap="none" normalizeH="0" baseline="0" dirty="0">
+                <a:ln>
+                  <a:noFill/>
+                </a:ln>
+                <a:solidFill>
+                  <a:srgbClr val="E8BF6A"/>
+                </a:solidFill>
+                <a:effectLst/>
+                <a:latin typeface="JetBrains Mono"/>
+              </a:rPr>
+            </a:br>
+            <a:r>
+              <a:rPr kumimoji="0" lang="en-US" altLang="en-US" sz="2000" b="0" i="0" u="none" strike="noStrike" cap="none" normalizeH="0" baseline="0" dirty="0">
+                <a:ln>
+                  <a:noFill/>
+                </a:ln>
+                <a:solidFill>
+                  <a:srgbClr val="E8BF6A"/>
+                </a:solidFill>
+                <a:effectLst/>
+                <a:latin typeface="JetBrains Mono"/>
+              </a:rPr>
+              <a:t>    &lt;bean </a:t>
+            </a:r>
+            <a:r>
+              <a:rPr kumimoji="0" lang="en-US" altLang="en-US" sz="2000" b="0" i="0" u="none" strike="noStrike" cap="none" normalizeH="0" baseline="0" dirty="0">
+                <a:ln>
+                  <a:noFill/>
+                </a:ln>
+                <a:solidFill>
+                  <a:srgbClr val="BABABA"/>
+                </a:solidFill>
+                <a:effectLst/>
+                <a:latin typeface="JetBrains Mono"/>
+              </a:rPr>
+              <a:t>class</a:t>
+            </a:r>
+            <a:r>
+              <a:rPr kumimoji="0" lang="en-US" altLang="en-US" sz="2000" b="0" i="0" u="none" strike="noStrike" cap="none" normalizeH="0" baseline="0" dirty="0">
+                <a:ln>
+                  <a:noFill/>
+                </a:ln>
+                <a:solidFill>
+                  <a:srgbClr val="6A8759"/>
+                </a:solidFill>
+                <a:effectLst/>
+                <a:latin typeface="JetBrains Mono"/>
+              </a:rPr>
+              <a:t>="com.volkov.IoC.example15.Person"</a:t>
+            </a:r>
+            <a:r>
+              <a:rPr kumimoji="0" lang="en-US" altLang="en-US" sz="2000" b="0" i="0" u="none" strike="noStrike" cap="none" normalizeH="0" baseline="0" dirty="0">
+                <a:ln>
+                  <a:noFill/>
+                </a:ln>
+                <a:solidFill>
+                  <a:srgbClr val="E8BF6A"/>
+                </a:solidFill>
+                <a:effectLst/>
+                <a:latin typeface="JetBrains Mono"/>
+              </a:rPr>
+              <a:t>&gt;</a:t>
+            </a:r>
+            <a:br>
+              <a:rPr kumimoji="0" lang="en-US" altLang="en-US" sz="2000" b="0" i="0" u="none" strike="noStrike" cap="none" normalizeH="0" baseline="0" dirty="0">
+                <a:ln>
+                  <a:noFill/>
+                </a:ln>
+                <a:solidFill>
+                  <a:srgbClr val="E8BF6A"/>
+                </a:solidFill>
+                <a:effectLst/>
+                <a:latin typeface="JetBrains Mono"/>
+              </a:rPr>
+            </a:br>
+            <a:r>
+              <a:rPr kumimoji="0" lang="en-US" altLang="en-US" sz="2000" b="0" i="0" u="none" strike="noStrike" cap="none" normalizeH="0" baseline="0" dirty="0">
+                <a:ln>
+                  <a:noFill/>
+                </a:ln>
+                <a:solidFill>
+                  <a:srgbClr val="E8BF6A"/>
+                </a:solidFill>
+                <a:effectLst/>
+                <a:latin typeface="JetBrains Mono"/>
+              </a:rPr>
+              <a:t>        &lt;property </a:t>
+            </a:r>
+            <a:r>
+              <a:rPr kumimoji="0" lang="en-US" altLang="en-US" sz="2000" b="0" i="0" u="none" strike="noStrike" cap="none" normalizeH="0" baseline="0" dirty="0">
+                <a:ln>
+                  <a:noFill/>
+                </a:ln>
+                <a:solidFill>
+                  <a:srgbClr val="BABABA"/>
                 </a:solidFill>
                 <a:effectLst/>
                 <a:latin typeface="JetBrains Mono"/>
@@ -3203,12 +3323,77 @@
                   <a:noFill/>
                 </a:ln>
                 <a:solidFill>
-                  <a:srgbClr val="CC7832"/>
-                </a:solidFill>
-                <a:effectLst/>
-                <a:latin typeface="JetBrains Mono"/>
-              </a:rPr>
-              <a:t>;</a:t>
+                  <a:srgbClr val="6A8759"/>
+                </a:solidFill>
+                <a:effectLst/>
+                <a:latin typeface="JetBrains Mono"/>
+              </a:rPr>
+              <a:t>="</a:t>
+            </a:r>
+            <a:r>
+              <a:rPr kumimoji="0" lang="en-US" altLang="en-US" sz="2000" b="0" i="0" u="none" strike="noStrike" cap="none" normalizeH="0" baseline="0" dirty="0" err="1">
+                <a:ln>
+                  <a:noFill/>
+                </a:ln>
+                <a:solidFill>
+                  <a:srgbClr val="6A8759"/>
+                </a:solidFill>
+                <a:effectLst/>
+                <a:latin typeface="JetBrains Mono"/>
+              </a:rPr>
+              <a:t>firstName</a:t>
+            </a:r>
+            <a:r>
+              <a:rPr kumimoji="0" lang="en-US" altLang="en-US" sz="2000" b="0" i="0" u="none" strike="noStrike" cap="none" normalizeH="0" baseline="0" dirty="0">
+                <a:ln>
+                  <a:noFill/>
+                </a:ln>
+                <a:solidFill>
+                  <a:srgbClr val="6A8759"/>
+                </a:solidFill>
+                <a:effectLst/>
+                <a:latin typeface="JetBrains Mono"/>
+              </a:rPr>
+              <a:t>" </a:t>
+            </a:r>
+            <a:r>
+              <a:rPr kumimoji="0" lang="en-US" altLang="en-US" sz="2000" b="0" i="0" u="none" strike="noStrike" cap="none" normalizeH="0" baseline="0" dirty="0">
+                <a:ln>
+                  <a:noFill/>
+                </a:ln>
+                <a:solidFill>
+                  <a:srgbClr val="BABABA"/>
+                </a:solidFill>
+                <a:effectLst/>
+                <a:latin typeface="JetBrains Mono"/>
+              </a:rPr>
+              <a:t>value</a:t>
+            </a:r>
+            <a:r>
+              <a:rPr kumimoji="0" lang="en-US" altLang="en-US" sz="2000" b="0" i="0" u="none" strike="noStrike" cap="none" normalizeH="0" baseline="0" dirty="0">
+                <a:ln>
+                  <a:noFill/>
+                </a:ln>
+                <a:solidFill>
+                  <a:srgbClr val="6A8759"/>
+                </a:solidFill>
+                <a:effectLst/>
+                <a:latin typeface="JetBrains Mono"/>
+              </a:rPr>
+              <a:t>="Ivan" </a:t>
+            </a:r>
+            <a:r>
+              <a:rPr kumimoji="0" lang="en-US" altLang="en-US" sz="2000" b="0" i="0" u="none" strike="noStrike" cap="none" normalizeH="0" baseline="0" dirty="0">
+                <a:ln>
+                  <a:noFill/>
+                </a:ln>
+                <a:solidFill>
+                  <a:srgbClr val="E8BF6A"/>
+                </a:solidFill>
+                <a:effectLst/>
+                <a:latin typeface="JetBrains Mono"/>
+              </a:rPr>
+              <a:t>/&gt;</a:t>
             </a:r>
             <a:br>
               <a:rPr kumimoji="0" lang="en-US" altLang="en-US" sz="2000" b="0" i="0" u="none" strike="noStrike" cap="none" normalizeH="0" baseline="0" dirty="0">
@@ -3216,7 +3401,7 @@
                   <a:noFill/>
                 </a:ln>
                 <a:solidFill>
-                  <a:srgbClr val="CC7832"/>
+                  <a:srgbClr val="E8BF6A"/>
                 </a:solidFill>
                 <a:effectLst/>
                 <a:latin typeface="JetBrains Mono"/>
@@ -3228,51 +3413,243 @@
                   <a:noFill/>
                 </a:ln>
                 <a:solidFill>
-                  <a:srgbClr val="CC7832"/>
-                </a:solidFill>
-                <a:effectLst/>
-                <a:latin typeface="JetBrains Mono"/>
-              </a:rPr>
-              <a:t>    private </a:t>
-            </a:r>
-            <a:r>
-              <a:rPr kumimoji="0" lang="en-US" altLang="en-US" sz="2000" b="0" i="0" u="none" strike="noStrike" cap="none" normalizeH="0" baseline="0" dirty="0">
-                <a:ln>
-                  <a:noFill/>
-                </a:ln>
-                <a:solidFill>
-                  <a:srgbClr val="A9B7C6"/>
-                </a:solidFill>
-                <a:effectLst/>
-                <a:latin typeface="JetBrains Mono"/>
-              </a:rPr>
-              <a:t>Person </a:t>
-            </a:r>
-            <a:r>
-              <a:rPr kumimoji="0" lang="en-US" altLang="en-US" sz="2000" b="0" i="0" u="none" strike="noStrike" cap="none" normalizeH="0" baseline="0" dirty="0">
-                <a:ln>
-                  <a:noFill/>
-                </a:ln>
-                <a:solidFill>
-                  <a:srgbClr val="9876AA"/>
-                </a:solidFill>
-                <a:effectLst/>
-                <a:latin typeface="JetBrains Mono"/>
-              </a:rPr>
-              <a:t>owner</a:t>
-            </a:r>
-            <a:r>
-              <a:rPr kumimoji="0" lang="en-US" altLang="en-US" sz="2000" b="0" i="0" u="none" strike="noStrike" cap="none" normalizeH="0" baseline="0" dirty="0">
-                <a:ln>
-                  <a:noFill/>
-                </a:ln>
-                <a:solidFill>
-                  <a:srgbClr val="CC7832"/>
-                </a:solidFill>
-                <a:effectLst/>
-                <a:latin typeface="JetBrains Mono"/>
-              </a:rPr>
-              <a:t>;</a:t>
+                  <a:srgbClr val="E8BF6A"/>
+                </a:solidFill>
+                <a:effectLst/>
+                <a:latin typeface="JetBrains Mono"/>
+              </a:rPr>
+              <a:t>        &lt;property </a:t>
+            </a:r>
+            <a:r>
+              <a:rPr kumimoji="0" lang="en-US" altLang="en-US" sz="2000" b="0" i="0" u="none" strike="noStrike" cap="none" normalizeH="0" baseline="0" dirty="0">
+                <a:ln>
+                  <a:noFill/>
+                </a:ln>
+                <a:solidFill>
+                  <a:srgbClr val="BABABA"/>
+                </a:solidFill>
+                <a:effectLst/>
+                <a:latin typeface="JetBrains Mono"/>
+              </a:rPr>
+              <a:t>name</a:t>
+            </a:r>
+            <a:r>
+              <a:rPr kumimoji="0" lang="en-US" altLang="en-US" sz="2000" b="0" i="0" u="none" strike="noStrike" cap="none" normalizeH="0" baseline="0" dirty="0">
+                <a:ln>
+                  <a:noFill/>
+                </a:ln>
+                <a:solidFill>
+                  <a:srgbClr val="6A8759"/>
+                </a:solidFill>
+                <a:effectLst/>
+                <a:latin typeface="JetBrains Mono"/>
+              </a:rPr>
+              <a:t>="surname" </a:t>
+            </a:r>
+            <a:r>
+              <a:rPr kumimoji="0" lang="en-US" altLang="en-US" sz="2000" b="0" i="0" u="none" strike="noStrike" cap="none" normalizeH="0" baseline="0" dirty="0">
+                <a:ln>
+                  <a:noFill/>
+                </a:ln>
+                <a:solidFill>
+                  <a:srgbClr val="BABABA"/>
+                </a:solidFill>
+                <a:effectLst/>
+                <a:latin typeface="JetBrains Mono"/>
+              </a:rPr>
+              <a:t>value</a:t>
+            </a:r>
+            <a:r>
+              <a:rPr kumimoji="0" lang="en-US" altLang="en-US" sz="2000" b="0" i="0" u="none" strike="noStrike" cap="none" normalizeH="0" baseline="0" dirty="0">
+                <a:ln>
+                  <a:noFill/>
+                </a:ln>
+                <a:solidFill>
+                  <a:srgbClr val="6A8759"/>
+                </a:solidFill>
+                <a:effectLst/>
+                <a:latin typeface="JetBrains Mono"/>
+              </a:rPr>
+              <a:t>="</a:t>
+            </a:r>
+            <a:r>
+              <a:rPr kumimoji="0" lang="en-US" altLang="en-US" sz="2000" b="0" i="0" u="none" strike="noStrike" cap="none" normalizeH="0" baseline="0" dirty="0" err="1">
+                <a:ln>
+                  <a:noFill/>
+                </a:ln>
+                <a:solidFill>
+                  <a:srgbClr val="6A8759"/>
+                </a:solidFill>
+                <a:effectLst/>
+                <a:latin typeface="JetBrains Mono"/>
+              </a:rPr>
+              <a:t>Ivanovich</a:t>
+            </a:r>
+            <a:r>
+              <a:rPr kumimoji="0" lang="en-US" altLang="en-US" sz="2000" b="0" i="0" u="none" strike="noStrike" cap="none" normalizeH="0" baseline="0" dirty="0">
+                <a:ln>
+                  <a:noFill/>
+                </a:ln>
+                <a:solidFill>
+                  <a:srgbClr val="6A8759"/>
+                </a:solidFill>
+                <a:effectLst/>
+                <a:latin typeface="JetBrains Mono"/>
+              </a:rPr>
+              <a:t>"</a:t>
+            </a:r>
+            <a:r>
+              <a:rPr kumimoji="0" lang="en-US" altLang="en-US" sz="2000" b="0" i="0" u="none" strike="noStrike" cap="none" normalizeH="0" baseline="0" dirty="0">
+                <a:ln>
+                  <a:noFill/>
+                </a:ln>
+                <a:solidFill>
+                  <a:srgbClr val="E8BF6A"/>
+                </a:solidFill>
+                <a:effectLst/>
+                <a:latin typeface="JetBrains Mono"/>
+              </a:rPr>
+              <a:t>/&gt;</a:t>
+            </a:r>
+            <a:br>
+              <a:rPr kumimoji="0" lang="en-US" altLang="en-US" sz="2000" b="0" i="0" u="none" strike="noStrike" cap="none" normalizeH="0" baseline="0" dirty="0">
+                <a:ln>
+                  <a:noFill/>
+                </a:ln>
+                <a:solidFill>
+                  <a:srgbClr val="E8BF6A"/>
+                </a:solidFill>
+                <a:effectLst/>
+                <a:latin typeface="JetBrains Mono"/>
+              </a:rPr>
+            </a:br>
+            <a:r>
+              <a:rPr kumimoji="0" lang="en-US" altLang="en-US" sz="2000" b="0" i="0" u="none" strike="noStrike" cap="none" normalizeH="0" baseline="0" dirty="0">
+                <a:ln>
+                  <a:noFill/>
+                </a:ln>
+                <a:solidFill>
+                  <a:srgbClr val="E8BF6A"/>
+                </a:solidFill>
+                <a:effectLst/>
+                <a:latin typeface="JetBrains Mono"/>
+              </a:rPr>
+              <a:t>        &lt;property </a:t>
+            </a:r>
+            <a:r>
+              <a:rPr kumimoji="0" lang="en-US" altLang="en-US" sz="2000" b="0" i="0" u="none" strike="noStrike" cap="none" normalizeH="0" baseline="0" dirty="0">
+                <a:ln>
+                  <a:noFill/>
+                </a:ln>
+                <a:solidFill>
+                  <a:srgbClr val="BABABA"/>
+                </a:solidFill>
+                <a:effectLst/>
+                <a:latin typeface="JetBrains Mono"/>
+              </a:rPr>
+              <a:t>name</a:t>
+            </a:r>
+            <a:r>
+              <a:rPr kumimoji="0" lang="en-US" altLang="en-US" sz="2000" b="0" i="0" u="none" strike="noStrike" cap="none" normalizeH="0" baseline="0" dirty="0">
+                <a:ln>
+                  <a:noFill/>
+                </a:ln>
+                <a:solidFill>
+                  <a:srgbClr val="6A8759"/>
+                </a:solidFill>
+                <a:effectLst/>
+                <a:latin typeface="JetBrains Mono"/>
+              </a:rPr>
+              <a:t>="age" </a:t>
+            </a:r>
+            <a:r>
+              <a:rPr kumimoji="0" lang="en-US" altLang="en-US" sz="2000" b="0" i="0" u="none" strike="noStrike" cap="none" normalizeH="0" baseline="0" dirty="0">
+                <a:ln>
+                  <a:noFill/>
+                </a:ln>
+                <a:solidFill>
+                  <a:srgbClr val="BABABA"/>
+                </a:solidFill>
+                <a:effectLst/>
+                <a:latin typeface="JetBrains Mono"/>
+              </a:rPr>
+              <a:t>value</a:t>
+            </a:r>
+            <a:r>
+              <a:rPr kumimoji="0" lang="en-US" altLang="en-US" sz="2000" b="0" i="0" u="none" strike="noStrike" cap="none" normalizeH="0" baseline="0" dirty="0">
+                <a:ln>
+                  <a:noFill/>
+                </a:ln>
+                <a:solidFill>
+                  <a:srgbClr val="6A8759"/>
+                </a:solidFill>
+                <a:effectLst/>
+                <a:latin typeface="JetBrains Mono"/>
+              </a:rPr>
+              <a:t>="29" </a:t>
+            </a:r>
+            <a:r>
+              <a:rPr kumimoji="0" lang="en-US" altLang="en-US" sz="2000" b="0" i="0" u="none" strike="noStrike" cap="none" normalizeH="0" baseline="0" dirty="0">
+                <a:ln>
+                  <a:noFill/>
+                </a:ln>
+                <a:solidFill>
+                  <a:srgbClr val="E8BF6A"/>
+                </a:solidFill>
+                <a:effectLst/>
+                <a:latin typeface="JetBrains Mono"/>
+              </a:rPr>
+              <a:t>/&gt;</a:t>
+            </a:r>
+            <a:br>
+              <a:rPr kumimoji="0" lang="en-US" altLang="en-US" sz="2000" b="0" i="0" u="none" strike="noStrike" cap="none" normalizeH="0" baseline="0" dirty="0">
+                <a:ln>
+                  <a:noFill/>
+                </a:ln>
+                <a:solidFill>
+                  <a:srgbClr val="E8BF6A"/>
+                </a:solidFill>
+                <a:effectLst/>
+                <a:latin typeface="JetBrains Mono"/>
+              </a:rPr>
+            </a:br>
+            <a:r>
+              <a:rPr kumimoji="0" lang="en-US" altLang="en-US" sz="2000" b="0" i="0" u="none" strike="noStrike" cap="none" normalizeH="0" baseline="0" dirty="0">
+                <a:ln>
+                  <a:noFill/>
+                </a:ln>
+                <a:solidFill>
+                  <a:srgbClr val="E8BF6A"/>
+                </a:solidFill>
+                <a:effectLst/>
+                <a:latin typeface="JetBrains Mono"/>
+              </a:rPr>
+              <a:t>    &lt;/bean&gt;</a:t>
+            </a:r>
+            <a:br>
+              <a:rPr kumimoji="0" lang="en-US" altLang="en-US" sz="2000" b="0" i="0" u="none" strike="noStrike" cap="none" normalizeH="0" baseline="0" dirty="0">
+                <a:ln>
+                  <a:noFill/>
+                </a:ln>
+                <a:solidFill>
+                  <a:srgbClr val="E8BF6A"/>
+                </a:solidFill>
+                <a:effectLst/>
+                <a:latin typeface="JetBrains Mono"/>
+              </a:rPr>
+            </a:br>
+            <a:r>
+              <a:rPr kumimoji="0" lang="en-US" altLang="en-US" sz="2000" b="0" i="0" u="none" strike="noStrike" cap="none" normalizeH="0" baseline="0" dirty="0">
+                <a:ln>
+                  <a:noFill/>
+                </a:ln>
+                <a:solidFill>
+                  <a:srgbClr val="E8BF6A"/>
+                </a:solidFill>
+                <a:effectLst/>
+                <a:latin typeface="JetBrains Mono"/>
+              </a:rPr>
+              <a:t>&lt;/list&gt;</a:t>
             </a:r>
             <a:endParaRPr kumimoji="0" lang="en-US" altLang="en-US" sz="2000" b="0" i="0" u="none" strike="noStrike" cap="none" normalizeH="0" baseline="0" dirty="0">
               <a:ln>
@@ -3287,401 +3664,10 @@
           </a:p>
         </p:txBody>
       </p:sp>
-      <p:sp>
-        <p:nvSpPr>
-          <p:cNvPr id="5" name="Rectangle 2"/>
-          <p:cNvSpPr>
-            <a:spLocks noChangeArrowheads="1"/>
-          </p:cNvSpPr>
-          <p:nvPr/>
-        </p:nvSpPr>
-        <p:spPr bwMode="auto">
-          <a:xfrm>
-            <a:off x="4891951" y="4269597"/>
-            <a:ext cx="3214341" cy="1631216"/>
-          </a:xfrm>
-          <a:prstGeom prst="rect">
-            <a:avLst/>
-          </a:prstGeom>
-          <a:solidFill>
-            <a:srgbClr val="2B2B2B"/>
-          </a:solidFill>
-          <a:ln>
-            <a:noFill/>
-          </a:ln>
-          <a:effectLst/>
-          <a:extLst>
-            <a:ext uri="{91240B29-F687-4F45-9708-019B960494DF}">
-              <a14:hiddenLine xmlns:a14="http://schemas.microsoft.com/office/drawing/2010/main" w="9525">
-                <a:solidFill>
-                  <a:schemeClr val="tx1"/>
-                </a:solidFill>
-                <a:miter lim="800000"/>
-                <a:headEnd/>
-                <a:tailEnd/>
-              </a14:hiddenLine>
-            </a:ext>
-            <a:ext uri="{AF507438-7753-43E0-B8FC-AC1667EBCBE1}">
-              <a14:hiddenEffects xmlns:a14="http://schemas.microsoft.com/office/drawing/2010/main">
-                <a:effectLst>
-                  <a:outerShdw dist="35921" dir="2700000" algn="ctr" rotWithShape="0">
-                    <a:schemeClr val="bg2"/>
-                  </a:outerShdw>
-                </a:effectLst>
-              </a14:hiddenEffects>
-            </a:ext>
-          </a:extLst>
-        </p:spPr>
-        <p:txBody>
-          <a:bodyPr vert="horz" wrap="none" lIns="91440" tIns="45720" rIns="91440" bIns="45720" numCol="1" anchor="ctr" anchorCtr="0" compatLnSpc="1">
-            <a:prstTxWarp prst="textNoShape">
-              <a:avLst/>
-            </a:prstTxWarp>
-            <a:spAutoFit/>
-          </a:bodyPr>
-          <a:lstStyle/>
-          <a:p>
-            <a:pPr marL="0" marR="0" lvl="0" indent="0" algn="l" defTabSz="914400" rtl="0" eaLnBrk="0" fontAlgn="base" latinLnBrk="0" hangingPunct="0">
-              <a:lnSpc>
-                <a:spcPct val="100000"/>
-              </a:lnSpc>
-              <a:spcBef>
-                <a:spcPct val="0"/>
-              </a:spcBef>
-              <a:spcAft>
-                <a:spcPct val="0"/>
-              </a:spcAft>
-              <a:buClrTx/>
-              <a:buSzTx/>
-              <a:buFontTx/>
-              <a:buNone/>
-              <a:tabLst/>
-            </a:pPr>
-            <a:r>
-              <a:rPr kumimoji="0" lang="en-US" altLang="en-US" sz="2000" b="0" i="0" u="none" strike="noStrike" cap="none" normalizeH="0" baseline="0" dirty="0">
-                <a:ln>
-                  <a:noFill/>
-                </a:ln>
-                <a:solidFill>
-                  <a:srgbClr val="CC7832"/>
-                </a:solidFill>
-                <a:effectLst/>
-                <a:latin typeface="JetBrains Mono"/>
-              </a:rPr>
-              <a:t>public class </a:t>
-            </a:r>
-            <a:r>
-              <a:rPr kumimoji="0" lang="en-US" altLang="en-US" sz="2000" b="0" i="0" u="none" strike="noStrike" cap="none" normalizeH="0" baseline="0" dirty="0">
-                <a:ln>
-                  <a:noFill/>
-                </a:ln>
-                <a:solidFill>
-                  <a:srgbClr val="A9B7C6"/>
-                </a:solidFill>
-                <a:effectLst/>
-                <a:latin typeface="JetBrains Mono"/>
-              </a:rPr>
-              <a:t>Person {</a:t>
-            </a:r>
-            <a:br>
-              <a:rPr kumimoji="0" lang="en-US" altLang="en-US" sz="2000" b="0" i="0" u="none" strike="noStrike" cap="none" normalizeH="0" baseline="0" dirty="0">
-                <a:ln>
-                  <a:noFill/>
-                </a:ln>
-                <a:solidFill>
-                  <a:srgbClr val="A9B7C6"/>
-                </a:solidFill>
-                <a:effectLst/>
-                <a:latin typeface="JetBrains Mono"/>
-              </a:rPr>
-            </a:br>
-            <a:r>
-              <a:rPr kumimoji="0" lang="en-US" altLang="en-US" sz="2000" b="0" i="0" u="none" strike="noStrike" cap="none" normalizeH="0" baseline="0" dirty="0">
-                <a:ln>
-                  <a:noFill/>
-                </a:ln>
-                <a:solidFill>
-                  <a:srgbClr val="A9B7C6"/>
-                </a:solidFill>
-                <a:effectLst/>
-                <a:latin typeface="JetBrains Mono"/>
-              </a:rPr>
-              <a:t>    </a:t>
-            </a:r>
-            <a:r>
-              <a:rPr kumimoji="0" lang="en-US" altLang="en-US" sz="2000" b="0" i="0" u="none" strike="noStrike" cap="none" normalizeH="0" baseline="0" dirty="0">
-                <a:ln>
-                  <a:noFill/>
-                </a:ln>
-                <a:solidFill>
-                  <a:srgbClr val="CC7832"/>
-                </a:solidFill>
-                <a:effectLst/>
-                <a:latin typeface="JetBrains Mono"/>
-              </a:rPr>
-              <a:t>private </a:t>
-            </a:r>
-            <a:r>
-              <a:rPr kumimoji="0" lang="en-US" altLang="en-US" sz="2000" b="0" i="0" u="none" strike="noStrike" cap="none" normalizeH="0" baseline="0" dirty="0">
-                <a:ln>
-                  <a:noFill/>
-                </a:ln>
-                <a:solidFill>
-                  <a:srgbClr val="A9B7C6"/>
-                </a:solidFill>
-                <a:effectLst/>
-                <a:latin typeface="JetBrains Mono"/>
-              </a:rPr>
-              <a:t>String </a:t>
-            </a:r>
-            <a:r>
-              <a:rPr kumimoji="0" lang="en-US" altLang="en-US" sz="2000" b="0" i="0" u="none" strike="noStrike" cap="none" normalizeH="0" baseline="0" dirty="0" err="1">
-                <a:ln>
-                  <a:noFill/>
-                </a:ln>
-                <a:solidFill>
-                  <a:srgbClr val="9876AA"/>
-                </a:solidFill>
-                <a:effectLst/>
-                <a:latin typeface="JetBrains Mono"/>
-              </a:rPr>
-              <a:t>firstName</a:t>
-            </a:r>
-            <a:r>
-              <a:rPr kumimoji="0" lang="en-US" altLang="en-US" sz="2000" b="0" i="0" u="none" strike="noStrike" cap="none" normalizeH="0" baseline="0" dirty="0">
-                <a:ln>
-                  <a:noFill/>
-                </a:ln>
-                <a:solidFill>
-                  <a:srgbClr val="CC7832"/>
-                </a:solidFill>
-                <a:effectLst/>
-                <a:latin typeface="JetBrains Mono"/>
-              </a:rPr>
-              <a:t>;</a:t>
-            </a:r>
-            <a:br>
-              <a:rPr kumimoji="0" lang="en-US" altLang="en-US" sz="2000" b="0" i="0" u="none" strike="noStrike" cap="none" normalizeH="0" baseline="0" dirty="0">
-                <a:ln>
-                  <a:noFill/>
-                </a:ln>
-                <a:solidFill>
-                  <a:srgbClr val="CC7832"/>
-                </a:solidFill>
-                <a:effectLst/>
-                <a:latin typeface="JetBrains Mono"/>
-              </a:rPr>
-            </a:br>
-            <a:r>
-              <a:rPr kumimoji="0" lang="en-US" altLang="en-US" sz="2000" b="0" i="0" u="none" strike="noStrike" cap="none" normalizeH="0" baseline="0" dirty="0">
-                <a:ln>
-                  <a:noFill/>
-                </a:ln>
-                <a:solidFill>
-                  <a:srgbClr val="CC7832"/>
-                </a:solidFill>
-                <a:effectLst/>
-                <a:latin typeface="JetBrains Mono"/>
-              </a:rPr>
-              <a:t>    private </a:t>
-            </a:r>
-            <a:r>
-              <a:rPr kumimoji="0" lang="en-US" altLang="en-US" sz="2000" b="0" i="0" u="none" strike="noStrike" cap="none" normalizeH="0" baseline="0" dirty="0">
-                <a:ln>
-                  <a:noFill/>
-                </a:ln>
-                <a:solidFill>
-                  <a:srgbClr val="A9B7C6"/>
-                </a:solidFill>
-                <a:effectLst/>
-                <a:latin typeface="JetBrains Mono"/>
-              </a:rPr>
-              <a:t>String </a:t>
-            </a:r>
-            <a:r>
-              <a:rPr kumimoji="0" lang="en-US" altLang="en-US" sz="2000" b="0" i="0" u="none" strike="noStrike" cap="none" normalizeH="0" baseline="0" dirty="0">
-                <a:ln>
-                  <a:noFill/>
-                </a:ln>
-                <a:solidFill>
-                  <a:srgbClr val="9876AA"/>
-                </a:solidFill>
-                <a:effectLst/>
-                <a:latin typeface="JetBrains Mono"/>
-              </a:rPr>
-              <a:t>surname</a:t>
-            </a:r>
-            <a:r>
-              <a:rPr kumimoji="0" lang="en-US" altLang="en-US" sz="2000" b="0" i="0" u="none" strike="noStrike" cap="none" normalizeH="0" baseline="0" dirty="0">
-                <a:ln>
-                  <a:noFill/>
-                </a:ln>
-                <a:solidFill>
-                  <a:srgbClr val="CC7832"/>
-                </a:solidFill>
-                <a:effectLst/>
-                <a:latin typeface="JetBrains Mono"/>
-              </a:rPr>
-              <a:t>;</a:t>
-            </a:r>
-            <a:br>
-              <a:rPr kumimoji="0" lang="en-US" altLang="en-US" sz="2000" b="0" i="0" u="none" strike="noStrike" cap="none" normalizeH="0" baseline="0" dirty="0">
-                <a:ln>
-                  <a:noFill/>
-                </a:ln>
-                <a:solidFill>
-                  <a:srgbClr val="CC7832"/>
-                </a:solidFill>
-                <a:effectLst/>
-                <a:latin typeface="JetBrains Mono"/>
-              </a:rPr>
-            </a:br>
-            <a:r>
-              <a:rPr kumimoji="0" lang="en-US" altLang="en-US" sz="2000" b="0" i="0" u="none" strike="noStrike" cap="none" normalizeH="0" baseline="0" dirty="0">
-                <a:ln>
-                  <a:noFill/>
-                </a:ln>
-                <a:solidFill>
-                  <a:srgbClr val="CC7832"/>
-                </a:solidFill>
-                <a:effectLst/>
-                <a:latin typeface="JetBrains Mono"/>
-              </a:rPr>
-              <a:t>    private </a:t>
-            </a:r>
-            <a:r>
-              <a:rPr kumimoji="0" lang="en-US" altLang="en-US" sz="2000" b="0" i="0" u="none" strike="noStrike" cap="none" normalizeH="0" baseline="0" dirty="0" err="1">
-                <a:ln>
-                  <a:noFill/>
-                </a:ln>
-                <a:solidFill>
-                  <a:srgbClr val="CC7832"/>
-                </a:solidFill>
-                <a:effectLst/>
-                <a:latin typeface="JetBrains Mono"/>
-              </a:rPr>
-              <a:t>int</a:t>
-            </a:r>
-            <a:r>
-              <a:rPr kumimoji="0" lang="en-US" altLang="en-US" sz="2000" b="0" i="0" u="none" strike="noStrike" cap="none" normalizeH="0" baseline="0" dirty="0">
-                <a:ln>
-                  <a:noFill/>
-                </a:ln>
-                <a:solidFill>
-                  <a:srgbClr val="CC7832"/>
-                </a:solidFill>
-                <a:effectLst/>
-                <a:latin typeface="JetBrains Mono"/>
-              </a:rPr>
-              <a:t> </a:t>
-            </a:r>
-            <a:r>
-              <a:rPr kumimoji="0" lang="en-US" altLang="en-US" sz="2000" b="0" i="0" u="none" strike="noStrike" cap="none" normalizeH="0" baseline="0" dirty="0">
-                <a:ln>
-                  <a:noFill/>
-                </a:ln>
-                <a:solidFill>
-                  <a:srgbClr val="9876AA"/>
-                </a:solidFill>
-                <a:effectLst/>
-                <a:latin typeface="JetBrains Mono"/>
-              </a:rPr>
-              <a:t>age</a:t>
-            </a:r>
-            <a:r>
-              <a:rPr kumimoji="0" lang="en-US" altLang="en-US" sz="2000" b="0" i="0" u="none" strike="noStrike" cap="none" normalizeH="0" baseline="0" dirty="0">
-                <a:ln>
-                  <a:noFill/>
-                </a:ln>
-                <a:solidFill>
-                  <a:srgbClr val="CC7832"/>
-                </a:solidFill>
-                <a:effectLst/>
-                <a:latin typeface="JetBrains Mono"/>
-              </a:rPr>
-              <a:t>;</a:t>
-            </a:r>
-            <a:br>
-              <a:rPr kumimoji="0" lang="en-US" altLang="en-US" sz="2000" b="0" i="0" u="none" strike="noStrike" cap="none" normalizeH="0" baseline="0" dirty="0">
-                <a:ln>
-                  <a:noFill/>
-                </a:ln>
-                <a:solidFill>
-                  <a:srgbClr val="CC7832"/>
-                </a:solidFill>
-                <a:effectLst/>
-                <a:latin typeface="JetBrains Mono"/>
-              </a:rPr>
-            </a:br>
-            <a:r>
-              <a:rPr kumimoji="0" lang="en-US" altLang="en-US" sz="2000" b="0" i="0" u="none" strike="noStrike" cap="none" normalizeH="0" baseline="0" dirty="0">
-                <a:ln>
-                  <a:noFill/>
-                </a:ln>
-                <a:solidFill>
-                  <a:srgbClr val="CC7832"/>
-                </a:solidFill>
-                <a:effectLst/>
-                <a:latin typeface="JetBrains Mono"/>
-              </a:rPr>
-              <a:t>    private </a:t>
-            </a:r>
-            <a:r>
-              <a:rPr kumimoji="0" lang="en-US" altLang="en-US" sz="2000" b="0" i="0" u="none" strike="noStrike" cap="none" normalizeH="0" baseline="0" dirty="0">
-                <a:ln>
-                  <a:noFill/>
-                </a:ln>
-                <a:solidFill>
-                  <a:srgbClr val="A9B7C6"/>
-                </a:solidFill>
-                <a:effectLst/>
-                <a:latin typeface="JetBrains Mono"/>
-              </a:rPr>
-              <a:t>Cat </a:t>
-            </a:r>
-            <a:r>
-              <a:rPr kumimoji="0" lang="en-US" altLang="en-US" sz="2000" b="0" i="0" u="none" strike="noStrike" cap="none" normalizeH="0" baseline="0" dirty="0" err="1">
-                <a:ln>
-                  <a:noFill/>
-                </a:ln>
-                <a:solidFill>
-                  <a:srgbClr val="9876AA"/>
-                </a:solidFill>
-                <a:effectLst/>
-                <a:latin typeface="JetBrains Mono"/>
-              </a:rPr>
-              <a:t>cat</a:t>
-            </a:r>
-            <a:r>
-              <a:rPr kumimoji="0" lang="en-US" altLang="en-US" sz="2000" b="0" i="0" u="none" strike="noStrike" cap="none" normalizeH="0" baseline="0" dirty="0">
-                <a:ln>
-                  <a:noFill/>
-                </a:ln>
-                <a:solidFill>
-                  <a:srgbClr val="CC7832"/>
-                </a:solidFill>
-                <a:effectLst/>
-                <a:latin typeface="JetBrains Mono"/>
-              </a:rPr>
-              <a:t>;</a:t>
-            </a:r>
-            <a:endParaRPr kumimoji="0" lang="en-US" altLang="en-US" sz="2000" b="0" i="0" u="none" strike="noStrike" cap="none" normalizeH="0" baseline="0" dirty="0">
-              <a:ln>
-                <a:noFill/>
-              </a:ln>
-              <a:solidFill>
-                <a:schemeClr val="tx1"/>
-              </a:solidFill>
-              <a:effectLst/>
-              <a:latin typeface="Arial" panose="020B0604020202020204" pitchFamily="34" charset="0"/>
-            </a:endParaRPr>
-          </a:p>
-        </p:txBody>
-      </p:sp>
     </p:spTree>
     <p:extLst>
       <p:ext uri="{BB962C8B-B14F-4D97-AF65-F5344CB8AC3E}">
-        <p14:creationId xmlns:p14="http://schemas.microsoft.com/office/powerpoint/2010/main" val="1427836855"/>
+        <p14:creationId xmlns:p14="http://schemas.microsoft.com/office/powerpoint/2010/main" val="158756921"/>
       </p:ext>
     </p:extLst>
   </p:cSld>
@@ -3720,69 +3706,155 @@
         </p:nvSpPr>
         <p:spPr>
           <a:xfrm>
-            <a:off x="838200" y="577516"/>
-            <a:ext cx="10515600" cy="5599447"/>
+            <a:off x="838200" y="593558"/>
+            <a:ext cx="10515600" cy="5583405"/>
           </a:xfrm>
         </p:spPr>
         <p:txBody>
           <a:bodyPr/>
           <a:lstStyle/>
           <a:p>
+            <a:pPr marL="0" indent="0">
+              <a:buNone/>
+            </a:pPr>
             <a:r>
               <a:rPr lang="ru-RU" dirty="0"/>
-              <a:t>В таком случае выбросится </a:t>
-            </a:r>
-            <a:r>
-              <a:rPr lang="ru-RU" dirty="0" err="1"/>
-              <a:t>BeanCurrentlyInCreationException</a:t>
+              <a:t>Лист проинициализирован следующими значениями:</a:t>
+            </a:r>
+          </a:p>
+          <a:p>
+            <a:r>
+              <a:rPr lang="en-US" dirty="0" err="1"/>
+              <a:t>Int</a:t>
+            </a:r>
+            <a:r>
+              <a:rPr lang="en-US" dirty="0"/>
+              <a:t>’</a:t>
+            </a:r>
+            <a:r>
+              <a:rPr lang="ru-RU" dirty="0"/>
+              <a:t>ом 1</a:t>
+            </a:r>
+          </a:p>
+          <a:p>
+            <a:r>
+              <a:rPr lang="ru-RU" dirty="0"/>
+              <a:t>Ссылка на бин </a:t>
+            </a:r>
+            <a:r>
+              <a:rPr lang="en-US" dirty="0"/>
+              <a:t>“person”</a:t>
+            </a:r>
+            <a:r>
+              <a:rPr lang="ru-RU" dirty="0"/>
+              <a:t>, определенный выше в </a:t>
+            </a:r>
+            <a:r>
+              <a:rPr lang="en-US" dirty="0"/>
+              <a:t>XML</a:t>
+            </a:r>
+            <a:endParaRPr lang="ru-RU" dirty="0"/>
+          </a:p>
+          <a:p>
+            <a:r>
+              <a:rPr lang="ru-RU" dirty="0"/>
+              <a:t>Другой бин класса </a:t>
+            </a:r>
+            <a:r>
+              <a:rPr lang="en-US" dirty="0"/>
+              <a:t>Person</a:t>
             </a:r>
             <a:r>
               <a:rPr lang="ru-RU" dirty="0"/>
               <a:t>.</a:t>
             </a:r>
           </a:p>
+        </p:txBody>
+      </p:sp>
+    </p:spTree>
+    <p:extLst>
+      <p:ext uri="{BB962C8B-B14F-4D97-AF65-F5344CB8AC3E}">
+        <p14:creationId xmlns:p14="http://schemas.microsoft.com/office/powerpoint/2010/main" val="484763989"/>
+      </p:ext>
+    </p:extLst>
+  </p:cSld>
+  <p:clrMapOvr>
+    <a:masterClrMapping/>
+  </p:clrMapOvr>
+</p:sld>
+</file>
+
+<file path=ppt/slides/slide3.xml><?xml version="1.0" encoding="utf-8"?>
+<p:sld xmlns:a="http://schemas.openxmlformats.org/drawingml/2006/main" xmlns:r="http://schemas.openxmlformats.org/officeDocument/2006/relationships" xmlns:p="http://schemas.openxmlformats.org/presentationml/2006/main">
+  <p:cSld>
+    <p:spTree>
+      <p:nvGrpSpPr>
+        <p:cNvPr id="1" name=""/>
+        <p:cNvGrpSpPr/>
+        <p:nvPr/>
+      </p:nvGrpSpPr>
+      <p:grpSpPr>
+        <a:xfrm>
+          <a:off x="0" y="0"/>
+          <a:ext cx="0" cy="0"/>
+          <a:chOff x="0" y="0"/>
+          <a:chExt cx="0" cy="0"/>
+        </a:xfrm>
+      </p:grpSpPr>
+      <p:sp>
+        <p:nvSpPr>
+          <p:cNvPr id="3" name="Content Placeholder 2"/>
+          <p:cNvSpPr>
+            <a:spLocks noGrp="1"/>
+          </p:cNvSpPr>
+          <p:nvPr>
+            <p:ph idx="1"/>
+          </p:nvPr>
+        </p:nvSpPr>
+        <p:spPr>
+          <a:xfrm>
+            <a:off x="838200" y="449179"/>
+            <a:ext cx="10515600" cy="5727784"/>
+          </a:xfrm>
+        </p:spPr>
+        <p:txBody>
+          <a:bodyPr/>
+          <a:lstStyle/>
           <a:p>
             <a:r>
               <a:rPr lang="ru-RU" dirty="0"/>
-              <a:t>Данная проблема решается </a:t>
-            </a:r>
-            <a:r>
-              <a:rPr lang="ru-RU" dirty="0" err="1"/>
-              <a:t>испольнованием</a:t>
-            </a:r>
+              <a:t>Инициализация Сета</a:t>
+            </a:r>
+          </a:p>
+          <a:p>
+            <a:endParaRPr lang="ru-RU" dirty="0"/>
+          </a:p>
+          <a:p>
+            <a:endParaRPr lang="ru-RU" dirty="0"/>
+          </a:p>
+          <a:p>
+            <a:endParaRPr lang="ru-RU" dirty="0"/>
+          </a:p>
+          <a:p>
+            <a:endParaRPr lang="ru-RU" dirty="0"/>
+          </a:p>
+          <a:p>
+            <a:endParaRPr lang="ru-RU" dirty="0"/>
+          </a:p>
+          <a:p>
+            <a:endParaRPr lang="ru-RU" dirty="0"/>
+          </a:p>
+          <a:p>
+            <a:endParaRPr lang="ru-RU" dirty="0"/>
+          </a:p>
+          <a:p>
+            <a:pPr marL="0" indent="0">
+              <a:buNone/>
+            </a:pPr>
             <a:r>
               <a:rPr lang="ru-RU" dirty="0"/>
-              <a:t> внедрения зависимостей через сеттеры(</a:t>
-            </a:r>
-            <a:r>
-              <a:rPr lang="ru-RU" dirty="0" err="1"/>
-              <a:t>Setter</a:t>
-            </a:r>
-            <a:r>
-              <a:rPr lang="ru-RU" dirty="0"/>
-              <a:t> </a:t>
-            </a:r>
-            <a:r>
-              <a:rPr lang="ru-RU" dirty="0" err="1"/>
-              <a:t>Dependency</a:t>
-            </a:r>
-            <a:r>
-              <a:rPr lang="ru-RU" dirty="0"/>
-              <a:t> </a:t>
-            </a:r>
-            <a:r>
-              <a:rPr lang="ru-RU" dirty="0" err="1"/>
-              <a:t>injection</a:t>
-            </a:r>
-            <a:r>
-              <a:rPr lang="ru-RU" dirty="0"/>
-              <a:t> ) в одном или обоих классах.</a:t>
-            </a:r>
-          </a:p>
-          <a:p>
-            <a:pPr marL="0" indent="0">
-              <a:buNone/>
-            </a:pPr>
+              <a:t>Аналогично листу</a:t>
+            </a:r>
             <a:endParaRPr lang="en-US" dirty="0"/>
           </a:p>
         </p:txBody>
@@ -3797,8 +3869,8 @@
         </p:nvSpPr>
         <p:spPr bwMode="auto">
           <a:xfrm>
-            <a:off x="838200" y="2548316"/>
-            <a:ext cx="10515600" cy="3477875"/>
+            <a:off x="838200" y="1235839"/>
+            <a:ext cx="10515600" cy="2862322"/>
           </a:xfrm>
           <a:prstGeom prst="rect">
             <a:avLst/>
@@ -3868,7 +3940,83 @@
                 <a:effectLst/>
                 <a:latin typeface="JetBrains Mono"/>
               </a:rPr>
-              <a:t>&lt;bean </a:t>
+              <a:t>&lt;set&gt;</a:t>
+            </a:r>
+            <a:br>
+              <a:rPr kumimoji="0" lang="en-US" altLang="en-US" sz="2000" b="0" i="0" u="none" strike="noStrike" cap="none" normalizeH="0" baseline="0" dirty="0">
+                <a:ln>
+                  <a:noFill/>
+                </a:ln>
+                <a:solidFill>
+                  <a:srgbClr val="E8BF6A"/>
+                </a:solidFill>
+                <a:effectLst/>
+                <a:latin typeface="JetBrains Mono"/>
+              </a:rPr>
+            </a:br>
+            <a:r>
+              <a:rPr kumimoji="0" lang="en-US" altLang="en-US" sz="2000" b="0" i="0" u="none" strike="noStrike" cap="none" normalizeH="0" baseline="0" dirty="0">
+                <a:ln>
+                  <a:noFill/>
+                </a:ln>
+                <a:solidFill>
+                  <a:srgbClr val="E8BF6A"/>
+                </a:solidFill>
+                <a:effectLst/>
+                <a:latin typeface="JetBrains Mono"/>
+              </a:rPr>
+              <a:t>    &lt;value&gt;</a:t>
+            </a:r>
+            <a:r>
+              <a:rPr kumimoji="0" lang="en-US" altLang="en-US" sz="2000" b="0" i="0" u="none" strike="noStrike" cap="none" normalizeH="0" baseline="0" dirty="0">
+                <a:ln>
+                  <a:noFill/>
+                </a:ln>
+                <a:solidFill>
+                  <a:srgbClr val="A9B7C6"/>
+                </a:solidFill>
+                <a:effectLst/>
+                <a:latin typeface="JetBrains Mono"/>
+              </a:rPr>
+              <a:t>1</a:t>
+            </a:r>
+            <a:r>
+              <a:rPr kumimoji="0" lang="en-US" altLang="en-US" sz="2000" b="0" i="0" u="none" strike="noStrike" cap="none" normalizeH="0" baseline="0" dirty="0">
+                <a:ln>
+                  <a:noFill/>
+                </a:ln>
+                <a:solidFill>
+                  <a:srgbClr val="E8BF6A"/>
+                </a:solidFill>
+                <a:effectLst/>
+                <a:latin typeface="JetBrains Mono"/>
+              </a:rPr>
+              <a:t>&lt;/value&gt;</a:t>
+            </a:r>
+            <a:br>
+              <a:rPr kumimoji="0" lang="en-US" altLang="en-US" sz="2000" b="0" i="0" u="none" strike="noStrike" cap="none" normalizeH="0" baseline="0" dirty="0">
+                <a:ln>
+                  <a:noFill/>
+                </a:ln>
+                <a:solidFill>
+                  <a:srgbClr val="E8BF6A"/>
+                </a:solidFill>
+                <a:effectLst/>
+                <a:latin typeface="JetBrains Mono"/>
+              </a:rPr>
+            </a:br>
+            <a:r>
+              <a:rPr kumimoji="0" lang="en-US" altLang="en-US" sz="2000" b="0" i="0" u="none" strike="noStrike" cap="none" normalizeH="0" baseline="0" dirty="0">
+                <a:ln>
+                  <a:noFill/>
+                </a:ln>
+                <a:solidFill>
+                  <a:srgbClr val="E8BF6A"/>
+                </a:solidFill>
+                <a:effectLst/>
+                <a:latin typeface="JetBrains Mono"/>
+              </a:rPr>
+              <a:t>    &lt;ref </a:t>
             </a:r>
             <a:r>
               <a:rPr kumimoji="0" lang="en-US" altLang="en-US" sz="2000" b="0" i="0" u="none" strike="noStrike" cap="none" normalizeH="0" baseline="0" dirty="0">
@@ -3881,6 +4029,134 @@
                 <a:effectLst/>
                 <a:latin typeface="JetBrains Mono"/>
               </a:rPr>
+              <a:t>bean</a:t>
+            </a:r>
+            <a:r>
+              <a:rPr kumimoji="0" lang="en-US" altLang="en-US" sz="2000" b="0" i="0" u="none" strike="noStrike" cap="none" normalizeH="0" baseline="0" dirty="0">
+                <a:ln>
+                  <a:noFill/>
+                </a:ln>
+                <a:solidFill>
+                  <a:srgbClr val="6A8759"/>
+                </a:solidFill>
+                <a:effectLst/>
+                <a:latin typeface="JetBrains Mono"/>
+              </a:rPr>
+              <a:t>="person" </a:t>
+            </a:r>
+            <a:r>
+              <a:rPr kumimoji="0" lang="en-US" altLang="en-US" sz="2000" b="0" i="0" u="none" strike="noStrike" cap="none" normalizeH="0" baseline="0" dirty="0">
+                <a:ln>
+                  <a:noFill/>
+                </a:ln>
+                <a:solidFill>
+                  <a:srgbClr val="E8BF6A"/>
+                </a:solidFill>
+                <a:effectLst/>
+                <a:latin typeface="JetBrains Mono"/>
+              </a:rPr>
+              <a:t>/&gt;</a:t>
+            </a:r>
+            <a:br>
+              <a:rPr kumimoji="0" lang="en-US" altLang="en-US" sz="2000" b="0" i="0" u="none" strike="noStrike" cap="none" normalizeH="0" baseline="0" dirty="0">
+                <a:ln>
+                  <a:noFill/>
+                </a:ln>
+                <a:solidFill>
+                  <a:srgbClr val="E8BF6A"/>
+                </a:solidFill>
+                <a:effectLst/>
+                <a:latin typeface="JetBrains Mono"/>
+              </a:rPr>
+            </a:br>
+            <a:r>
+              <a:rPr kumimoji="0" lang="en-US" altLang="en-US" sz="2000" b="0" i="0" u="none" strike="noStrike" cap="none" normalizeH="0" baseline="0" dirty="0">
+                <a:ln>
+                  <a:noFill/>
+                </a:ln>
+                <a:solidFill>
+                  <a:srgbClr val="E8BF6A"/>
+                </a:solidFill>
+                <a:effectLst/>
+                <a:latin typeface="JetBrains Mono"/>
+              </a:rPr>
+              <a:t>    &lt;bean </a:t>
+            </a:r>
+            <a:r>
+              <a:rPr kumimoji="0" lang="en-US" altLang="en-US" sz="2000" b="0" i="0" u="none" strike="noStrike" cap="none" normalizeH="0" baseline="0" dirty="0">
+                <a:ln>
+                  <a:noFill/>
+                </a:ln>
+                <a:solidFill>
+                  <a:srgbClr val="BABABA"/>
+                </a:solidFill>
+                <a:effectLst/>
+                <a:latin typeface="JetBrains Mono"/>
+              </a:rPr>
+              <a:t>class</a:t>
+            </a:r>
+            <a:r>
+              <a:rPr kumimoji="0" lang="en-US" altLang="en-US" sz="2000" b="0" i="0" u="none" strike="noStrike" cap="none" normalizeH="0" baseline="0" dirty="0">
+                <a:ln>
+                  <a:noFill/>
+                </a:ln>
+                <a:solidFill>
+                  <a:srgbClr val="6A8759"/>
+                </a:solidFill>
+                <a:effectLst/>
+                <a:latin typeface="JetBrains Mono"/>
+              </a:rPr>
+              <a:t>="com.volkov.IoC.example15.Person"</a:t>
+            </a:r>
+            <a:r>
+              <a:rPr kumimoji="0" lang="en-US" altLang="en-US" sz="2000" b="0" i="0" u="none" strike="noStrike" cap="none" normalizeH="0" baseline="0" dirty="0">
+                <a:ln>
+                  <a:noFill/>
+                </a:ln>
+                <a:solidFill>
+                  <a:srgbClr val="E8BF6A"/>
+                </a:solidFill>
+                <a:effectLst/>
+                <a:latin typeface="JetBrains Mono"/>
+              </a:rPr>
+              <a:t>&gt;</a:t>
+            </a:r>
+            <a:br>
+              <a:rPr kumimoji="0" lang="en-US" altLang="en-US" sz="2000" b="0" i="0" u="none" strike="noStrike" cap="none" normalizeH="0" baseline="0" dirty="0">
+                <a:ln>
+                  <a:noFill/>
+                </a:ln>
+                <a:solidFill>
+                  <a:srgbClr val="E8BF6A"/>
+                </a:solidFill>
+                <a:effectLst/>
+                <a:latin typeface="JetBrains Mono"/>
+              </a:rPr>
+            </a:br>
+            <a:r>
+              <a:rPr kumimoji="0" lang="en-US" altLang="en-US" sz="2000" b="0" i="0" u="none" strike="noStrike" cap="none" normalizeH="0" baseline="0" dirty="0">
+                <a:ln>
+                  <a:noFill/>
+                </a:ln>
+                <a:solidFill>
+                  <a:srgbClr val="E8BF6A"/>
+                </a:solidFill>
+                <a:effectLst/>
+                <a:latin typeface="JetBrains Mono"/>
+              </a:rPr>
+              <a:t>        &lt;property </a:t>
+            </a:r>
+            <a:r>
+              <a:rPr kumimoji="0" lang="en-US" altLang="en-US" sz="2000" b="0" i="0" u="none" strike="noStrike" cap="none" normalizeH="0" baseline="0" dirty="0">
+                <a:ln>
+                  <a:noFill/>
+                </a:ln>
+                <a:solidFill>
+                  <a:srgbClr val="BABABA"/>
+                </a:solidFill>
+                <a:effectLst/>
+                <a:latin typeface="JetBrains Mono"/>
+              </a:rPr>
               <a:t>name</a:t>
             </a:r>
             <a:r>
@@ -3894,7 +4170,33 @@
                 <a:effectLst/>
                 <a:latin typeface="JetBrains Mono"/>
               </a:rPr>
-              <a:t>="person" </a:t>
+              <a:t>="</a:t>
+            </a:r>
+            <a:r>
+              <a:rPr kumimoji="0" lang="en-US" altLang="en-US" sz="2000" b="0" i="0" u="none" strike="noStrike" cap="none" normalizeH="0" baseline="0" dirty="0" err="1">
+                <a:ln>
+                  <a:noFill/>
+                </a:ln>
+                <a:solidFill>
+                  <a:srgbClr val="6A8759"/>
+                </a:solidFill>
+                <a:effectLst/>
+                <a:latin typeface="JetBrains Mono"/>
+              </a:rPr>
+              <a:t>firstName</a:t>
+            </a:r>
+            <a:r>
+              <a:rPr kumimoji="0" lang="en-US" altLang="en-US" sz="2000" b="0" i="0" u="none" strike="noStrike" cap="none" normalizeH="0" baseline="0" dirty="0">
+                <a:ln>
+                  <a:noFill/>
+                </a:ln>
+                <a:solidFill>
+                  <a:srgbClr val="6A8759"/>
+                </a:solidFill>
+                <a:effectLst/>
+                <a:latin typeface="JetBrains Mono"/>
+              </a:rPr>
+              <a:t>" </a:t>
             </a:r>
             <a:r>
               <a:rPr kumimoji="0" lang="en-US" altLang="en-US" sz="2000" b="0" i="0" u="none" strike="noStrike" cap="none" normalizeH="0" baseline="0" dirty="0">
@@ -3907,7 +4209,7 @@
                 <a:effectLst/>
                 <a:latin typeface="JetBrains Mono"/>
               </a:rPr>
-              <a:t>class</a:t>
+              <a:t>value</a:t>
             </a:r>
             <a:r>
               <a:rPr kumimoji="0" lang="en-US" altLang="en-US" sz="2000" b="0" i="0" u="none" strike="noStrike" cap="none" normalizeH="0" baseline="0" dirty="0">
@@ -3920,20 +4222,20 @@
                 <a:effectLst/>
                 <a:latin typeface="JetBrains Mono"/>
               </a:rPr>
-              <a:t>="com.volkov.IoC.example11.Person"</a:t>
-            </a:r>
-            <a:r>
-              <a:rPr kumimoji="0" lang="en-US" altLang="en-US" sz="2000" b="0" i="0" u="none" strike="noStrike" cap="none" normalizeH="0" baseline="0" dirty="0">
-                <a:ln>
-                  <a:noFill/>
-                </a:ln>
-                <a:solidFill>
-                  <a:srgbClr val="E8BF6A"/>
-                </a:solidFill>
-                <a:effectLst/>
-                <a:latin typeface="JetBrains Mono"/>
-              </a:rPr>
-              <a:t>&gt;</a:t>
+              <a:t>="Ivan" </a:t>
+            </a:r>
+            <a:r>
+              <a:rPr kumimoji="0" lang="en-US" altLang="en-US" sz="2000" b="0" i="0" u="none" strike="noStrike" cap="none" normalizeH="0" baseline="0" dirty="0">
+                <a:ln>
+                  <a:noFill/>
+                </a:ln>
+                <a:solidFill>
+                  <a:srgbClr val="E8BF6A"/>
+                </a:solidFill>
+                <a:effectLst/>
+                <a:latin typeface="JetBrains Mono"/>
+              </a:rPr>
+              <a:t>/&gt;</a:t>
             </a:r>
             <a:br>
               <a:rPr kumimoji="0" lang="en-US" altLang="en-US" sz="2000" b="0" i="0" u="none" strike="noStrike" cap="none" normalizeH="0" baseline="0" dirty="0">
@@ -3958,7 +4260,7 @@
                 <a:effectLst/>
                 <a:latin typeface="JetBrains Mono"/>
               </a:rPr>
-              <a:t>    &lt;property </a:t>
+              <a:t>        &lt;property </a:t>
             </a:r>
             <a:r>
               <a:rPr kumimoji="0" lang="en-US" altLang="en-US" sz="2000" b="0" i="0" u="none" strike="noStrike" cap="none" normalizeH="0" baseline="0" dirty="0">
@@ -3984,6 +4286,32 @@
                 <a:effectLst/>
                 <a:latin typeface="JetBrains Mono"/>
               </a:rPr>
+              <a:t>="surname" </a:t>
+            </a:r>
+            <a:r>
+              <a:rPr kumimoji="0" lang="en-US" altLang="en-US" sz="2000" b="0" i="0" u="none" strike="noStrike" cap="none" normalizeH="0" baseline="0" dirty="0">
+                <a:ln>
+                  <a:noFill/>
+                </a:ln>
+                <a:solidFill>
+                  <a:srgbClr val="BABABA"/>
+                </a:solidFill>
+                <a:effectLst/>
+                <a:latin typeface="JetBrains Mono"/>
+              </a:rPr>
+              <a:t>value</a:t>
+            </a:r>
+            <a:r>
+              <a:rPr kumimoji="0" lang="en-US" altLang="en-US" sz="2000" b="0" i="0" u="none" strike="noStrike" cap="none" normalizeH="0" baseline="0" dirty="0">
+                <a:ln>
+                  <a:noFill/>
+                </a:ln>
+                <a:solidFill>
+                  <a:srgbClr val="6A8759"/>
+                </a:solidFill>
+                <a:effectLst/>
+                <a:latin typeface="JetBrains Mono"/>
+              </a:rPr>
               <a:t>="</a:t>
             </a:r>
             <a:r>
@@ -3997,7 +4325,7 @@
                 <a:effectLst/>
                 <a:latin typeface="JetBrains Mono"/>
               </a:rPr>
-              <a:t>firstName</a:t>
+              <a:t>Ivanovich</a:t>
             </a:r>
             <a:r>
               <a:rPr kumimoji="0" lang="en-US" altLang="en-US" sz="2000" b="0" i="0" u="none" strike="noStrike" cap="none" normalizeH="0" baseline="0" dirty="0">
@@ -4010,7 +4338,45 @@
                 <a:effectLst/>
                 <a:latin typeface="JetBrains Mono"/>
               </a:rPr>
-              <a:t>" </a:t>
+              <a:t>"</a:t>
+            </a:r>
+            <a:r>
+              <a:rPr kumimoji="0" lang="en-US" altLang="en-US" sz="2000" b="0" i="0" u="none" strike="noStrike" cap="none" normalizeH="0" baseline="0" dirty="0">
+                <a:ln>
+                  <a:noFill/>
+                </a:ln>
+                <a:solidFill>
+                  <a:srgbClr val="E8BF6A"/>
+                </a:solidFill>
+                <a:effectLst/>
+                <a:latin typeface="JetBrains Mono"/>
+              </a:rPr>
+              <a:t>/&gt;</a:t>
+            </a:r>
+            <a:br>
+              <a:rPr kumimoji="0" lang="en-US" altLang="en-US" sz="2000" b="0" i="0" u="none" strike="noStrike" cap="none" normalizeH="0" baseline="0" dirty="0">
+                <a:ln>
+                  <a:noFill/>
+                </a:ln>
+                <a:solidFill>
+                  <a:srgbClr val="E8BF6A"/>
+                </a:solidFill>
+                <a:effectLst/>
+                <a:latin typeface="JetBrains Mono"/>
+              </a:rPr>
+            </a:br>
+            <a:r>
+              <a:rPr kumimoji="0" lang="en-US" altLang="en-US" sz="2000" b="0" i="0" u="none" strike="noStrike" cap="none" normalizeH="0" baseline="0" dirty="0">
+                <a:ln>
+                  <a:noFill/>
+                </a:ln>
+                <a:solidFill>
+                  <a:srgbClr val="E8BF6A"/>
+                </a:solidFill>
+                <a:effectLst/>
+                <a:latin typeface="JetBrains Mono"/>
+              </a:rPr>
+              <a:t>        &lt;property </a:t>
             </a:r>
             <a:r>
               <a:rPr kumimoji="0" lang="en-US" altLang="en-US" sz="2000" b="0" i="0" u="none" strike="noStrike" cap="none" normalizeH="0" baseline="0" dirty="0">
@@ -4023,6 +4389,32 @@
                 <a:effectLst/>
                 <a:latin typeface="JetBrains Mono"/>
               </a:rPr>
+              <a:t>name</a:t>
+            </a:r>
+            <a:r>
+              <a:rPr kumimoji="0" lang="en-US" altLang="en-US" sz="2000" b="0" i="0" u="none" strike="noStrike" cap="none" normalizeH="0" baseline="0" dirty="0">
+                <a:ln>
+                  <a:noFill/>
+                </a:ln>
+                <a:solidFill>
+                  <a:srgbClr val="6A8759"/>
+                </a:solidFill>
+                <a:effectLst/>
+                <a:latin typeface="JetBrains Mono"/>
+              </a:rPr>
+              <a:t>="age" </a:t>
+            </a:r>
+            <a:r>
+              <a:rPr kumimoji="0" lang="en-US" altLang="en-US" sz="2000" b="0" i="0" u="none" strike="noStrike" cap="none" normalizeH="0" baseline="0" dirty="0">
+                <a:ln>
+                  <a:noFill/>
+                </a:ln>
+                <a:solidFill>
+                  <a:srgbClr val="BABABA"/>
+                </a:solidFill>
+                <a:effectLst/>
+                <a:latin typeface="JetBrains Mono"/>
+              </a:rPr>
               <a:t>value</a:t>
             </a:r>
             <a:r>
@@ -4036,7 +4428,7 @@
                 <a:effectLst/>
                 <a:latin typeface="JetBrains Mono"/>
               </a:rPr>
-              <a:t>="Ivan"</a:t>
+              <a:t>="29" </a:t>
             </a:r>
             <a:r>
               <a:rPr kumimoji="0" lang="en-US" altLang="en-US" sz="2000" b="0" i="0" u="none" strike="noStrike" cap="none" normalizeH="0" baseline="0" dirty="0">
@@ -4074,72 +4466,7 @@
                 <a:effectLst/>
                 <a:latin typeface="JetBrains Mono"/>
               </a:rPr>
-              <a:t>    &lt;property </a:t>
-            </a:r>
-            <a:r>
-              <a:rPr kumimoji="0" lang="en-US" altLang="en-US" sz="2000" b="0" i="0" u="none" strike="noStrike" cap="none" normalizeH="0" baseline="0" dirty="0">
-                <a:ln>
-                  <a:noFill/>
-                </a:ln>
-                <a:solidFill>
-                  <a:srgbClr val="BABABA"/>
-                </a:solidFill>
-                <a:effectLst/>
-                <a:latin typeface="JetBrains Mono"/>
-              </a:rPr>
-              <a:t>name</a:t>
-            </a:r>
-            <a:r>
-              <a:rPr kumimoji="0" lang="en-US" altLang="en-US" sz="2000" b="0" i="0" u="none" strike="noStrike" cap="none" normalizeH="0" baseline="0" dirty="0">
-                <a:ln>
-                  <a:noFill/>
-                </a:ln>
-                <a:solidFill>
-                  <a:srgbClr val="6A8759"/>
-                </a:solidFill>
-                <a:effectLst/>
-                <a:latin typeface="JetBrains Mono"/>
-              </a:rPr>
-              <a:t>="surname" </a:t>
-            </a:r>
-            <a:r>
-              <a:rPr kumimoji="0" lang="en-US" altLang="en-US" sz="2000" b="0" i="0" u="none" strike="noStrike" cap="none" normalizeH="0" baseline="0" dirty="0">
-                <a:ln>
-                  <a:noFill/>
-                </a:ln>
-                <a:solidFill>
-                  <a:srgbClr val="BABABA"/>
-                </a:solidFill>
-                <a:effectLst/>
-                <a:latin typeface="JetBrains Mono"/>
-              </a:rPr>
-              <a:t>value</a:t>
-            </a:r>
-            <a:r>
-              <a:rPr kumimoji="0" lang="en-US" altLang="en-US" sz="2000" b="0" i="0" u="none" strike="noStrike" cap="none" normalizeH="0" baseline="0" dirty="0">
-                <a:ln>
-                  <a:noFill/>
-                </a:ln>
-                <a:solidFill>
-                  <a:srgbClr val="6A8759"/>
-                </a:solidFill>
-                <a:effectLst/>
-                <a:latin typeface="JetBrains Mono"/>
-              </a:rPr>
-              <a:t>="Ivanov"</a:t>
-            </a:r>
-            <a:r>
-              <a:rPr kumimoji="0" lang="en-US" altLang="en-US" sz="2000" b="0" i="0" u="none" strike="noStrike" cap="none" normalizeH="0" baseline="0" dirty="0">
-                <a:ln>
-                  <a:noFill/>
-                </a:ln>
-                <a:solidFill>
-                  <a:srgbClr val="E8BF6A"/>
-                </a:solidFill>
-                <a:effectLst/>
-                <a:latin typeface="JetBrains Mono"/>
-              </a:rPr>
-              <a:t>/&gt;</a:t>
+              <a:t>    &lt;/bean&gt;</a:t>
             </a:r>
             <a:br>
               <a:rPr kumimoji="0" lang="en-US" altLang="en-US" sz="2000" b="0" i="0" u="none" strike="noStrike" cap="none" normalizeH="0" baseline="0" dirty="0">
@@ -4164,520 +4491,7 @@
                 <a:effectLst/>
                 <a:latin typeface="JetBrains Mono"/>
               </a:rPr>
-              <a:t>    &lt;property </a:t>
-            </a:r>
-            <a:r>
-              <a:rPr kumimoji="0" lang="en-US" altLang="en-US" sz="2000" b="0" i="0" u="none" strike="noStrike" cap="none" normalizeH="0" baseline="0" dirty="0">
-                <a:ln>
-                  <a:noFill/>
-                </a:ln>
-                <a:solidFill>
-                  <a:srgbClr val="BABABA"/>
-                </a:solidFill>
-                <a:effectLst/>
-                <a:latin typeface="JetBrains Mono"/>
-              </a:rPr>
-              <a:t>name</a:t>
-            </a:r>
-            <a:r>
-              <a:rPr kumimoji="0" lang="en-US" altLang="en-US" sz="2000" b="0" i="0" u="none" strike="noStrike" cap="none" normalizeH="0" baseline="0" dirty="0">
-                <a:ln>
-                  <a:noFill/>
-                </a:ln>
-                <a:solidFill>
-                  <a:srgbClr val="6A8759"/>
-                </a:solidFill>
-                <a:effectLst/>
-                <a:latin typeface="JetBrains Mono"/>
-              </a:rPr>
-              <a:t>="age" </a:t>
-            </a:r>
-            <a:r>
-              <a:rPr kumimoji="0" lang="en-US" altLang="en-US" sz="2000" b="0" i="0" u="none" strike="noStrike" cap="none" normalizeH="0" baseline="0" dirty="0">
-                <a:ln>
-                  <a:noFill/>
-                </a:ln>
-                <a:solidFill>
-                  <a:srgbClr val="BABABA"/>
-                </a:solidFill>
-                <a:effectLst/>
-                <a:latin typeface="JetBrains Mono"/>
-              </a:rPr>
-              <a:t>value</a:t>
-            </a:r>
-            <a:r>
-              <a:rPr kumimoji="0" lang="en-US" altLang="en-US" sz="2000" b="0" i="0" u="none" strike="noStrike" cap="none" normalizeH="0" baseline="0" dirty="0">
-                <a:ln>
-                  <a:noFill/>
-                </a:ln>
-                <a:solidFill>
-                  <a:srgbClr val="6A8759"/>
-                </a:solidFill>
-                <a:effectLst/>
-                <a:latin typeface="JetBrains Mono"/>
-              </a:rPr>
-              <a:t>="29"</a:t>
-            </a:r>
-            <a:r>
-              <a:rPr kumimoji="0" lang="en-US" altLang="en-US" sz="2000" b="0" i="0" u="none" strike="noStrike" cap="none" normalizeH="0" baseline="0" dirty="0">
-                <a:ln>
-                  <a:noFill/>
-                </a:ln>
-                <a:solidFill>
-                  <a:srgbClr val="E8BF6A"/>
-                </a:solidFill>
-                <a:effectLst/>
-                <a:latin typeface="JetBrains Mono"/>
-              </a:rPr>
-              <a:t>/&gt;</a:t>
-            </a:r>
-            <a:br>
-              <a:rPr kumimoji="0" lang="en-US" altLang="en-US" sz="2000" b="0" i="0" u="none" strike="noStrike" cap="none" normalizeH="0" baseline="0" dirty="0">
-                <a:ln>
-                  <a:noFill/>
-                </a:ln>
-                <a:solidFill>
-                  <a:srgbClr val="E8BF6A"/>
-                </a:solidFill>
-                <a:effectLst/>
-                <a:latin typeface="JetBrains Mono"/>
-              </a:rPr>
-            </a:br>
-            <a:r>
-              <a:rPr kumimoji="0" lang="en-US" altLang="en-US" sz="2000" b="0" i="0" u="none" strike="noStrike" cap="none" normalizeH="0" baseline="0" dirty="0">
-                <a:ln>
-                  <a:noFill/>
-                </a:ln>
-                <a:solidFill>
-                  <a:srgbClr val="E8BF6A"/>
-                </a:solidFill>
-                <a:effectLst/>
-                <a:latin typeface="JetBrains Mono"/>
-              </a:rPr>
-              <a:t>    &lt;property </a:t>
-            </a:r>
-            <a:r>
-              <a:rPr kumimoji="0" lang="en-US" altLang="en-US" sz="2000" b="0" i="0" u="none" strike="noStrike" cap="none" normalizeH="0" baseline="0" dirty="0">
-                <a:ln>
-                  <a:noFill/>
-                </a:ln>
-                <a:solidFill>
-                  <a:srgbClr val="BABABA"/>
-                </a:solidFill>
-                <a:effectLst/>
-                <a:latin typeface="JetBrains Mono"/>
-              </a:rPr>
-              <a:t>name</a:t>
-            </a:r>
-            <a:r>
-              <a:rPr kumimoji="0" lang="en-US" altLang="en-US" sz="2000" b="0" i="0" u="none" strike="noStrike" cap="none" normalizeH="0" baseline="0" dirty="0">
-                <a:ln>
-                  <a:noFill/>
-                </a:ln>
-                <a:solidFill>
-                  <a:srgbClr val="6A8759"/>
-                </a:solidFill>
-                <a:effectLst/>
-                <a:latin typeface="JetBrains Mono"/>
-              </a:rPr>
-              <a:t>="cat" </a:t>
-            </a:r>
-            <a:r>
-              <a:rPr kumimoji="0" lang="en-US" altLang="en-US" sz="2000" b="0" i="0" u="none" strike="noStrike" cap="none" normalizeH="0" baseline="0" dirty="0">
-                <a:ln>
-                  <a:noFill/>
-                </a:ln>
-                <a:solidFill>
-                  <a:srgbClr val="BABABA"/>
-                </a:solidFill>
-                <a:effectLst/>
-                <a:latin typeface="JetBrains Mono"/>
-              </a:rPr>
-              <a:t>ref</a:t>
-            </a:r>
-            <a:r>
-              <a:rPr kumimoji="0" lang="en-US" altLang="en-US" sz="2000" b="0" i="0" u="none" strike="noStrike" cap="none" normalizeH="0" baseline="0" dirty="0">
-                <a:ln>
-                  <a:noFill/>
-                </a:ln>
-                <a:solidFill>
-                  <a:srgbClr val="6A8759"/>
-                </a:solidFill>
-                <a:effectLst/>
-                <a:latin typeface="JetBrains Mono"/>
-              </a:rPr>
-              <a:t>="cat"</a:t>
-            </a:r>
-            <a:r>
-              <a:rPr kumimoji="0" lang="en-US" altLang="en-US" sz="2000" b="0" i="0" u="none" strike="noStrike" cap="none" normalizeH="0" baseline="0" dirty="0">
-                <a:ln>
-                  <a:noFill/>
-                </a:ln>
-                <a:solidFill>
-                  <a:srgbClr val="E8BF6A"/>
-                </a:solidFill>
-                <a:effectLst/>
-                <a:latin typeface="JetBrains Mono"/>
-              </a:rPr>
-              <a:t>/&gt;</a:t>
-            </a:r>
-            <a:br>
-              <a:rPr kumimoji="0" lang="en-US" altLang="en-US" sz="2000" b="0" i="0" u="none" strike="noStrike" cap="none" normalizeH="0" baseline="0" dirty="0">
-                <a:ln>
-                  <a:noFill/>
-                </a:ln>
-                <a:solidFill>
-                  <a:srgbClr val="E8BF6A"/>
-                </a:solidFill>
-                <a:effectLst/>
-                <a:latin typeface="JetBrains Mono"/>
-              </a:rPr>
-            </a:br>
-            <a:r>
-              <a:rPr kumimoji="0" lang="en-US" altLang="en-US" sz="2000" b="0" i="0" u="none" strike="noStrike" cap="none" normalizeH="0" baseline="0" dirty="0">
-                <a:ln>
-                  <a:noFill/>
-                </a:ln>
-                <a:solidFill>
-                  <a:srgbClr val="E8BF6A"/>
-                </a:solidFill>
-                <a:effectLst/>
-                <a:latin typeface="JetBrains Mono"/>
-              </a:rPr>
-              <a:t>&lt;/bean&gt;</a:t>
-            </a:r>
-            <a:br>
-              <a:rPr kumimoji="0" lang="en-US" altLang="en-US" sz="2000" b="0" i="0" u="none" strike="noStrike" cap="none" normalizeH="0" baseline="0" dirty="0">
-                <a:ln>
-                  <a:noFill/>
-                </a:ln>
-                <a:solidFill>
-                  <a:srgbClr val="E8BF6A"/>
-                </a:solidFill>
-                <a:effectLst/>
-                <a:latin typeface="JetBrains Mono"/>
-              </a:rPr>
-            </a:br>
-            <a:br>
-              <a:rPr kumimoji="0" lang="en-US" altLang="en-US" sz="2000" b="0" i="0" u="none" strike="noStrike" cap="none" normalizeH="0" baseline="0" dirty="0">
-                <a:ln>
-                  <a:noFill/>
-                </a:ln>
-                <a:solidFill>
-                  <a:srgbClr val="E8BF6A"/>
-                </a:solidFill>
-                <a:effectLst/>
-                <a:latin typeface="JetBrains Mono"/>
-              </a:rPr>
-            </a:br>
-            <a:r>
-              <a:rPr kumimoji="0" lang="en-US" altLang="en-US" sz="2000" b="0" i="0" u="none" strike="noStrike" cap="none" normalizeH="0" baseline="0" dirty="0">
-                <a:ln>
-                  <a:noFill/>
-                </a:ln>
-                <a:solidFill>
-                  <a:srgbClr val="E8BF6A"/>
-                </a:solidFill>
-                <a:effectLst/>
-                <a:latin typeface="JetBrains Mono"/>
-              </a:rPr>
-              <a:t>&lt;bean </a:t>
-            </a:r>
-            <a:r>
-              <a:rPr kumimoji="0" lang="en-US" altLang="en-US" sz="2000" b="0" i="0" u="none" strike="noStrike" cap="none" normalizeH="0" baseline="0" dirty="0">
-                <a:ln>
-                  <a:noFill/>
-                </a:ln>
-                <a:solidFill>
-                  <a:srgbClr val="BABABA"/>
-                </a:solidFill>
-                <a:effectLst/>
-                <a:latin typeface="JetBrains Mono"/>
-              </a:rPr>
-              <a:t>name</a:t>
-            </a:r>
-            <a:r>
-              <a:rPr kumimoji="0" lang="en-US" altLang="en-US" sz="2000" b="0" i="0" u="none" strike="noStrike" cap="none" normalizeH="0" baseline="0" dirty="0">
-                <a:ln>
-                  <a:noFill/>
-                </a:ln>
-                <a:solidFill>
-                  <a:srgbClr val="6A8759"/>
-                </a:solidFill>
-                <a:effectLst/>
-                <a:latin typeface="JetBrains Mono"/>
-              </a:rPr>
-              <a:t>="cat" </a:t>
-            </a:r>
-            <a:r>
-              <a:rPr kumimoji="0" lang="en-US" altLang="en-US" sz="2000" b="0" i="0" u="none" strike="noStrike" cap="none" normalizeH="0" baseline="0" dirty="0">
-                <a:ln>
-                  <a:noFill/>
-                </a:ln>
-                <a:solidFill>
-                  <a:srgbClr val="BABABA"/>
-                </a:solidFill>
-                <a:effectLst/>
-                <a:latin typeface="JetBrains Mono"/>
-              </a:rPr>
-              <a:t>class</a:t>
-            </a:r>
-            <a:r>
-              <a:rPr kumimoji="0" lang="en-US" altLang="en-US" sz="2000" b="0" i="0" u="none" strike="noStrike" cap="none" normalizeH="0" baseline="0" dirty="0">
-                <a:ln>
-                  <a:noFill/>
-                </a:ln>
-                <a:solidFill>
-                  <a:srgbClr val="6A8759"/>
-                </a:solidFill>
-                <a:effectLst/>
-                <a:latin typeface="JetBrains Mono"/>
-              </a:rPr>
-              <a:t>="com.volkov.IoC.example11.Cat"</a:t>
-            </a:r>
-            <a:r>
-              <a:rPr kumimoji="0" lang="en-US" altLang="en-US" sz="2000" b="0" i="0" u="none" strike="noStrike" cap="none" normalizeH="0" baseline="0" dirty="0">
-                <a:ln>
-                  <a:noFill/>
-                </a:ln>
-                <a:solidFill>
-                  <a:srgbClr val="E8BF6A"/>
-                </a:solidFill>
-                <a:effectLst/>
-                <a:latin typeface="JetBrains Mono"/>
-              </a:rPr>
-              <a:t>&gt;</a:t>
-            </a:r>
-            <a:br>
-              <a:rPr kumimoji="0" lang="en-US" altLang="en-US" sz="2000" b="0" i="0" u="none" strike="noStrike" cap="none" normalizeH="0" baseline="0" dirty="0">
-                <a:ln>
-                  <a:noFill/>
-                </a:ln>
-                <a:solidFill>
-                  <a:srgbClr val="E8BF6A"/>
-                </a:solidFill>
-                <a:effectLst/>
-                <a:latin typeface="JetBrains Mono"/>
-              </a:rPr>
-            </a:br>
-            <a:r>
-              <a:rPr kumimoji="0" lang="en-US" altLang="en-US" sz="2000" b="0" i="0" u="none" strike="noStrike" cap="none" normalizeH="0" baseline="0" dirty="0">
-                <a:ln>
-                  <a:noFill/>
-                </a:ln>
-                <a:solidFill>
-                  <a:srgbClr val="E8BF6A"/>
-                </a:solidFill>
-                <a:effectLst/>
-                <a:latin typeface="JetBrains Mono"/>
-              </a:rPr>
-              <a:t>    &lt;property </a:t>
-            </a:r>
-            <a:r>
-              <a:rPr kumimoji="0" lang="en-US" altLang="en-US" sz="2000" b="0" i="0" u="none" strike="noStrike" cap="none" normalizeH="0" baseline="0" dirty="0">
-                <a:ln>
-                  <a:noFill/>
-                </a:ln>
-                <a:solidFill>
-                  <a:srgbClr val="BABABA"/>
-                </a:solidFill>
-                <a:effectLst/>
-                <a:latin typeface="JetBrains Mono"/>
-              </a:rPr>
-              <a:t>name</a:t>
-            </a:r>
-            <a:r>
-              <a:rPr kumimoji="0" lang="en-US" altLang="en-US" sz="2000" b="0" i="0" u="none" strike="noStrike" cap="none" normalizeH="0" baseline="0" dirty="0">
-                <a:ln>
-                  <a:noFill/>
-                </a:ln>
-                <a:solidFill>
-                  <a:srgbClr val="6A8759"/>
-                </a:solidFill>
-                <a:effectLst/>
-                <a:latin typeface="JetBrains Mono"/>
-              </a:rPr>
-              <a:t>="name" </a:t>
-            </a:r>
-            <a:r>
-              <a:rPr kumimoji="0" lang="en-US" altLang="en-US" sz="2000" b="0" i="0" u="none" strike="noStrike" cap="none" normalizeH="0" baseline="0" dirty="0">
-                <a:ln>
-                  <a:noFill/>
-                </a:ln>
-                <a:solidFill>
-                  <a:srgbClr val="BABABA"/>
-                </a:solidFill>
-                <a:effectLst/>
-                <a:latin typeface="JetBrains Mono"/>
-              </a:rPr>
-              <a:t>value</a:t>
-            </a:r>
-            <a:r>
-              <a:rPr kumimoji="0" lang="en-US" altLang="en-US" sz="2000" b="0" i="0" u="none" strike="noStrike" cap="none" normalizeH="0" baseline="0" dirty="0">
-                <a:ln>
-                  <a:noFill/>
-                </a:ln>
-                <a:solidFill>
-                  <a:srgbClr val="6A8759"/>
-                </a:solidFill>
-                <a:effectLst/>
-                <a:latin typeface="JetBrains Mono"/>
-              </a:rPr>
-              <a:t>="</a:t>
-            </a:r>
-            <a:r>
-              <a:rPr kumimoji="0" lang="en-US" altLang="en-US" sz="2000" b="0" i="0" u="none" strike="noStrike" cap="none" normalizeH="0" baseline="0" dirty="0" err="1">
-                <a:ln>
-                  <a:noFill/>
-                </a:ln>
-                <a:solidFill>
-                  <a:srgbClr val="6A8759"/>
-                </a:solidFill>
-                <a:effectLst/>
-                <a:latin typeface="JetBrains Mono"/>
-              </a:rPr>
-              <a:t>Barsik</a:t>
-            </a:r>
-            <a:r>
-              <a:rPr kumimoji="0" lang="en-US" altLang="en-US" sz="2000" b="0" i="0" u="none" strike="noStrike" cap="none" normalizeH="0" baseline="0" dirty="0">
-                <a:ln>
-                  <a:noFill/>
-                </a:ln>
-                <a:solidFill>
-                  <a:srgbClr val="6A8759"/>
-                </a:solidFill>
-                <a:effectLst/>
-                <a:latin typeface="JetBrains Mono"/>
-              </a:rPr>
-              <a:t>"</a:t>
-            </a:r>
-            <a:r>
-              <a:rPr kumimoji="0" lang="en-US" altLang="en-US" sz="2000" b="0" i="0" u="none" strike="noStrike" cap="none" normalizeH="0" baseline="0" dirty="0">
-                <a:ln>
-                  <a:noFill/>
-                </a:ln>
-                <a:solidFill>
-                  <a:srgbClr val="E8BF6A"/>
-                </a:solidFill>
-                <a:effectLst/>
-                <a:latin typeface="JetBrains Mono"/>
-              </a:rPr>
-              <a:t>/&gt;</a:t>
-            </a:r>
-            <a:br>
-              <a:rPr kumimoji="0" lang="en-US" altLang="en-US" sz="2000" b="0" i="0" u="none" strike="noStrike" cap="none" normalizeH="0" baseline="0" dirty="0">
-                <a:ln>
-                  <a:noFill/>
-                </a:ln>
-                <a:solidFill>
-                  <a:srgbClr val="E8BF6A"/>
-                </a:solidFill>
-                <a:effectLst/>
-                <a:latin typeface="JetBrains Mono"/>
-              </a:rPr>
-            </a:br>
-            <a:r>
-              <a:rPr kumimoji="0" lang="en-US" altLang="en-US" sz="2000" b="0" i="0" u="none" strike="noStrike" cap="none" normalizeH="0" baseline="0" dirty="0">
-                <a:ln>
-                  <a:noFill/>
-                </a:ln>
-                <a:solidFill>
-                  <a:srgbClr val="E8BF6A"/>
-                </a:solidFill>
-                <a:effectLst/>
-                <a:latin typeface="JetBrains Mono"/>
-              </a:rPr>
-              <a:t>    &lt;property </a:t>
-            </a:r>
-            <a:r>
-              <a:rPr kumimoji="0" lang="en-US" altLang="en-US" sz="2000" b="0" i="0" u="none" strike="noStrike" cap="none" normalizeH="0" baseline="0" dirty="0">
-                <a:ln>
-                  <a:noFill/>
-                </a:ln>
-                <a:solidFill>
-                  <a:srgbClr val="BABABA"/>
-                </a:solidFill>
-                <a:effectLst/>
-                <a:latin typeface="JetBrains Mono"/>
-              </a:rPr>
-              <a:t>name</a:t>
-            </a:r>
-            <a:r>
-              <a:rPr kumimoji="0" lang="en-US" altLang="en-US" sz="2000" b="0" i="0" u="none" strike="noStrike" cap="none" normalizeH="0" baseline="0" dirty="0">
-                <a:ln>
-                  <a:noFill/>
-                </a:ln>
-                <a:solidFill>
-                  <a:srgbClr val="6A8759"/>
-                </a:solidFill>
-                <a:effectLst/>
-                <a:latin typeface="JetBrains Mono"/>
-              </a:rPr>
-              <a:t>="owner" </a:t>
-            </a:r>
-            <a:r>
-              <a:rPr kumimoji="0" lang="en-US" altLang="en-US" sz="2000" b="0" i="0" u="none" strike="noStrike" cap="none" normalizeH="0" baseline="0" dirty="0">
-                <a:ln>
-                  <a:noFill/>
-                </a:ln>
-                <a:solidFill>
-                  <a:srgbClr val="BABABA"/>
-                </a:solidFill>
-                <a:effectLst/>
-                <a:latin typeface="JetBrains Mono"/>
-              </a:rPr>
-              <a:t>ref</a:t>
-            </a:r>
-            <a:r>
-              <a:rPr kumimoji="0" lang="en-US" altLang="en-US" sz="2000" b="0" i="0" u="none" strike="noStrike" cap="none" normalizeH="0" baseline="0" dirty="0">
-                <a:ln>
-                  <a:noFill/>
-                </a:ln>
-                <a:solidFill>
-                  <a:srgbClr val="6A8759"/>
-                </a:solidFill>
-                <a:effectLst/>
-                <a:latin typeface="JetBrains Mono"/>
-              </a:rPr>
-              <a:t>="person"</a:t>
-            </a:r>
-            <a:r>
-              <a:rPr kumimoji="0" lang="en-US" altLang="en-US" sz="2000" b="0" i="0" u="none" strike="noStrike" cap="none" normalizeH="0" baseline="0" dirty="0">
-                <a:ln>
-                  <a:noFill/>
-                </a:ln>
-                <a:solidFill>
-                  <a:srgbClr val="E8BF6A"/>
-                </a:solidFill>
-                <a:effectLst/>
-                <a:latin typeface="JetBrains Mono"/>
-              </a:rPr>
-              <a:t>/&gt;</a:t>
-            </a:r>
-            <a:br>
-              <a:rPr kumimoji="0" lang="en-US" altLang="en-US" sz="2000" b="0" i="0" u="none" strike="noStrike" cap="none" normalizeH="0" baseline="0" dirty="0">
-                <a:ln>
-                  <a:noFill/>
-                </a:ln>
-                <a:solidFill>
-                  <a:srgbClr val="E8BF6A"/>
-                </a:solidFill>
-                <a:effectLst/>
-                <a:latin typeface="JetBrains Mono"/>
-              </a:rPr>
-            </a:br>
-            <a:r>
-              <a:rPr kumimoji="0" lang="en-US" altLang="en-US" sz="2000" b="0" i="0" u="none" strike="noStrike" cap="none" normalizeH="0" baseline="0" dirty="0">
-                <a:ln>
-                  <a:noFill/>
-                </a:ln>
-                <a:solidFill>
-                  <a:srgbClr val="E8BF6A"/>
-                </a:solidFill>
-                <a:effectLst/>
-                <a:latin typeface="JetBrains Mono"/>
-              </a:rPr>
-              <a:t>&lt;/bean&gt;</a:t>
+              <a:t>&lt;/set&gt;</a:t>
             </a:r>
             <a:endParaRPr kumimoji="0" lang="en-US" altLang="en-US" sz="2000" b="0" i="0" u="none" strike="noStrike" cap="none" normalizeH="0" baseline="0" dirty="0">
               <a:ln>
@@ -4695,7 +4509,392 @@
     </p:spTree>
     <p:extLst>
       <p:ext uri="{BB962C8B-B14F-4D97-AF65-F5344CB8AC3E}">
-        <p14:creationId xmlns:p14="http://schemas.microsoft.com/office/powerpoint/2010/main" val="325633688"/>
+        <p14:creationId xmlns:p14="http://schemas.microsoft.com/office/powerpoint/2010/main" val="3808252283"/>
+      </p:ext>
+    </p:extLst>
+  </p:cSld>
+  <p:clrMapOvr>
+    <a:masterClrMapping/>
+  </p:clrMapOvr>
+</p:sld>
+</file>
+
+<file path=ppt/slides/slide4.xml><?xml version="1.0" encoding="utf-8"?>
+<p:sld xmlns:a="http://schemas.openxmlformats.org/drawingml/2006/main" xmlns:r="http://schemas.openxmlformats.org/officeDocument/2006/relationships" xmlns:p="http://schemas.openxmlformats.org/presentationml/2006/main">
+  <p:cSld>
+    <p:spTree>
+      <p:nvGrpSpPr>
+        <p:cNvPr id="1" name=""/>
+        <p:cNvGrpSpPr/>
+        <p:nvPr/>
+      </p:nvGrpSpPr>
+      <p:grpSpPr>
+        <a:xfrm>
+          <a:off x="0" y="0"/>
+          <a:ext cx="0" cy="0"/>
+          <a:chOff x="0" y="0"/>
+          <a:chExt cx="0" cy="0"/>
+        </a:xfrm>
+      </p:grpSpPr>
+      <p:sp>
+        <p:nvSpPr>
+          <p:cNvPr id="3" name="Content Placeholder 2"/>
+          <p:cNvSpPr>
+            <a:spLocks noGrp="1"/>
+          </p:cNvSpPr>
+          <p:nvPr>
+            <p:ph idx="1"/>
+          </p:nvPr>
+        </p:nvSpPr>
+        <p:spPr>
+          <a:xfrm>
+            <a:off x="838200" y="401053"/>
+            <a:ext cx="10515600" cy="5775910"/>
+          </a:xfrm>
+        </p:spPr>
+        <p:txBody>
+          <a:bodyPr/>
+          <a:lstStyle/>
+          <a:p>
+            <a:r>
+              <a:rPr lang="ru-RU" dirty="0"/>
+              <a:t>Инициализация </a:t>
+            </a:r>
+            <a:r>
+              <a:rPr lang="en-US" dirty="0"/>
+              <a:t>map</a:t>
+            </a:r>
+            <a:endParaRPr lang="ru-RU" dirty="0"/>
+          </a:p>
+          <a:p>
+            <a:endParaRPr lang="ru-RU" dirty="0"/>
+          </a:p>
+          <a:p>
+            <a:endParaRPr lang="ru-RU" dirty="0"/>
+          </a:p>
+          <a:p>
+            <a:endParaRPr lang="ru-RU" dirty="0"/>
+          </a:p>
+          <a:p>
+            <a:pPr marL="0" indent="0">
+              <a:buNone/>
+            </a:pPr>
+            <a:r>
+              <a:rPr lang="ru-RU" dirty="0"/>
+              <a:t>Указывается ключ и соответствующее ему значение.</a:t>
+            </a:r>
+            <a:endParaRPr lang="en-US" dirty="0"/>
+          </a:p>
+          <a:p>
+            <a:endParaRPr lang="en-US" dirty="0"/>
+          </a:p>
+        </p:txBody>
+      </p:sp>
+      <p:sp>
+        <p:nvSpPr>
+          <p:cNvPr id="5" name="Rectangle 1"/>
+          <p:cNvSpPr>
+            <a:spLocks noChangeArrowheads="1"/>
+          </p:cNvSpPr>
+          <p:nvPr/>
+        </p:nvSpPr>
+        <p:spPr bwMode="auto">
+          <a:xfrm>
+            <a:off x="838200" y="1058797"/>
+            <a:ext cx="10515600" cy="1323439"/>
+          </a:xfrm>
+          <a:prstGeom prst="rect">
+            <a:avLst/>
+          </a:prstGeom>
+          <a:solidFill>
+            <a:srgbClr val="2B2B2B"/>
+          </a:solidFill>
+          <a:ln>
+            <a:noFill/>
+          </a:ln>
+          <a:effectLst/>
+          <a:extLst>
+            <a:ext uri="{91240B29-F687-4F45-9708-019B960494DF}">
+              <a14:hiddenLine xmlns:a14="http://schemas.microsoft.com/office/drawing/2010/main" w="9525">
+                <a:solidFill>
+                  <a:schemeClr val="tx1"/>
+                </a:solidFill>
+                <a:miter lim="800000"/>
+                <a:headEnd/>
+                <a:tailEnd/>
+              </a14:hiddenLine>
+            </a:ext>
+            <a:ext uri="{AF507438-7753-43E0-B8FC-AC1667EBCBE1}">
+              <a14:hiddenEffects xmlns:a14="http://schemas.microsoft.com/office/drawing/2010/main">
+                <a:effectLst>
+                  <a:outerShdw dist="35921" dir="2700000" algn="ctr" rotWithShape="0">
+                    <a:schemeClr val="bg2"/>
+                  </a:outerShdw>
+                </a:effectLst>
+              </a14:hiddenEffects>
+            </a:ext>
+          </a:extLst>
+        </p:spPr>
+        <p:txBody>
+          <a:bodyPr vert="horz" wrap="square" lIns="91440" tIns="45720" rIns="91440" bIns="45720" numCol="1" anchor="ctr" anchorCtr="0" compatLnSpc="1">
+            <a:prstTxWarp prst="textNoShape">
+              <a:avLst/>
+            </a:prstTxWarp>
+            <a:spAutoFit/>
+          </a:bodyPr>
+          <a:lstStyle/>
+          <a:p>
+            <a:pPr marL="0" marR="0" lvl="0" indent="0" algn="l" defTabSz="914400" rtl="0" eaLnBrk="0" fontAlgn="base" latinLnBrk="0" hangingPunct="0">
+              <a:lnSpc>
+                <a:spcPct val="100000"/>
+              </a:lnSpc>
+              <a:spcBef>
+                <a:spcPct val="0"/>
+              </a:spcBef>
+              <a:spcAft>
+                <a:spcPct val="0"/>
+              </a:spcAft>
+              <a:buClrTx/>
+              <a:buSzTx/>
+              <a:buFontTx/>
+              <a:buNone/>
+              <a:tabLst/>
+            </a:pPr>
+            <a:r>
+              <a:rPr kumimoji="0" lang="en-US" altLang="en-US" sz="2000" b="0" i="0" u="none" strike="noStrike" cap="none" normalizeH="0" baseline="0" dirty="0">
+                <a:ln>
+                  <a:noFill/>
+                </a:ln>
+                <a:solidFill>
+                  <a:srgbClr val="E8BF6A"/>
+                </a:solidFill>
+                <a:effectLst/>
+                <a:latin typeface="JetBrains Mono"/>
+              </a:rPr>
+              <a:t>&lt;map&gt;</a:t>
+            </a:r>
+            <a:br>
+              <a:rPr kumimoji="0" lang="en-US" altLang="en-US" sz="2000" b="0" i="0" u="none" strike="noStrike" cap="none" normalizeH="0" baseline="0" dirty="0">
+                <a:ln>
+                  <a:noFill/>
+                </a:ln>
+                <a:solidFill>
+                  <a:srgbClr val="E8BF6A"/>
+                </a:solidFill>
+                <a:effectLst/>
+                <a:latin typeface="JetBrains Mono"/>
+              </a:rPr>
+            </a:br>
+            <a:r>
+              <a:rPr kumimoji="0" lang="en-US" altLang="en-US" sz="2000" b="0" i="0" u="none" strike="noStrike" cap="none" normalizeH="0" baseline="0" dirty="0">
+                <a:ln>
+                  <a:noFill/>
+                </a:ln>
+                <a:solidFill>
+                  <a:srgbClr val="E8BF6A"/>
+                </a:solidFill>
+                <a:effectLst/>
+                <a:latin typeface="JetBrains Mono"/>
+              </a:rPr>
+              <a:t>    &lt;entry </a:t>
+            </a:r>
+            <a:r>
+              <a:rPr kumimoji="0" lang="en-US" altLang="en-US" sz="2000" b="0" i="0" u="none" strike="noStrike" cap="none" normalizeH="0" baseline="0" dirty="0">
+                <a:ln>
+                  <a:noFill/>
+                </a:ln>
+                <a:solidFill>
+                  <a:srgbClr val="BABABA"/>
+                </a:solidFill>
+                <a:effectLst/>
+                <a:latin typeface="JetBrains Mono"/>
+              </a:rPr>
+              <a:t>key</a:t>
+            </a:r>
+            <a:r>
+              <a:rPr kumimoji="0" lang="en-US" altLang="en-US" sz="2000" b="0" i="0" u="none" strike="noStrike" cap="none" normalizeH="0" baseline="0" dirty="0">
+                <a:ln>
+                  <a:noFill/>
+                </a:ln>
+                <a:solidFill>
+                  <a:srgbClr val="6A8759"/>
+                </a:solidFill>
+                <a:effectLst/>
+                <a:latin typeface="JetBrains Mono"/>
+              </a:rPr>
+              <a:t>="key1" </a:t>
+            </a:r>
+            <a:r>
+              <a:rPr kumimoji="0" lang="en-US" altLang="en-US" sz="2000" b="0" i="0" u="none" strike="noStrike" cap="none" normalizeH="0" baseline="0" dirty="0">
+                <a:ln>
+                  <a:noFill/>
+                </a:ln>
+                <a:solidFill>
+                  <a:srgbClr val="BABABA"/>
+                </a:solidFill>
+                <a:effectLst/>
+                <a:latin typeface="JetBrains Mono"/>
+              </a:rPr>
+              <a:t>value</a:t>
+            </a:r>
+            <a:r>
+              <a:rPr kumimoji="0" lang="en-US" altLang="en-US" sz="2000" b="0" i="0" u="none" strike="noStrike" cap="none" normalizeH="0" baseline="0" dirty="0">
+                <a:ln>
+                  <a:noFill/>
+                </a:ln>
+                <a:solidFill>
+                  <a:srgbClr val="6A8759"/>
+                </a:solidFill>
+                <a:effectLst/>
+                <a:latin typeface="JetBrains Mono"/>
+              </a:rPr>
+              <a:t>="1" </a:t>
+            </a:r>
+            <a:r>
+              <a:rPr kumimoji="0" lang="en-US" altLang="en-US" sz="2000" b="0" i="0" u="none" strike="noStrike" cap="none" normalizeH="0" baseline="0" dirty="0">
+                <a:ln>
+                  <a:noFill/>
+                </a:ln>
+                <a:solidFill>
+                  <a:srgbClr val="E8BF6A"/>
+                </a:solidFill>
+                <a:effectLst/>
+                <a:latin typeface="JetBrains Mono"/>
+              </a:rPr>
+              <a:t>/&gt;</a:t>
+            </a:r>
+            <a:br>
+              <a:rPr kumimoji="0" lang="en-US" altLang="en-US" sz="2000" b="0" i="0" u="none" strike="noStrike" cap="none" normalizeH="0" baseline="0" dirty="0">
+                <a:ln>
+                  <a:noFill/>
+                </a:ln>
+                <a:solidFill>
+                  <a:srgbClr val="E8BF6A"/>
+                </a:solidFill>
+                <a:effectLst/>
+                <a:latin typeface="JetBrains Mono"/>
+              </a:rPr>
+            </a:br>
+            <a:r>
+              <a:rPr kumimoji="0" lang="en-US" altLang="en-US" sz="2000" b="0" i="0" u="none" strike="noStrike" cap="none" normalizeH="0" baseline="0" dirty="0">
+                <a:ln>
+                  <a:noFill/>
+                </a:ln>
+                <a:solidFill>
+                  <a:srgbClr val="E8BF6A"/>
+                </a:solidFill>
+                <a:effectLst/>
+                <a:latin typeface="JetBrains Mono"/>
+              </a:rPr>
+              <a:t>    &lt;entry </a:t>
+            </a:r>
+            <a:r>
+              <a:rPr kumimoji="0" lang="en-US" altLang="en-US" sz="2000" b="0" i="0" u="none" strike="noStrike" cap="none" normalizeH="0" baseline="0" dirty="0">
+                <a:ln>
+                  <a:noFill/>
+                </a:ln>
+                <a:solidFill>
+                  <a:srgbClr val="BABABA"/>
+                </a:solidFill>
+                <a:effectLst/>
+                <a:latin typeface="JetBrains Mono"/>
+              </a:rPr>
+              <a:t>key</a:t>
+            </a:r>
+            <a:r>
+              <a:rPr kumimoji="0" lang="en-US" altLang="en-US" sz="2000" b="0" i="0" u="none" strike="noStrike" cap="none" normalizeH="0" baseline="0" dirty="0">
+                <a:ln>
+                  <a:noFill/>
+                </a:ln>
+                <a:solidFill>
+                  <a:srgbClr val="6A8759"/>
+                </a:solidFill>
+                <a:effectLst/>
+                <a:latin typeface="JetBrains Mono"/>
+              </a:rPr>
+              <a:t>="key2" </a:t>
+            </a:r>
+            <a:r>
+              <a:rPr kumimoji="0" lang="en-US" altLang="en-US" sz="2000" b="0" i="0" u="none" strike="noStrike" cap="none" normalizeH="0" baseline="0" dirty="0">
+                <a:ln>
+                  <a:noFill/>
+                </a:ln>
+                <a:solidFill>
+                  <a:srgbClr val="BABABA"/>
+                </a:solidFill>
+                <a:effectLst/>
+                <a:latin typeface="JetBrains Mono"/>
+              </a:rPr>
+              <a:t>value-ref</a:t>
+            </a:r>
+            <a:r>
+              <a:rPr kumimoji="0" lang="en-US" altLang="en-US" sz="2000" b="0" i="0" u="none" strike="noStrike" cap="none" normalizeH="0" baseline="0" dirty="0">
+                <a:ln>
+                  <a:noFill/>
+                </a:ln>
+                <a:solidFill>
+                  <a:srgbClr val="6A8759"/>
+                </a:solidFill>
+                <a:effectLst/>
+                <a:latin typeface="JetBrains Mono"/>
+              </a:rPr>
+              <a:t>="person"</a:t>
+            </a:r>
+            <a:r>
+              <a:rPr kumimoji="0" lang="en-US" altLang="en-US" sz="2000" b="0" i="0" u="none" strike="noStrike" cap="none" normalizeH="0" baseline="0" dirty="0">
+                <a:ln>
+                  <a:noFill/>
+                </a:ln>
+                <a:solidFill>
+                  <a:srgbClr val="E8BF6A"/>
+                </a:solidFill>
+                <a:effectLst/>
+                <a:latin typeface="JetBrains Mono"/>
+              </a:rPr>
+              <a:t>/&gt;</a:t>
+            </a:r>
+            <a:br>
+              <a:rPr kumimoji="0" lang="en-US" altLang="en-US" sz="2000" b="0" i="0" u="none" strike="noStrike" cap="none" normalizeH="0" baseline="0" dirty="0">
+                <a:ln>
+                  <a:noFill/>
+                </a:ln>
+                <a:solidFill>
+                  <a:srgbClr val="E8BF6A"/>
+                </a:solidFill>
+                <a:effectLst/>
+                <a:latin typeface="JetBrains Mono"/>
+              </a:rPr>
+            </a:br>
+            <a:r>
+              <a:rPr kumimoji="0" lang="en-US" altLang="en-US" sz="2000" b="0" i="0" u="none" strike="noStrike" cap="none" normalizeH="0" baseline="0" dirty="0">
+                <a:ln>
+                  <a:noFill/>
+                </a:ln>
+                <a:solidFill>
+                  <a:srgbClr val="E8BF6A"/>
+                </a:solidFill>
+                <a:effectLst/>
+                <a:latin typeface="JetBrains Mono"/>
+              </a:rPr>
+              <a:t>&lt;/map&gt;</a:t>
+            </a:r>
+            <a:endParaRPr kumimoji="0" lang="en-US" altLang="en-US" sz="2000" b="0" i="0" u="none" strike="noStrike" cap="none" normalizeH="0" baseline="0" dirty="0">
+              <a:ln>
+                <a:noFill/>
+              </a:ln>
+              <a:solidFill>
+                <a:schemeClr val="tx1"/>
+              </a:solidFill>
+              <a:effectLst/>
+              <a:latin typeface="Arial" panose="020B0604020202020204" pitchFamily="34" charset="0"/>
+            </a:endParaRPr>
+          </a:p>
+        </p:txBody>
+      </p:sp>
+    </p:spTree>
+    <p:extLst>
+      <p:ext uri="{BB962C8B-B14F-4D97-AF65-F5344CB8AC3E}">
+        <p14:creationId xmlns:p14="http://schemas.microsoft.com/office/powerpoint/2010/main" val="1278937678"/>
       </p:ext>
     </p:extLst>
   </p:cSld>
